--- a/Preparation-Bay-Area-Workshop.pptx
+++ b/Preparation-Bay-Area-Workshop.pptx
@@ -6,21 +6,25 @@
   </p:sldMasterIdLst>
   <p:sldIdLst>
     <p:sldId id="256" r:id="rId2"/>
-    <p:sldId id="257" r:id="rId3"/>
-    <p:sldId id="268" r:id="rId4"/>
-    <p:sldId id="267" r:id="rId5"/>
-    <p:sldId id="266" r:id="rId6"/>
-    <p:sldId id="258" r:id="rId7"/>
-    <p:sldId id="259" r:id="rId8"/>
-    <p:sldId id="260" r:id="rId9"/>
-    <p:sldId id="261" r:id="rId10"/>
-    <p:sldId id="262" r:id="rId11"/>
-    <p:sldId id="263" r:id="rId12"/>
-    <p:sldId id="264" r:id="rId13"/>
+    <p:sldId id="281" r:id="rId3"/>
+    <p:sldId id="257" r:id="rId4"/>
+    <p:sldId id="268" r:id="rId5"/>
+    <p:sldId id="267" r:id="rId6"/>
+    <p:sldId id="276" r:id="rId7"/>
+    <p:sldId id="280" r:id="rId8"/>
+    <p:sldId id="285" r:id="rId9"/>
+    <p:sldId id="286" r:id="rId10"/>
+    <p:sldId id="282" r:id="rId11"/>
+    <p:sldId id="287" r:id="rId12"/>
+    <p:sldId id="262" r:id="rId13"/>
     <p:sldId id="265" r:id="rId14"/>
     <p:sldId id="269" r:id="rId15"/>
     <p:sldId id="271" r:id="rId16"/>
     <p:sldId id="270" r:id="rId17"/>
+    <p:sldId id="277" r:id="rId18"/>
+    <p:sldId id="273" r:id="rId19"/>
+    <p:sldId id="274" r:id="rId20"/>
+    <p:sldId id="275" r:id="rId21"/>
   </p:sldIdLst>
   <p:sldSz cx="12192000" cy="6858000"/>
   <p:notesSz cx="6858000" cy="9144000"/>
@@ -274,9 +278,9 @@
           <a:p>
             <a:fld id="{EE5AE19D-5FC0-AE43-B301-8386B09B318A}" type="datetimeFigureOut">
               <a:rPr lang="en-US" smtClean="0"/>
-              <a:t>9/25/18</a:t>
+              <a:t>10/4/18</a:t>
             </a:fld>
-            <a:endParaRPr lang="en-US"/>
+            <a:endParaRPr lang="en-US" dirty="0"/>
           </a:p>
         </p:txBody>
       </p:sp>
@@ -301,7 +305,7 @@
           <a:bodyPr/>
           <a:lstStyle/>
           <a:p>
-            <a:endParaRPr lang="en-US"/>
+            <a:endParaRPr lang="en-US" dirty="0"/>
           </a:p>
         </p:txBody>
       </p:sp>
@@ -330,7 +334,7 @@
               <a:rPr lang="en-US" smtClean="0"/>
               <a:t>‹#›</a:t>
             </a:fld>
-            <a:endParaRPr lang="en-US"/>
+            <a:endParaRPr lang="en-US" dirty="0"/>
           </a:p>
         </p:txBody>
       </p:sp>
@@ -472,9 +476,9 @@
           <a:p>
             <a:fld id="{EE5AE19D-5FC0-AE43-B301-8386B09B318A}" type="datetimeFigureOut">
               <a:rPr lang="en-US" smtClean="0"/>
-              <a:t>9/25/18</a:t>
+              <a:t>10/4/18</a:t>
             </a:fld>
-            <a:endParaRPr lang="en-US"/>
+            <a:endParaRPr lang="en-US" dirty="0"/>
           </a:p>
         </p:txBody>
       </p:sp>
@@ -499,7 +503,7 @@
           <a:bodyPr/>
           <a:lstStyle/>
           <a:p>
-            <a:endParaRPr lang="en-US"/>
+            <a:endParaRPr lang="en-US" dirty="0"/>
           </a:p>
         </p:txBody>
       </p:sp>
@@ -528,7 +532,7 @@
               <a:rPr lang="en-US" smtClean="0"/>
               <a:t>‹#›</a:t>
             </a:fld>
-            <a:endParaRPr lang="en-US"/>
+            <a:endParaRPr lang="en-US" dirty="0"/>
           </a:p>
         </p:txBody>
       </p:sp>
@@ -680,9 +684,9 @@
           <a:p>
             <a:fld id="{EE5AE19D-5FC0-AE43-B301-8386B09B318A}" type="datetimeFigureOut">
               <a:rPr lang="en-US" smtClean="0"/>
-              <a:t>9/25/18</a:t>
+              <a:t>10/4/18</a:t>
             </a:fld>
-            <a:endParaRPr lang="en-US"/>
+            <a:endParaRPr lang="en-US" dirty="0"/>
           </a:p>
         </p:txBody>
       </p:sp>
@@ -707,7 +711,7 @@
           <a:bodyPr/>
           <a:lstStyle/>
           <a:p>
-            <a:endParaRPr lang="en-US"/>
+            <a:endParaRPr lang="en-US" dirty="0"/>
           </a:p>
         </p:txBody>
       </p:sp>
@@ -736,7 +740,7 @@
               <a:rPr lang="en-US" smtClean="0"/>
               <a:t>‹#›</a:t>
             </a:fld>
-            <a:endParaRPr lang="en-US"/>
+            <a:endParaRPr lang="en-US" dirty="0"/>
           </a:p>
         </p:txBody>
       </p:sp>
@@ -878,9 +882,9 @@
           <a:p>
             <a:fld id="{EE5AE19D-5FC0-AE43-B301-8386B09B318A}" type="datetimeFigureOut">
               <a:rPr lang="en-US" smtClean="0"/>
-              <a:t>9/25/18</a:t>
+              <a:t>10/4/18</a:t>
             </a:fld>
-            <a:endParaRPr lang="en-US"/>
+            <a:endParaRPr lang="en-US" dirty="0"/>
           </a:p>
         </p:txBody>
       </p:sp>
@@ -905,7 +909,7 @@
           <a:bodyPr/>
           <a:lstStyle/>
           <a:p>
-            <a:endParaRPr lang="en-US"/>
+            <a:endParaRPr lang="en-US" dirty="0"/>
           </a:p>
         </p:txBody>
       </p:sp>
@@ -934,7 +938,7 @@
               <a:rPr lang="en-US" smtClean="0"/>
               <a:t>‹#›</a:t>
             </a:fld>
-            <a:endParaRPr lang="en-US"/>
+            <a:endParaRPr lang="en-US" dirty="0"/>
           </a:p>
         </p:txBody>
       </p:sp>
@@ -1153,9 +1157,9 @@
           <a:p>
             <a:fld id="{EE5AE19D-5FC0-AE43-B301-8386B09B318A}" type="datetimeFigureOut">
               <a:rPr lang="en-US" smtClean="0"/>
-              <a:t>9/25/18</a:t>
+              <a:t>10/4/18</a:t>
             </a:fld>
-            <a:endParaRPr lang="en-US"/>
+            <a:endParaRPr lang="en-US" dirty="0"/>
           </a:p>
         </p:txBody>
       </p:sp>
@@ -1180,7 +1184,7 @@
           <a:bodyPr/>
           <a:lstStyle/>
           <a:p>
-            <a:endParaRPr lang="en-US"/>
+            <a:endParaRPr lang="en-US" dirty="0"/>
           </a:p>
         </p:txBody>
       </p:sp>
@@ -1209,7 +1213,7 @@
               <a:rPr lang="en-US" smtClean="0"/>
               <a:t>‹#›</a:t>
             </a:fld>
-            <a:endParaRPr lang="en-US"/>
+            <a:endParaRPr lang="en-US" dirty="0"/>
           </a:p>
         </p:txBody>
       </p:sp>
@@ -1418,9 +1422,9 @@
           <a:p>
             <a:fld id="{EE5AE19D-5FC0-AE43-B301-8386B09B318A}" type="datetimeFigureOut">
               <a:rPr lang="en-US" smtClean="0"/>
-              <a:t>9/25/18</a:t>
+              <a:t>10/4/18</a:t>
             </a:fld>
-            <a:endParaRPr lang="en-US"/>
+            <a:endParaRPr lang="en-US" dirty="0"/>
           </a:p>
         </p:txBody>
       </p:sp>
@@ -1445,7 +1449,7 @@
           <a:bodyPr/>
           <a:lstStyle/>
           <a:p>
-            <a:endParaRPr lang="en-US"/>
+            <a:endParaRPr lang="en-US" dirty="0"/>
           </a:p>
         </p:txBody>
       </p:sp>
@@ -1474,7 +1478,7 @@
               <a:rPr lang="en-US" smtClean="0"/>
               <a:t>‹#›</a:t>
             </a:fld>
-            <a:endParaRPr lang="en-US"/>
+            <a:endParaRPr lang="en-US" dirty="0"/>
           </a:p>
         </p:txBody>
       </p:sp>
@@ -1830,9 +1834,9 @@
           <a:p>
             <a:fld id="{EE5AE19D-5FC0-AE43-B301-8386B09B318A}" type="datetimeFigureOut">
               <a:rPr lang="en-US" smtClean="0"/>
-              <a:t>9/25/18</a:t>
+              <a:t>10/4/18</a:t>
             </a:fld>
-            <a:endParaRPr lang="en-US"/>
+            <a:endParaRPr lang="en-US" dirty="0"/>
           </a:p>
         </p:txBody>
       </p:sp>
@@ -1857,7 +1861,7 @@
           <a:bodyPr/>
           <a:lstStyle/>
           <a:p>
-            <a:endParaRPr lang="en-US"/>
+            <a:endParaRPr lang="en-US" dirty="0"/>
           </a:p>
         </p:txBody>
       </p:sp>
@@ -1886,7 +1890,7 @@
               <a:rPr lang="en-US" smtClean="0"/>
               <a:t>‹#›</a:t>
             </a:fld>
-            <a:endParaRPr lang="en-US"/>
+            <a:endParaRPr lang="en-US" dirty="0"/>
           </a:p>
         </p:txBody>
       </p:sp>
@@ -1971,9 +1975,9 @@
           <a:p>
             <a:fld id="{EE5AE19D-5FC0-AE43-B301-8386B09B318A}" type="datetimeFigureOut">
               <a:rPr lang="en-US" smtClean="0"/>
-              <a:t>9/25/18</a:t>
+              <a:t>10/4/18</a:t>
             </a:fld>
-            <a:endParaRPr lang="en-US"/>
+            <a:endParaRPr lang="en-US" dirty="0"/>
           </a:p>
         </p:txBody>
       </p:sp>
@@ -1998,7 +2002,7 @@
           <a:bodyPr/>
           <a:lstStyle/>
           <a:p>
-            <a:endParaRPr lang="en-US"/>
+            <a:endParaRPr lang="en-US" dirty="0"/>
           </a:p>
         </p:txBody>
       </p:sp>
@@ -2027,7 +2031,7 @@
               <a:rPr lang="en-US" smtClean="0"/>
               <a:t>‹#›</a:t>
             </a:fld>
-            <a:endParaRPr lang="en-US"/>
+            <a:endParaRPr lang="en-US" dirty="0"/>
           </a:p>
         </p:txBody>
       </p:sp>
@@ -2084,9 +2088,9 @@
           <a:p>
             <a:fld id="{EE5AE19D-5FC0-AE43-B301-8386B09B318A}" type="datetimeFigureOut">
               <a:rPr lang="en-US" smtClean="0"/>
-              <a:t>9/25/18</a:t>
+              <a:t>10/4/18</a:t>
             </a:fld>
-            <a:endParaRPr lang="en-US"/>
+            <a:endParaRPr lang="en-US" dirty="0"/>
           </a:p>
         </p:txBody>
       </p:sp>
@@ -2111,7 +2115,7 @@
           <a:bodyPr/>
           <a:lstStyle/>
           <a:p>
-            <a:endParaRPr lang="en-US"/>
+            <a:endParaRPr lang="en-US" dirty="0"/>
           </a:p>
         </p:txBody>
       </p:sp>
@@ -2140,7 +2144,7 @@
               <a:rPr lang="en-US" smtClean="0"/>
               <a:t>‹#›</a:t>
             </a:fld>
-            <a:endParaRPr lang="en-US"/>
+            <a:endParaRPr lang="en-US" dirty="0"/>
           </a:p>
         </p:txBody>
       </p:sp>
@@ -2395,9 +2399,9 @@
           <a:p>
             <a:fld id="{EE5AE19D-5FC0-AE43-B301-8386B09B318A}" type="datetimeFigureOut">
               <a:rPr lang="en-US" smtClean="0"/>
-              <a:t>9/25/18</a:t>
+              <a:t>10/4/18</a:t>
             </a:fld>
-            <a:endParaRPr lang="en-US"/>
+            <a:endParaRPr lang="en-US" dirty="0"/>
           </a:p>
         </p:txBody>
       </p:sp>
@@ -2422,7 +2426,7 @@
           <a:bodyPr/>
           <a:lstStyle/>
           <a:p>
-            <a:endParaRPr lang="en-US"/>
+            <a:endParaRPr lang="en-US" dirty="0"/>
           </a:p>
         </p:txBody>
       </p:sp>
@@ -2451,7 +2455,7 @@
               <a:rPr lang="en-US" smtClean="0"/>
               <a:t>‹#›</a:t>
             </a:fld>
-            <a:endParaRPr lang="en-US"/>
+            <a:endParaRPr lang="en-US" dirty="0"/>
           </a:p>
         </p:txBody>
       </p:sp>
@@ -2585,7 +2589,7 @@
             </a:lvl9pPr>
           </a:lstStyle>
           <a:p>
-            <a:endParaRPr lang="en-US"/>
+            <a:endParaRPr lang="en-US" dirty="0"/>
           </a:p>
         </p:txBody>
       </p:sp>
@@ -2683,9 +2687,9 @@
           <a:p>
             <a:fld id="{EE5AE19D-5FC0-AE43-B301-8386B09B318A}" type="datetimeFigureOut">
               <a:rPr lang="en-US" smtClean="0"/>
-              <a:t>9/25/18</a:t>
+              <a:t>10/4/18</a:t>
             </a:fld>
-            <a:endParaRPr lang="en-US"/>
+            <a:endParaRPr lang="en-US" dirty="0"/>
           </a:p>
         </p:txBody>
       </p:sp>
@@ -2710,7 +2714,7 @@
           <a:bodyPr/>
           <a:lstStyle/>
           <a:p>
-            <a:endParaRPr lang="en-US"/>
+            <a:endParaRPr lang="en-US" dirty="0"/>
           </a:p>
         </p:txBody>
       </p:sp>
@@ -2739,7 +2743,7 @@
               <a:rPr lang="en-US" smtClean="0"/>
               <a:t>‹#›</a:t>
             </a:fld>
-            <a:endParaRPr lang="en-US"/>
+            <a:endParaRPr lang="en-US" dirty="0"/>
           </a:p>
         </p:txBody>
       </p:sp>
@@ -2924,9 +2928,9 @@
           <a:p>
             <a:fld id="{EE5AE19D-5FC0-AE43-B301-8386B09B318A}" type="datetimeFigureOut">
               <a:rPr lang="en-US" smtClean="0"/>
-              <a:t>9/25/18</a:t>
+              <a:t>10/4/18</a:t>
             </a:fld>
-            <a:endParaRPr lang="en-US"/>
+            <a:endParaRPr lang="en-US" dirty="0"/>
           </a:p>
         </p:txBody>
       </p:sp>
@@ -2969,7 +2973,7 @@
             </a:lvl1pPr>
           </a:lstStyle>
           <a:p>
-            <a:endParaRPr lang="en-US"/>
+            <a:endParaRPr lang="en-US" dirty="0"/>
           </a:p>
         </p:txBody>
       </p:sp>
@@ -3016,7 +3020,7 @@
               <a:rPr lang="en-US" smtClean="0"/>
               <a:t>‹#›</a:t>
             </a:fld>
-            <a:endParaRPr lang="en-US"/>
+            <a:endParaRPr lang="en-US" dirty="0"/>
           </a:p>
         </p:txBody>
       </p:sp>
@@ -3390,7 +3394,7 @@
           <a:bodyPr/>
           <a:lstStyle/>
           <a:p>
-            <a:endParaRPr lang="en-US"/>
+            <a:endParaRPr lang="en-US" dirty="0"/>
           </a:p>
         </p:txBody>
       </p:sp>
@@ -3440,76 +3444,14 @@
             <p:ph type="title"/>
           </p:nvPr>
         </p:nvSpPr>
-        <p:spPr>
-          <a:xfrm>
-            <a:off x="838200" y="365125"/>
-            <a:ext cx="10866120" cy="1325563"/>
-          </a:xfrm>
-        </p:spPr>
-        <p:txBody>
-          <a:bodyPr>
-            <a:normAutofit/>
-          </a:bodyPr>
-          <a:lstStyle/>
-          <a:p>
-            <a:r>
-              <a:rPr lang="en-US" sz="3600" dirty="0"/>
-              <a:t>Check if adb is installed and if the emulator can be found </a:t>
-            </a:r>
-          </a:p>
-        </p:txBody>
-      </p:sp>
-      <p:sp>
-        <p:nvSpPr>
-          <p:cNvPr id="3" name="Content Placeholder 2">
-            <a:extLst>
-              <a:ext uri="{FF2B5EF4-FFF2-40B4-BE49-F238E27FC236}">
-                <a16:creationId xmlns:a16="http://schemas.microsoft.com/office/drawing/2014/main" id="{5D98E177-C354-D542-A14E-E86EEC9F17A0}"/>
-              </a:ext>
-            </a:extLst>
-          </p:cNvPr>
-          <p:cNvSpPr>
-            <a:spLocks noGrp="1"/>
-          </p:cNvSpPr>
-          <p:nvPr>
-            <p:ph idx="1"/>
-          </p:nvPr>
-        </p:nvSpPr>
         <p:spPr/>
         <p:txBody>
           <a:bodyPr/>
           <a:lstStyle/>
           <a:p>
-            <a:endParaRPr lang="en-US" dirty="0"/>
-          </a:p>
-          <a:p>
-            <a:endParaRPr lang="en-US" dirty="0"/>
-          </a:p>
-          <a:p>
-            <a:endParaRPr lang="en-US" dirty="0"/>
-          </a:p>
-          <a:p>
-            <a:pPr marL="0" indent="0">
-              <a:buNone/>
-            </a:pPr>
             <a:r>
               <a:rPr lang="en-US" dirty="0"/>
-              <a:t>Otherwise install ADB now for your platform:</a:t>
-            </a:r>
-          </a:p>
-          <a:p>
-            <a:pPr marL="0" indent="0">
-              <a:buNone/>
-            </a:pPr>
-            <a:r>
-              <a:rPr lang="en-US" dirty="0">
-                <a:hlinkClick r:id="rId2"/>
-              </a:rPr>
-              <a:t>https://www.xda-developers.com/install-adb-windows-macos-linux/</a:t>
-            </a:r>
-            <a:r>
-              <a:rPr lang="en-US" dirty="0"/>
-              <a:t> </a:t>
+              <a:t>Create AVD (Android Virtual Device)</a:t>
             </a:r>
           </a:p>
         </p:txBody>
@@ -3519,7 +3461,111 @@
           <p:cNvPr id="4" name="Picture 3">
             <a:extLst>
               <a:ext uri="{FF2B5EF4-FFF2-40B4-BE49-F238E27FC236}">
-                <a16:creationId xmlns:a16="http://schemas.microsoft.com/office/drawing/2014/main" id="{8A92F754-361C-0D42-8F52-3F39283354D5}"/>
+                <a16:creationId xmlns:a16="http://schemas.microsoft.com/office/drawing/2014/main" id="{6A1A2CD8-F5E5-DC41-B87F-F8DE0E56F90C}"/>
+              </a:ext>
+            </a:extLst>
+          </p:cNvPr>
+          <p:cNvPicPr>
+            <a:picLocks noChangeAspect="1"/>
+          </p:cNvPicPr>
+          <p:nvPr/>
+        </p:nvPicPr>
+        <p:blipFill>
+          <a:blip r:embed="rId2"/>
+          <a:stretch>
+            <a:fillRect/>
+          </a:stretch>
+        </p:blipFill>
+        <p:spPr>
+          <a:xfrm>
+            <a:off x="5434149" y="1547949"/>
+            <a:ext cx="6551521" cy="5310051"/>
+          </a:xfrm>
+          <a:prstGeom prst="rect">
+            <a:avLst/>
+          </a:prstGeom>
+        </p:spPr>
+      </p:pic>
+      <p:sp>
+        <p:nvSpPr>
+          <p:cNvPr id="3" name="TextBox 2">
+            <a:extLst>
+              <a:ext uri="{FF2B5EF4-FFF2-40B4-BE49-F238E27FC236}">
+                <a16:creationId xmlns:a16="http://schemas.microsoft.com/office/drawing/2014/main" id="{EEF5B2E1-FE6E-A44E-8F22-61F4DD0D7F88}"/>
+              </a:ext>
+            </a:extLst>
+          </p:cNvPr>
+          <p:cNvSpPr txBox="1"/>
+          <p:nvPr/>
+        </p:nvSpPr>
+        <p:spPr>
+          <a:xfrm>
+            <a:off x="414592" y="1993217"/>
+            <a:ext cx="4935583" cy="2308324"/>
+          </a:xfrm>
+          <a:prstGeom prst="rect">
+            <a:avLst/>
+          </a:prstGeom>
+          <a:noFill/>
+        </p:spPr>
+        <p:txBody>
+          <a:bodyPr wrap="square" rtlCol="0">
+            <a:spAutoFit/>
+          </a:bodyPr>
+          <a:lstStyle/>
+          <a:p>
+            <a:r>
+              <a:rPr lang="en-US" b="1" dirty="0"/>
+              <a:t>Please make sure that the image for the AVD is downloaded. </a:t>
+            </a:r>
+          </a:p>
+          <a:p>
+            <a:endParaRPr lang="en-US" dirty="0"/>
+          </a:p>
+          <a:p>
+            <a:pPr marL="342900" indent="-342900">
+              <a:buAutoNum type="arabicPeriod"/>
+            </a:pPr>
+            <a:r>
+              <a:rPr lang="en-US" dirty="0"/>
+              <a:t>Go to Android Studio </a:t>
+            </a:r>
+          </a:p>
+          <a:p>
+            <a:pPr marL="342900" indent="-342900">
+              <a:buAutoNum type="arabicPeriod"/>
+            </a:pPr>
+            <a:r>
+              <a:rPr lang="en-US" dirty="0"/>
+              <a:t>Go to Tools / AVD Manager</a:t>
+            </a:r>
+          </a:p>
+          <a:p>
+            <a:pPr marL="342900" indent="-342900">
+              <a:buAutoNum type="arabicPeriod"/>
+            </a:pPr>
+            <a:r>
+              <a:rPr lang="en-US" dirty="0"/>
+              <a:t>Select 80x86 and click on Download</a:t>
+            </a:r>
+          </a:p>
+          <a:p>
+            <a:pPr marL="342900" indent="-342900">
+              <a:buAutoNum type="arabicPeriod"/>
+            </a:pPr>
+            <a:r>
+              <a:rPr lang="en-US" dirty="0"/>
+              <a:t>The system image used by this AVD will now be downloaded, if it wasn’t downloaded before</a:t>
+            </a:r>
+          </a:p>
+        </p:txBody>
+      </p:sp>
+      <p:pic>
+        <p:nvPicPr>
+          <p:cNvPr id="5" name="Picture 4">
+            <a:extLst>
+              <a:ext uri="{FF2B5EF4-FFF2-40B4-BE49-F238E27FC236}">
+                <a16:creationId xmlns:a16="http://schemas.microsoft.com/office/drawing/2014/main" id="{D693E95F-ADEE-7549-B7C7-67C99F1C5581}"/>
               </a:ext>
             </a:extLst>
           </p:cNvPr>
@@ -3536,8 +3582,8 @@
         </p:blipFill>
         <p:spPr>
           <a:xfrm>
-            <a:off x="3977790" y="1825625"/>
-            <a:ext cx="3784600" cy="876300"/>
+            <a:off x="473375" y="4327072"/>
+            <a:ext cx="4876800" cy="1600200"/>
           </a:xfrm>
           <a:prstGeom prst="rect">
             <a:avLst/>
@@ -3547,7 +3593,7 @@
     </p:spTree>
     <p:extLst>
       <p:ext uri="{BB962C8B-B14F-4D97-AF65-F5344CB8AC3E}">
-        <p14:creationId xmlns:p14="http://schemas.microsoft.com/office/powerpoint/2010/main" val="1197823365"/>
+        <p14:creationId xmlns:p14="http://schemas.microsoft.com/office/powerpoint/2010/main" val="3261444337"/>
       </p:ext>
     </p:extLst>
   </p:cSld>
@@ -3590,87 +3636,331 @@
             <p:ph type="title"/>
           </p:nvPr>
         </p:nvSpPr>
-        <p:spPr>
-          <a:xfrm>
-            <a:off x="838200" y="365125"/>
-            <a:ext cx="10866120" cy="1325563"/>
-          </a:xfrm>
-        </p:spPr>
-        <p:txBody>
-          <a:bodyPr>
-            <a:normAutofit/>
+        <p:spPr/>
+        <p:txBody>
+          <a:bodyPr/>
+          <a:lstStyle/>
+          <a:p>
+            <a:r>
+              <a:rPr lang="en-US" dirty="0"/>
+              <a:t>Create AVD (Android Virtual Device)</a:t>
+            </a:r>
+          </a:p>
+        </p:txBody>
+      </p:sp>
+      <p:sp>
+        <p:nvSpPr>
+          <p:cNvPr id="3" name="TextBox 2">
+            <a:extLst>
+              <a:ext uri="{FF2B5EF4-FFF2-40B4-BE49-F238E27FC236}">
+                <a16:creationId xmlns:a16="http://schemas.microsoft.com/office/drawing/2014/main" id="{EEF5B2E1-FE6E-A44E-8F22-61F4DD0D7F88}"/>
+              </a:ext>
+            </a:extLst>
+          </p:cNvPr>
+          <p:cNvSpPr txBox="1"/>
+          <p:nvPr/>
+        </p:nvSpPr>
+        <p:spPr>
+          <a:xfrm>
+            <a:off x="307793" y="1595739"/>
+            <a:ext cx="5074104" cy="3970318"/>
+          </a:xfrm>
+          <a:prstGeom prst="rect">
+            <a:avLst/>
+          </a:prstGeom>
+          <a:noFill/>
+        </p:spPr>
+        <p:txBody>
+          <a:bodyPr wrap="square" rtlCol="0">
+            <a:spAutoFit/>
           </a:bodyPr>
           <a:lstStyle/>
           <a:p>
             <a:r>
-              <a:rPr lang="en-US" sz="3600" dirty="0"/>
-              <a:t>Checkout the </a:t>
-            </a:r>
-            <a:r>
-              <a:rPr lang="en-US" sz="3600" dirty="0" err="1"/>
-              <a:t>Github</a:t>
-            </a:r>
-            <a:r>
-              <a:rPr lang="en-US" sz="3600" dirty="0"/>
-              <a:t> repo for OWASP Bay Area Workshop</a:t>
-            </a:r>
-          </a:p>
-        </p:txBody>
-      </p:sp>
-      <p:sp>
-        <p:nvSpPr>
-          <p:cNvPr id="3" name="Content Placeholder 2">
-            <a:extLst>
-              <a:ext uri="{FF2B5EF4-FFF2-40B4-BE49-F238E27FC236}">
-                <a16:creationId xmlns:a16="http://schemas.microsoft.com/office/drawing/2014/main" id="{5D98E177-C354-D542-A14E-E86EEC9F17A0}"/>
-              </a:ext>
-            </a:extLst>
-          </p:cNvPr>
-          <p:cNvSpPr>
-            <a:spLocks noGrp="1"/>
-          </p:cNvSpPr>
-          <p:nvPr>
-            <p:ph idx="1"/>
-          </p:nvPr>
-        </p:nvSpPr>
-        <p:spPr/>
-        <p:txBody>
-          <a:bodyPr/>
-          <a:lstStyle/>
+              <a:rPr lang="en-US" b="1" dirty="0"/>
+              <a:t>Next we start our AVD</a:t>
+            </a:r>
+          </a:p>
           <a:p>
             <a:endParaRPr lang="en-US" dirty="0"/>
           </a:p>
           <a:p>
-            <a:pPr marL="0" indent="0">
-              <a:buNone/>
+            <a:pPr marL="342900" indent="-342900">
+              <a:buAutoNum type="arabicPeriod"/>
             </a:pPr>
             <a:r>
               <a:rPr lang="en-US" dirty="0"/>
-              <a:t>$ git clone </a:t>
-            </a:r>
-            <a:r>
-              <a:rPr lang="en-US" dirty="0">
-                <a:hlinkClick r:id="rId2"/>
-              </a:rPr>
-              <a:t>https://github.com/sushi2k/OWASP-Bay-Area/</a:t>
-            </a:r>
+              <a:t>Go to the Android SDK directory and go tools. There you will find the ‘emulator’ command. It’s located in: /Users/</a:t>
+            </a:r>
+            <a:r>
+              <a:rPr lang="en-US" dirty="0" err="1"/>
+              <a:t>sven</a:t>
+            </a:r>
+            <a:r>
+              <a:rPr lang="en-US" dirty="0"/>
+              <a:t>/Library/Android/</a:t>
+            </a:r>
+            <a:r>
+              <a:rPr lang="en-US" dirty="0" err="1"/>
+              <a:t>sdk</a:t>
+            </a:r>
+            <a:r>
+              <a:rPr lang="en-US" dirty="0"/>
+              <a:t>/tools (macOS) </a:t>
+            </a:r>
+          </a:p>
+          <a:p>
+            <a:pPr marL="342900" indent="-342900">
+              <a:buAutoNum type="arabicPeriod"/>
+            </a:pPr>
             <a:endParaRPr lang="en-US" dirty="0"/>
           </a:p>
           <a:p>
-            <a:pPr marL="0" indent="0">
-              <a:buNone/>
+            <a:pPr marL="342900" indent="-342900">
+              <a:buAutoNum type="arabicPeriod"/>
             </a:pPr>
             <a:r>
               <a:rPr lang="en-US" dirty="0"/>
-              <a:t>$ cd OWASP-Bay-Area/android </a:t>
-            </a:r>
-          </a:p>
-        </p:txBody>
-      </p:sp>
+              <a:t>Let’s start our emulator with two custom flags</a:t>
+            </a:r>
+          </a:p>
+          <a:p>
+            <a:pPr marL="342900" indent="-342900">
+              <a:buAutoNum type="arabicPeriod"/>
+            </a:pPr>
+            <a:endParaRPr lang="en-US" dirty="0"/>
+          </a:p>
+          <a:p>
+            <a:pPr marL="342900" indent="-342900">
+              <a:buAutoNum type="arabicPeriod"/>
+            </a:pPr>
+            <a:r>
+              <a:rPr lang="en-US" dirty="0"/>
+              <a:t>In case you get an error like this, set the ANDROID_SDK_ROOT</a:t>
+            </a:r>
+          </a:p>
+          <a:p>
+            <a:pPr marL="342900" indent="-342900">
+              <a:buAutoNum type="arabicPeriod"/>
+            </a:pPr>
+            <a:endParaRPr lang="en-US" dirty="0"/>
+          </a:p>
+          <a:p>
+            <a:pPr marL="342900" indent="-342900">
+              <a:buAutoNum type="arabicPeriod"/>
+            </a:pPr>
+            <a:endParaRPr lang="en-US" dirty="0"/>
+          </a:p>
+          <a:p>
+            <a:pPr marL="342900" indent="-342900">
+              <a:buAutoNum type="arabicPeriod"/>
+            </a:pPr>
+            <a:r>
+              <a:rPr lang="en-US" dirty="0"/>
+              <a:t>Let’s start the AVD</a:t>
+            </a:r>
+          </a:p>
+        </p:txBody>
+      </p:sp>
+      <p:pic>
+        <p:nvPicPr>
+          <p:cNvPr id="6" name="Picture 5">
+            <a:extLst>
+              <a:ext uri="{FF2B5EF4-FFF2-40B4-BE49-F238E27FC236}">
+                <a16:creationId xmlns:a16="http://schemas.microsoft.com/office/drawing/2014/main" id="{977544D5-6DA7-3247-89BB-8C7DCC6EAF63}"/>
+              </a:ext>
+            </a:extLst>
+          </p:cNvPr>
+          <p:cNvPicPr>
+            <a:picLocks noChangeAspect="1"/>
+          </p:cNvPicPr>
+          <p:nvPr/>
+        </p:nvPicPr>
+        <p:blipFill>
+          <a:blip r:embed="rId2"/>
+          <a:stretch>
+            <a:fillRect/>
+          </a:stretch>
+        </p:blipFill>
+        <p:spPr>
+          <a:xfrm>
+            <a:off x="5243376" y="2305401"/>
+            <a:ext cx="7434984" cy="397148"/>
+          </a:xfrm>
+          <a:prstGeom prst="rect">
+            <a:avLst/>
+          </a:prstGeom>
+        </p:spPr>
+      </p:pic>
+      <p:pic>
+        <p:nvPicPr>
+          <p:cNvPr id="8" name="Picture 7">
+            <a:extLst>
+              <a:ext uri="{FF2B5EF4-FFF2-40B4-BE49-F238E27FC236}">
+                <a16:creationId xmlns:a16="http://schemas.microsoft.com/office/drawing/2014/main" id="{CAD41869-FF0E-0D4C-A034-D361C1802996}"/>
+              </a:ext>
+            </a:extLst>
+          </p:cNvPr>
+          <p:cNvPicPr>
+            <a:picLocks noChangeAspect="1"/>
+          </p:cNvPicPr>
+          <p:nvPr/>
+        </p:nvPicPr>
+        <p:blipFill>
+          <a:blip r:embed="rId3"/>
+          <a:stretch>
+            <a:fillRect/>
+          </a:stretch>
+        </p:blipFill>
+        <p:spPr>
+          <a:xfrm>
+            <a:off x="5243376" y="3397586"/>
+            <a:ext cx="6845077" cy="541351"/>
+          </a:xfrm>
+          <a:prstGeom prst="rect">
+            <a:avLst/>
+          </a:prstGeom>
+        </p:spPr>
+      </p:pic>
+      <p:sp>
+        <p:nvSpPr>
+          <p:cNvPr id="9" name="TextBox 8">
+            <a:extLst>
+              <a:ext uri="{FF2B5EF4-FFF2-40B4-BE49-F238E27FC236}">
+                <a16:creationId xmlns:a16="http://schemas.microsoft.com/office/drawing/2014/main" id="{F4E9BC54-E338-6E4E-9FC7-8ECA29692963}"/>
+              </a:ext>
+            </a:extLst>
+          </p:cNvPr>
+          <p:cNvSpPr txBox="1"/>
+          <p:nvPr/>
+        </p:nvSpPr>
+        <p:spPr>
+          <a:xfrm>
+            <a:off x="661408" y="4699289"/>
+            <a:ext cx="7091300" cy="646331"/>
+          </a:xfrm>
+          <a:prstGeom prst="rect">
+            <a:avLst/>
+          </a:prstGeom>
+          <a:noFill/>
+        </p:spPr>
+        <p:txBody>
+          <a:bodyPr wrap="none" rtlCol="0">
+            <a:spAutoFit/>
+          </a:bodyPr>
+          <a:lstStyle/>
+          <a:p>
+            <a:r>
+              <a:rPr lang="en-SG" b="1" dirty="0"/>
+              <a:t>export ANDROID_SDK_ROOT=/Users/&lt;Username&gt;/Library/Android/</a:t>
+            </a:r>
+            <a:r>
+              <a:rPr lang="en-SG" b="1" dirty="0" err="1"/>
+              <a:t>sdk</a:t>
+            </a:r>
+            <a:r>
+              <a:rPr lang="en-SG" b="1" dirty="0"/>
+              <a:t> </a:t>
+            </a:r>
+          </a:p>
+          <a:p>
+            <a:endParaRPr lang="en-US" b="1" dirty="0"/>
+          </a:p>
+        </p:txBody>
+      </p:sp>
+      <p:sp>
+        <p:nvSpPr>
+          <p:cNvPr id="10" name="TextBox 9">
+            <a:extLst>
+              <a:ext uri="{FF2B5EF4-FFF2-40B4-BE49-F238E27FC236}">
+                <a16:creationId xmlns:a16="http://schemas.microsoft.com/office/drawing/2014/main" id="{E376243C-0889-6944-A9DC-7BB210D3159D}"/>
+              </a:ext>
+            </a:extLst>
+          </p:cNvPr>
+          <p:cNvSpPr txBox="1"/>
+          <p:nvPr/>
+        </p:nvSpPr>
+        <p:spPr>
+          <a:xfrm>
+            <a:off x="666206" y="5603966"/>
+            <a:ext cx="5712846" cy="923330"/>
+          </a:xfrm>
+          <a:prstGeom prst="rect">
+            <a:avLst/>
+          </a:prstGeom>
+          <a:noFill/>
+        </p:spPr>
+        <p:txBody>
+          <a:bodyPr wrap="none" rtlCol="0">
+            <a:spAutoFit/>
+          </a:bodyPr>
+          <a:lstStyle/>
+          <a:p>
+            <a:r>
+              <a:rPr lang="en-US" dirty="0"/>
+              <a:t>$ emulator -</a:t>
+            </a:r>
+            <a:r>
+              <a:rPr lang="en-US" dirty="0" err="1"/>
+              <a:t>avd</a:t>
+            </a:r>
+            <a:r>
+              <a:rPr lang="en-US" dirty="0"/>
+              <a:t> 80x86 -writable-system -</a:t>
+            </a:r>
+            <a:r>
+              <a:rPr lang="en-US" dirty="0" err="1"/>
+              <a:t>selinux</a:t>
+            </a:r>
+            <a:r>
+              <a:rPr lang="en-US" dirty="0"/>
+              <a:t> permissive</a:t>
+            </a:r>
+          </a:p>
+          <a:p>
+            <a:endParaRPr lang="en-US" dirty="0"/>
+          </a:p>
+          <a:p>
+            <a:r>
+              <a:rPr lang="en-US" dirty="0"/>
+              <a:t>We need to start it with both flags!</a:t>
+            </a:r>
+          </a:p>
+        </p:txBody>
+      </p:sp>
+      <p:pic>
+        <p:nvPicPr>
+          <p:cNvPr id="11" name="Picture 10">
+            <a:extLst>
+              <a:ext uri="{FF2B5EF4-FFF2-40B4-BE49-F238E27FC236}">
+                <a16:creationId xmlns:a16="http://schemas.microsoft.com/office/drawing/2014/main" id="{729B975A-F67A-CE41-AA49-16D71622623C}"/>
+              </a:ext>
+            </a:extLst>
+          </p:cNvPr>
+          <p:cNvPicPr>
+            <a:picLocks noChangeAspect="1"/>
+          </p:cNvPicPr>
+          <p:nvPr/>
+        </p:nvPicPr>
+        <p:blipFill rotWithShape="1">
+          <a:blip r:embed="rId4"/>
+          <a:srcRect b="43026"/>
+          <a:stretch/>
+        </p:blipFill>
+        <p:spPr>
+          <a:xfrm>
+            <a:off x="6379052" y="5157723"/>
+            <a:ext cx="6483582" cy="1566927"/>
+          </a:xfrm>
+          <a:prstGeom prst="rect">
+            <a:avLst/>
+          </a:prstGeom>
+        </p:spPr>
+      </p:pic>
     </p:spTree>
     <p:extLst>
       <p:ext uri="{BB962C8B-B14F-4D97-AF65-F5344CB8AC3E}">
-        <p14:creationId xmlns:p14="http://schemas.microsoft.com/office/powerpoint/2010/main" val="3150733726"/>
+        <p14:creationId xmlns:p14="http://schemas.microsoft.com/office/powerpoint/2010/main" val="256750888"/>
       </p:ext>
     </p:extLst>
   </p:cSld>
@@ -3715,7 +4005,7 @@
         </p:nvSpPr>
         <p:spPr>
           <a:xfrm>
-            <a:off x="838200" y="85427"/>
+            <a:off x="838200" y="365125"/>
             <a:ext cx="10866120" cy="1325563"/>
           </a:xfrm>
         </p:spPr>
@@ -3726,8 +4016,8 @@
           <a:lstStyle/>
           <a:p>
             <a:r>
-              <a:rPr lang="en-US" sz="3600" dirty="0"/>
-              <a:t>Execute the shell script create_root_emu7.0.sh </a:t>
+              <a:rPr lang="en-US" sz="3600"/>
+              <a:t>Check if adb is installed and if the emulator can be found </a:t>
             </a:r>
           </a:p>
         </p:txBody>
@@ -3757,15 +4047,42 @@
           </a:p>
           <a:p>
             <a:endParaRPr lang="en-US" dirty="0"/>
+          </a:p>
+          <a:p>
+            <a:endParaRPr lang="en-US" dirty="0"/>
+          </a:p>
+          <a:p>
+            <a:pPr marL="0" indent="0">
+              <a:buNone/>
+            </a:pPr>
+            <a:r>
+              <a:rPr lang="en-US" dirty="0"/>
+              <a:t>Otherwise install ADB now for your platform:</a:t>
+            </a:r>
+          </a:p>
+          <a:p>
+            <a:pPr marL="0" indent="0">
+              <a:buNone/>
+            </a:pPr>
+            <a:r>
+              <a:rPr lang="en-US" dirty="0">
+                <a:hlinkClick r:id="rId2"/>
+              </a:rPr>
+              <a:t>https://www.xda-developers.com/install-adb-windows-macos-linux/</a:t>
+            </a:r>
+            <a:r>
+              <a:rPr lang="en-US" dirty="0"/>
+              <a:t> </a:t>
+            </a:r>
           </a:p>
         </p:txBody>
       </p:sp>
       <p:pic>
         <p:nvPicPr>
-          <p:cNvPr id="5" name="Picture 4">
-            <a:extLst>
-              <a:ext uri="{FF2B5EF4-FFF2-40B4-BE49-F238E27FC236}">
-                <a16:creationId xmlns:a16="http://schemas.microsoft.com/office/drawing/2014/main" id="{74C0B192-4380-D74D-99D4-48FBE0695B15}"/>
+          <p:cNvPr id="4" name="Picture 3">
+            <a:extLst>
+              <a:ext uri="{FF2B5EF4-FFF2-40B4-BE49-F238E27FC236}">
+                <a16:creationId xmlns:a16="http://schemas.microsoft.com/office/drawing/2014/main" id="{8A92F754-361C-0D42-8F52-3F39283354D5}"/>
               </a:ext>
             </a:extLst>
           </p:cNvPr>
@@ -3775,15 +4092,15 @@
           <p:nvPr/>
         </p:nvPicPr>
         <p:blipFill>
-          <a:blip r:embed="rId2"/>
+          <a:blip r:embed="rId3"/>
           <a:stretch>
             <a:fillRect/>
           </a:stretch>
         </p:blipFill>
         <p:spPr>
           <a:xfrm>
-            <a:off x="2226834" y="1028748"/>
-            <a:ext cx="7306578" cy="5829252"/>
+            <a:off x="3977790" y="1825625"/>
+            <a:ext cx="3784600" cy="876300"/>
           </a:xfrm>
           <a:prstGeom prst="rect">
             <a:avLst/>
@@ -3793,7 +4110,7 @@
     </p:spTree>
     <p:extLst>
       <p:ext uri="{BB962C8B-B14F-4D97-AF65-F5344CB8AC3E}">
-        <p14:creationId xmlns:p14="http://schemas.microsoft.com/office/powerpoint/2010/main" val="2140103279"/>
+        <p14:creationId xmlns:p14="http://schemas.microsoft.com/office/powerpoint/2010/main" val="1197823365"/>
       </p:ext>
     </p:extLst>
   </p:cSld>
@@ -3850,7 +4167,7 @@
           <a:p>
             <a:r>
               <a:rPr lang="en-US" sz="3600" dirty="0"/>
-              <a:t>Close the Android Emulator and start it again. You have now root access when connecting via adb </a:t>
+              <a:t>Check the root access on the emulator </a:t>
             </a:r>
           </a:p>
         </p:txBody>
@@ -3876,10 +4193,10 @@
           <a:bodyPr/>
           <a:lstStyle/>
           <a:p>
-            <a:endParaRPr lang="en-US" dirty="0"/>
-          </a:p>
-          <a:p>
-            <a:endParaRPr lang="en-US" dirty="0"/>
+            <a:endParaRPr lang="en-US"/>
+          </a:p>
+          <a:p>
+            <a:endParaRPr lang="en-US"/>
           </a:p>
         </p:txBody>
       </p:sp>
@@ -3972,7 +4289,7 @@
           <a:lstStyle/>
           <a:p>
             <a:r>
-              <a:rPr lang="en-US" sz="3600" dirty="0"/>
+              <a:rPr lang="en-US" sz="3600"/>
               <a:t>Start Burp Suite and create a temporary project </a:t>
             </a:r>
           </a:p>
@@ -3999,10 +4316,10 @@
           <a:bodyPr/>
           <a:lstStyle/>
           <a:p>
-            <a:endParaRPr lang="en-US" dirty="0"/>
-          </a:p>
-          <a:p>
-            <a:endParaRPr lang="en-US" dirty="0"/>
+            <a:endParaRPr lang="en-US"/>
+          </a:p>
+          <a:p>
+            <a:endParaRPr lang="en-US"/>
           </a:p>
         </p:txBody>
       </p:sp>
@@ -4095,7 +4412,7 @@
           <a:lstStyle/>
           <a:p>
             <a:r>
-              <a:rPr lang="en-US" sz="3600" dirty="0"/>
+              <a:rPr lang="en-US" sz="3600"/>
               <a:t>Check if the Proxy Server from Burp is running on port 8080</a:t>
             </a:r>
           </a:p>
@@ -4122,10 +4439,10 @@
           <a:bodyPr/>
           <a:lstStyle/>
           <a:p>
-            <a:endParaRPr lang="en-US" dirty="0"/>
-          </a:p>
-          <a:p>
-            <a:endParaRPr lang="en-US" dirty="0"/>
+            <a:endParaRPr lang="en-US"/>
+          </a:p>
+          <a:p>
+            <a:endParaRPr lang="en-US"/>
           </a:p>
         </p:txBody>
       </p:sp>
@@ -4218,7 +4535,7 @@
           <a:lstStyle/>
           <a:p>
             <a:r>
-              <a:rPr lang="en-US" sz="3600" dirty="0"/>
+              <a:rPr lang="en-US" sz="3600"/>
               <a:t>Configure the AVD to use Burp as Proxy </a:t>
             </a:r>
           </a:p>
@@ -4245,10 +4562,10 @@
           <a:bodyPr/>
           <a:lstStyle/>
           <a:p>
-            <a:endParaRPr lang="en-US" dirty="0"/>
-          </a:p>
-          <a:p>
-            <a:endParaRPr lang="en-US" dirty="0"/>
+            <a:endParaRPr lang="en-US"/>
+          </a:p>
+          <a:p>
+            <a:endParaRPr lang="en-US"/>
           </a:p>
         </p:txBody>
       </p:sp>
@@ -4286,6 +4603,951 @@
     <p:extLst>
       <p:ext uri="{BB962C8B-B14F-4D97-AF65-F5344CB8AC3E}">
         <p14:creationId xmlns:p14="http://schemas.microsoft.com/office/powerpoint/2010/main" val="4024758949"/>
+      </p:ext>
+    </p:extLst>
+  </p:cSld>
+  <p:clrMapOvr>
+    <a:masterClrMapping/>
+  </p:clrMapOvr>
+</p:sld>
+</file>
+
+<file path=ppt/slides/slide17.xml><?xml version="1.0" encoding="utf-8"?>
+<p:sld xmlns:a="http://schemas.openxmlformats.org/drawingml/2006/main" xmlns:r="http://schemas.openxmlformats.org/officeDocument/2006/relationships" xmlns:p="http://schemas.openxmlformats.org/presentationml/2006/main">
+  <p:cSld>
+    <p:spTree>
+      <p:nvGrpSpPr>
+        <p:cNvPr id="1" name=""/>
+        <p:cNvGrpSpPr/>
+        <p:nvPr/>
+      </p:nvGrpSpPr>
+      <p:grpSpPr>
+        <a:xfrm>
+          <a:off x="0" y="0"/>
+          <a:ext cx="0" cy="0"/>
+          <a:chOff x="0" y="0"/>
+          <a:chExt cx="0" cy="0"/>
+        </a:xfrm>
+      </p:grpSpPr>
+      <p:sp>
+        <p:nvSpPr>
+          <p:cNvPr id="2" name="Title 1">
+            <a:extLst>
+              <a:ext uri="{FF2B5EF4-FFF2-40B4-BE49-F238E27FC236}">
+                <a16:creationId xmlns:a16="http://schemas.microsoft.com/office/drawing/2014/main" id="{93966762-C3A5-3C4D-A279-EF6ECE00A35F}"/>
+              </a:ext>
+            </a:extLst>
+          </p:cNvPr>
+          <p:cNvSpPr>
+            <a:spLocks noGrp="1"/>
+          </p:cNvSpPr>
+          <p:nvPr>
+            <p:ph type="title"/>
+          </p:nvPr>
+        </p:nvSpPr>
+        <p:spPr>
+          <a:xfrm>
+            <a:off x="838200" y="85427"/>
+            <a:ext cx="10866120" cy="1325563"/>
+          </a:xfrm>
+        </p:spPr>
+        <p:txBody>
+          <a:bodyPr>
+            <a:normAutofit/>
+          </a:bodyPr>
+          <a:lstStyle/>
+          <a:p>
+            <a:r>
+              <a:rPr lang="en-US" sz="3600" dirty="0"/>
+              <a:t>OPTIONAL PART</a:t>
+            </a:r>
+          </a:p>
+        </p:txBody>
+      </p:sp>
+      <p:sp>
+        <p:nvSpPr>
+          <p:cNvPr id="3" name="Content Placeholder 2">
+            <a:extLst>
+              <a:ext uri="{FF2B5EF4-FFF2-40B4-BE49-F238E27FC236}">
+                <a16:creationId xmlns:a16="http://schemas.microsoft.com/office/drawing/2014/main" id="{5D98E177-C354-D542-A14E-E86EEC9F17A0}"/>
+              </a:ext>
+            </a:extLst>
+          </p:cNvPr>
+          <p:cNvSpPr>
+            <a:spLocks noGrp="1"/>
+          </p:cNvSpPr>
+          <p:nvPr>
+            <p:ph idx="1"/>
+          </p:nvPr>
+        </p:nvSpPr>
+        <p:spPr/>
+        <p:txBody>
+          <a:bodyPr/>
+          <a:lstStyle/>
+          <a:p>
+            <a:pPr marL="0" indent="0">
+              <a:buNone/>
+            </a:pPr>
+            <a:r>
+              <a:rPr lang="en-US" dirty="0"/>
+              <a:t>This is not needed for the workshop but should be done if you want to explore HTTPS traffic with Burp!</a:t>
+            </a:r>
+          </a:p>
+        </p:txBody>
+      </p:sp>
+    </p:spTree>
+    <p:extLst>
+      <p:ext uri="{BB962C8B-B14F-4D97-AF65-F5344CB8AC3E}">
+        <p14:creationId xmlns:p14="http://schemas.microsoft.com/office/powerpoint/2010/main" val="1820042251"/>
+      </p:ext>
+    </p:extLst>
+  </p:cSld>
+  <p:clrMapOvr>
+    <a:masterClrMapping/>
+  </p:clrMapOvr>
+</p:sld>
+</file>
+
+<file path=ppt/slides/slide18.xml><?xml version="1.0" encoding="utf-8"?>
+<p:sld xmlns:a="http://schemas.openxmlformats.org/drawingml/2006/main" xmlns:r="http://schemas.openxmlformats.org/officeDocument/2006/relationships" xmlns:p="http://schemas.openxmlformats.org/presentationml/2006/main">
+  <p:cSld>
+    <p:spTree>
+      <p:nvGrpSpPr>
+        <p:cNvPr id="1" name=""/>
+        <p:cNvGrpSpPr/>
+        <p:nvPr/>
+      </p:nvGrpSpPr>
+      <p:grpSpPr>
+        <a:xfrm>
+          <a:off x="0" y="0"/>
+          <a:ext cx="0" cy="0"/>
+          <a:chOff x="0" y="0"/>
+          <a:chExt cx="0" cy="0"/>
+        </a:xfrm>
+      </p:grpSpPr>
+      <p:sp>
+        <p:nvSpPr>
+          <p:cNvPr id="2" name="Title 1">
+            <a:extLst>
+              <a:ext uri="{FF2B5EF4-FFF2-40B4-BE49-F238E27FC236}">
+                <a16:creationId xmlns:a16="http://schemas.microsoft.com/office/drawing/2014/main" id="{93966762-C3A5-3C4D-A279-EF6ECE00A35F}"/>
+              </a:ext>
+            </a:extLst>
+          </p:cNvPr>
+          <p:cNvSpPr>
+            <a:spLocks noGrp="1"/>
+          </p:cNvSpPr>
+          <p:nvPr>
+            <p:ph type="title"/>
+          </p:nvPr>
+        </p:nvSpPr>
+        <p:spPr>
+          <a:xfrm>
+            <a:off x="838200" y="85427"/>
+            <a:ext cx="10866120" cy="1325563"/>
+          </a:xfrm>
+        </p:spPr>
+        <p:txBody>
+          <a:bodyPr>
+            <a:normAutofit/>
+          </a:bodyPr>
+          <a:lstStyle/>
+          <a:p>
+            <a:r>
+              <a:rPr lang="en-US" sz="3600"/>
+              <a:t>Prepare the CA Certificate of Burp </a:t>
+            </a:r>
+          </a:p>
+        </p:txBody>
+      </p:sp>
+      <p:sp>
+        <p:nvSpPr>
+          <p:cNvPr id="3" name="Content Placeholder 2">
+            <a:extLst>
+              <a:ext uri="{FF2B5EF4-FFF2-40B4-BE49-F238E27FC236}">
+                <a16:creationId xmlns:a16="http://schemas.microsoft.com/office/drawing/2014/main" id="{5D98E177-C354-D542-A14E-E86EEC9F17A0}"/>
+              </a:ext>
+            </a:extLst>
+          </p:cNvPr>
+          <p:cNvSpPr>
+            <a:spLocks noGrp="1"/>
+          </p:cNvSpPr>
+          <p:nvPr>
+            <p:ph idx="1"/>
+          </p:nvPr>
+        </p:nvSpPr>
+        <p:spPr>
+          <a:xfrm>
+            <a:off x="838200" y="1410990"/>
+            <a:ext cx="10515600" cy="4351338"/>
+          </a:xfrm>
+        </p:spPr>
+        <p:txBody>
+          <a:bodyPr>
+            <a:noAutofit/>
+          </a:bodyPr>
+          <a:lstStyle/>
+          <a:p>
+            <a:pPr marL="0" indent="0">
+              <a:buNone/>
+            </a:pPr>
+            <a:r>
+              <a:rPr lang="en-US" sz="2000"/>
+              <a:t>Open ”Proxy/Options” and click on Import/Export CA Certificate” and export it in der format. </a:t>
+            </a:r>
+          </a:p>
+          <a:p>
+            <a:pPr marL="0" indent="0">
+              <a:buNone/>
+            </a:pPr>
+            <a:r>
+              <a:rPr lang="en-US" sz="2000"/>
+              <a:t>Save the file as “</a:t>
+            </a:r>
+            <a:r>
+              <a:rPr lang="en-US" sz="2000" err="1"/>
+              <a:t>burp.cer</a:t>
+            </a:r>
+            <a:r>
+              <a:rPr lang="en-US" sz="2000"/>
+              <a:t>” </a:t>
+            </a:r>
+            <a:r>
+              <a:rPr lang="en-US" sz="2000" b="1"/>
+              <a:t>(NOT DER!)</a:t>
+            </a:r>
+            <a:r>
+              <a:rPr lang="en-US" sz="2000"/>
+              <a:t> </a:t>
+            </a:r>
+          </a:p>
+          <a:p>
+            <a:pPr marL="0" indent="0">
+              <a:buNone/>
+            </a:pPr>
+            <a:endParaRPr lang="en-US" sz="2000"/>
+          </a:p>
+          <a:p>
+            <a:pPr marL="0" indent="0">
+              <a:buNone/>
+            </a:pPr>
+            <a:endParaRPr lang="en-US" sz="2000"/>
+          </a:p>
+          <a:p>
+            <a:pPr marL="0" indent="0">
+              <a:buNone/>
+            </a:pPr>
+            <a:endParaRPr lang="en-US" sz="2000"/>
+          </a:p>
+          <a:p>
+            <a:pPr marL="0" indent="0">
+              <a:buNone/>
+            </a:pPr>
+            <a:endParaRPr lang="en-US" sz="2000"/>
+          </a:p>
+          <a:p>
+            <a:pPr marL="0" indent="0">
+              <a:buNone/>
+            </a:pPr>
+            <a:endParaRPr lang="en-US" sz="2000"/>
+          </a:p>
+          <a:p>
+            <a:pPr marL="0" indent="0">
+              <a:buNone/>
+            </a:pPr>
+            <a:endParaRPr lang="en-US" sz="2000"/>
+          </a:p>
+          <a:p>
+            <a:pPr marL="0" indent="0">
+              <a:buNone/>
+            </a:pPr>
+            <a:endParaRPr lang="en-US" sz="2000"/>
+          </a:p>
+          <a:p>
+            <a:pPr marL="0" indent="0">
+              <a:buNone/>
+            </a:pPr>
+            <a:endParaRPr lang="en-US" sz="2000"/>
+          </a:p>
+          <a:p>
+            <a:pPr marL="0" indent="0">
+              <a:buNone/>
+            </a:pPr>
+            <a:endParaRPr lang="en-US" sz="2000"/>
+          </a:p>
+          <a:p>
+            <a:pPr marL="0" indent="0">
+              <a:buNone/>
+            </a:pPr>
+            <a:r>
+              <a:rPr lang="en-US" sz="2000"/>
+              <a:t>Next push this certificate to the Emulator</a:t>
+            </a:r>
+          </a:p>
+          <a:p>
+            <a:pPr marL="0" indent="0">
+              <a:buNone/>
+            </a:pPr>
+            <a:endParaRPr lang="en-US" sz="2000"/>
+          </a:p>
+          <a:p>
+            <a:pPr marL="0" indent="0">
+              <a:buNone/>
+            </a:pPr>
+            <a:endParaRPr lang="en-US" sz="2000"/>
+          </a:p>
+        </p:txBody>
+      </p:sp>
+      <p:pic>
+        <p:nvPicPr>
+          <p:cNvPr id="5" name="Picture 4">
+            <a:extLst>
+              <a:ext uri="{FF2B5EF4-FFF2-40B4-BE49-F238E27FC236}">
+                <a16:creationId xmlns:a16="http://schemas.microsoft.com/office/drawing/2014/main" id="{C9EF747D-142A-1F45-BF48-1C9F7404DA82}"/>
+              </a:ext>
+            </a:extLst>
+          </p:cNvPr>
+          <p:cNvPicPr>
+            <a:picLocks noChangeAspect="1"/>
+          </p:cNvPicPr>
+          <p:nvPr/>
+        </p:nvPicPr>
+        <p:blipFill>
+          <a:blip r:embed="rId2"/>
+          <a:stretch>
+            <a:fillRect/>
+          </a:stretch>
+        </p:blipFill>
+        <p:spPr>
+          <a:xfrm>
+            <a:off x="838200" y="2553630"/>
+            <a:ext cx="6785919" cy="2900264"/>
+          </a:xfrm>
+          <a:prstGeom prst="rect">
+            <a:avLst/>
+          </a:prstGeom>
+        </p:spPr>
+      </p:pic>
+      <p:pic>
+        <p:nvPicPr>
+          <p:cNvPr id="6" name="Picture 5">
+            <a:extLst>
+              <a:ext uri="{FF2B5EF4-FFF2-40B4-BE49-F238E27FC236}">
+                <a16:creationId xmlns:a16="http://schemas.microsoft.com/office/drawing/2014/main" id="{A11DFFAD-F730-BA41-AD44-F19335C7BFFB}"/>
+              </a:ext>
+            </a:extLst>
+          </p:cNvPr>
+          <p:cNvPicPr>
+            <a:picLocks noChangeAspect="1"/>
+          </p:cNvPicPr>
+          <p:nvPr/>
+        </p:nvPicPr>
+        <p:blipFill>
+          <a:blip r:embed="rId3"/>
+          <a:stretch>
+            <a:fillRect/>
+          </a:stretch>
+        </p:blipFill>
+        <p:spPr>
+          <a:xfrm>
+            <a:off x="838200" y="6233196"/>
+            <a:ext cx="6235700" cy="596900"/>
+          </a:xfrm>
+          <a:prstGeom prst="rect">
+            <a:avLst/>
+          </a:prstGeom>
+        </p:spPr>
+      </p:pic>
+      <p:pic>
+        <p:nvPicPr>
+          <p:cNvPr id="7" name="Picture 6">
+            <a:extLst>
+              <a:ext uri="{FF2B5EF4-FFF2-40B4-BE49-F238E27FC236}">
+                <a16:creationId xmlns:a16="http://schemas.microsoft.com/office/drawing/2014/main" id="{BA95E2CF-EC72-B54A-B1E4-D632CD8D36E6}"/>
+              </a:ext>
+            </a:extLst>
+          </p:cNvPr>
+          <p:cNvPicPr>
+            <a:picLocks noChangeAspect="1"/>
+          </p:cNvPicPr>
+          <p:nvPr/>
+        </p:nvPicPr>
+        <p:blipFill>
+          <a:blip r:embed="rId4"/>
+          <a:stretch>
+            <a:fillRect/>
+          </a:stretch>
+        </p:blipFill>
+        <p:spPr>
+          <a:xfrm>
+            <a:off x="7757151" y="2279900"/>
+            <a:ext cx="5011486" cy="3447724"/>
+          </a:xfrm>
+          <a:prstGeom prst="rect">
+            <a:avLst/>
+          </a:prstGeom>
+        </p:spPr>
+      </p:pic>
+    </p:spTree>
+    <p:extLst>
+      <p:ext uri="{BB962C8B-B14F-4D97-AF65-F5344CB8AC3E}">
+        <p14:creationId xmlns:p14="http://schemas.microsoft.com/office/powerpoint/2010/main" val="3098322161"/>
+      </p:ext>
+    </p:extLst>
+  </p:cSld>
+  <p:clrMapOvr>
+    <a:masterClrMapping/>
+  </p:clrMapOvr>
+</p:sld>
+</file>
+
+<file path=ppt/slides/slide19.xml><?xml version="1.0" encoding="utf-8"?>
+<p:sld xmlns:a="http://schemas.openxmlformats.org/drawingml/2006/main" xmlns:r="http://schemas.openxmlformats.org/officeDocument/2006/relationships" xmlns:p="http://schemas.openxmlformats.org/presentationml/2006/main">
+  <p:cSld>
+    <p:spTree>
+      <p:nvGrpSpPr>
+        <p:cNvPr id="1" name=""/>
+        <p:cNvGrpSpPr/>
+        <p:nvPr/>
+      </p:nvGrpSpPr>
+      <p:grpSpPr>
+        <a:xfrm>
+          <a:off x="0" y="0"/>
+          <a:ext cx="0" cy="0"/>
+          <a:chOff x="0" y="0"/>
+          <a:chExt cx="0" cy="0"/>
+        </a:xfrm>
+      </p:grpSpPr>
+      <p:sp>
+        <p:nvSpPr>
+          <p:cNvPr id="2" name="Title 1">
+            <a:extLst>
+              <a:ext uri="{FF2B5EF4-FFF2-40B4-BE49-F238E27FC236}">
+                <a16:creationId xmlns:a16="http://schemas.microsoft.com/office/drawing/2014/main" id="{93966762-C3A5-3C4D-A279-EF6ECE00A35F}"/>
+              </a:ext>
+            </a:extLst>
+          </p:cNvPr>
+          <p:cNvSpPr>
+            <a:spLocks noGrp="1"/>
+          </p:cNvSpPr>
+          <p:nvPr>
+            <p:ph type="title"/>
+          </p:nvPr>
+        </p:nvSpPr>
+        <p:spPr>
+          <a:xfrm>
+            <a:off x="838200" y="85427"/>
+            <a:ext cx="10866120" cy="1325563"/>
+          </a:xfrm>
+        </p:spPr>
+        <p:txBody>
+          <a:bodyPr>
+            <a:normAutofit/>
+          </a:bodyPr>
+          <a:lstStyle/>
+          <a:p>
+            <a:r>
+              <a:rPr lang="en-US" sz="3600"/>
+              <a:t>Prepare the CA Certificate of Burp </a:t>
+            </a:r>
+          </a:p>
+        </p:txBody>
+      </p:sp>
+      <p:sp>
+        <p:nvSpPr>
+          <p:cNvPr id="3" name="Content Placeholder 2">
+            <a:extLst>
+              <a:ext uri="{FF2B5EF4-FFF2-40B4-BE49-F238E27FC236}">
+                <a16:creationId xmlns:a16="http://schemas.microsoft.com/office/drawing/2014/main" id="{5D98E177-C354-D542-A14E-E86EEC9F17A0}"/>
+              </a:ext>
+            </a:extLst>
+          </p:cNvPr>
+          <p:cNvSpPr>
+            <a:spLocks noGrp="1"/>
+          </p:cNvSpPr>
+          <p:nvPr>
+            <p:ph idx="1"/>
+          </p:nvPr>
+        </p:nvSpPr>
+        <p:spPr>
+          <a:xfrm>
+            <a:off x="838200" y="1410990"/>
+            <a:ext cx="10515600" cy="4351338"/>
+          </a:xfrm>
+        </p:spPr>
+        <p:txBody>
+          <a:bodyPr>
+            <a:noAutofit/>
+          </a:bodyPr>
+          <a:lstStyle/>
+          <a:p>
+            <a:pPr marL="0" indent="0">
+              <a:buNone/>
+            </a:pPr>
+            <a:r>
+              <a:rPr lang="en-US" sz="2000" dirty="0"/>
+              <a:t>Next we need to import the CA into our </a:t>
+            </a:r>
+            <a:r>
+              <a:rPr lang="en-US" sz="2000" dirty="0" err="1"/>
+              <a:t>trustore</a:t>
+            </a:r>
+            <a:r>
+              <a:rPr lang="en-US" sz="2000" dirty="0"/>
+              <a:t> on the emulator:</a:t>
+            </a:r>
+          </a:p>
+          <a:p>
+            <a:pPr marL="0" indent="0">
+              <a:buNone/>
+            </a:pPr>
+            <a:endParaRPr lang="en-US" sz="2000" dirty="0"/>
+          </a:p>
+          <a:p>
+            <a:pPr marL="0" indent="0">
+              <a:buNone/>
+            </a:pPr>
+            <a:endParaRPr lang="en-US" sz="2000" dirty="0"/>
+          </a:p>
+          <a:p>
+            <a:pPr marL="0" indent="0">
+              <a:buNone/>
+            </a:pPr>
+            <a:endParaRPr lang="en-US" sz="2000" dirty="0"/>
+          </a:p>
+          <a:p>
+            <a:pPr marL="0" indent="0">
+              <a:buNone/>
+            </a:pPr>
+            <a:endParaRPr lang="en-US" sz="2000" dirty="0"/>
+          </a:p>
+          <a:p>
+            <a:pPr marL="0" indent="0">
+              <a:buNone/>
+            </a:pPr>
+            <a:endParaRPr lang="en-US" sz="2000" dirty="0"/>
+          </a:p>
+          <a:p>
+            <a:pPr marL="0" indent="0">
+              <a:buNone/>
+            </a:pPr>
+            <a:endParaRPr lang="en-US" sz="2000" dirty="0"/>
+          </a:p>
+          <a:p>
+            <a:pPr marL="0" indent="0">
+              <a:buNone/>
+            </a:pPr>
+            <a:endParaRPr lang="en-US" sz="2000" dirty="0"/>
+          </a:p>
+          <a:p>
+            <a:pPr marL="0" indent="0">
+              <a:buNone/>
+            </a:pPr>
+            <a:endParaRPr lang="en-US" sz="2000" dirty="0"/>
+          </a:p>
+          <a:p>
+            <a:pPr marL="0" indent="0">
+              <a:buNone/>
+            </a:pPr>
+            <a:endParaRPr lang="en-US" sz="2000" dirty="0"/>
+          </a:p>
+          <a:p>
+            <a:pPr marL="0" indent="0">
+              <a:buNone/>
+            </a:pPr>
+            <a:endParaRPr lang="en-US" sz="2000" dirty="0"/>
+          </a:p>
+          <a:p>
+            <a:pPr marL="0" indent="0">
+              <a:buNone/>
+            </a:pPr>
+            <a:endParaRPr lang="en-US" sz="2000" dirty="0"/>
+          </a:p>
+        </p:txBody>
+      </p:sp>
+      <p:pic>
+        <p:nvPicPr>
+          <p:cNvPr id="8" name="Picture 7">
+            <a:extLst>
+              <a:ext uri="{FF2B5EF4-FFF2-40B4-BE49-F238E27FC236}">
+                <a16:creationId xmlns:a16="http://schemas.microsoft.com/office/drawing/2014/main" id="{F2CD5B10-A785-D748-AC0E-12B3A2F01D23}"/>
+              </a:ext>
+            </a:extLst>
+          </p:cNvPr>
+          <p:cNvPicPr>
+            <a:picLocks noChangeAspect="1"/>
+          </p:cNvPicPr>
+          <p:nvPr/>
+        </p:nvPicPr>
+        <p:blipFill>
+          <a:blip r:embed="rId2"/>
+          <a:stretch>
+            <a:fillRect/>
+          </a:stretch>
+        </p:blipFill>
+        <p:spPr>
+          <a:xfrm>
+            <a:off x="0" y="2017216"/>
+            <a:ext cx="1900508" cy="3478896"/>
+          </a:xfrm>
+          <a:prstGeom prst="rect">
+            <a:avLst/>
+          </a:prstGeom>
+        </p:spPr>
+      </p:pic>
+      <p:pic>
+        <p:nvPicPr>
+          <p:cNvPr id="9" name="Picture 8">
+            <a:extLst>
+              <a:ext uri="{FF2B5EF4-FFF2-40B4-BE49-F238E27FC236}">
+                <a16:creationId xmlns:a16="http://schemas.microsoft.com/office/drawing/2014/main" id="{FDAB4F20-FBFA-8541-980D-BD167C9EFAAA}"/>
+              </a:ext>
+            </a:extLst>
+          </p:cNvPr>
+          <p:cNvPicPr>
+            <a:picLocks noChangeAspect="1"/>
+          </p:cNvPicPr>
+          <p:nvPr/>
+        </p:nvPicPr>
+        <p:blipFill>
+          <a:blip r:embed="rId3"/>
+          <a:stretch>
+            <a:fillRect/>
+          </a:stretch>
+        </p:blipFill>
+        <p:spPr>
+          <a:xfrm>
+            <a:off x="2510416" y="2017216"/>
+            <a:ext cx="2025994" cy="3513087"/>
+          </a:xfrm>
+          <a:prstGeom prst="rect">
+            <a:avLst/>
+          </a:prstGeom>
+        </p:spPr>
+      </p:pic>
+      <p:pic>
+        <p:nvPicPr>
+          <p:cNvPr id="10" name="Picture 9">
+            <a:extLst>
+              <a:ext uri="{FF2B5EF4-FFF2-40B4-BE49-F238E27FC236}">
+                <a16:creationId xmlns:a16="http://schemas.microsoft.com/office/drawing/2014/main" id="{1AF584E4-EC04-1A4A-96D0-2E3767F84E74}"/>
+              </a:ext>
+            </a:extLst>
+          </p:cNvPr>
+          <p:cNvPicPr>
+            <a:picLocks noChangeAspect="1"/>
+          </p:cNvPicPr>
+          <p:nvPr/>
+        </p:nvPicPr>
+        <p:blipFill>
+          <a:blip r:embed="rId4"/>
+          <a:stretch>
+            <a:fillRect/>
+          </a:stretch>
+        </p:blipFill>
+        <p:spPr>
+          <a:xfrm>
+            <a:off x="5146318" y="2017216"/>
+            <a:ext cx="1885701" cy="3513087"/>
+          </a:xfrm>
+          <a:prstGeom prst="rect">
+            <a:avLst/>
+          </a:prstGeom>
+        </p:spPr>
+      </p:pic>
+      <p:pic>
+        <p:nvPicPr>
+          <p:cNvPr id="12" name="Picture 11">
+            <a:extLst>
+              <a:ext uri="{FF2B5EF4-FFF2-40B4-BE49-F238E27FC236}">
+                <a16:creationId xmlns:a16="http://schemas.microsoft.com/office/drawing/2014/main" id="{7E5B4A7E-B7D1-1142-8497-535E31785EBD}"/>
+              </a:ext>
+            </a:extLst>
+          </p:cNvPr>
+          <p:cNvPicPr>
+            <a:picLocks noChangeAspect="1"/>
+          </p:cNvPicPr>
+          <p:nvPr/>
+        </p:nvPicPr>
+        <p:blipFill>
+          <a:blip r:embed="rId5"/>
+          <a:stretch>
+            <a:fillRect/>
+          </a:stretch>
+        </p:blipFill>
+        <p:spPr>
+          <a:xfrm>
+            <a:off x="8341585" y="1959519"/>
+            <a:ext cx="2448526" cy="1078611"/>
+          </a:xfrm>
+          <a:prstGeom prst="rect">
+            <a:avLst/>
+          </a:prstGeom>
+        </p:spPr>
+      </p:pic>
+      <p:pic>
+        <p:nvPicPr>
+          <p:cNvPr id="13" name="Picture 12">
+            <a:extLst>
+              <a:ext uri="{FF2B5EF4-FFF2-40B4-BE49-F238E27FC236}">
+                <a16:creationId xmlns:a16="http://schemas.microsoft.com/office/drawing/2014/main" id="{E8925076-7D9D-8C4F-9F22-9CFE12E64B8B}"/>
+              </a:ext>
+            </a:extLst>
+          </p:cNvPr>
+          <p:cNvPicPr>
+            <a:picLocks noChangeAspect="1"/>
+          </p:cNvPicPr>
+          <p:nvPr/>
+        </p:nvPicPr>
+        <p:blipFill>
+          <a:blip r:embed="rId6"/>
+          <a:stretch>
+            <a:fillRect/>
+          </a:stretch>
+        </p:blipFill>
+        <p:spPr>
+          <a:xfrm>
+            <a:off x="8398220" y="3394014"/>
+            <a:ext cx="2335255" cy="1491752"/>
+          </a:xfrm>
+          <a:prstGeom prst="rect">
+            <a:avLst/>
+          </a:prstGeom>
+        </p:spPr>
+      </p:pic>
+      <p:pic>
+        <p:nvPicPr>
+          <p:cNvPr id="14" name="Picture 13">
+            <a:extLst>
+              <a:ext uri="{FF2B5EF4-FFF2-40B4-BE49-F238E27FC236}">
+                <a16:creationId xmlns:a16="http://schemas.microsoft.com/office/drawing/2014/main" id="{59433C13-9B3B-9549-8FD5-769D8C7A3437}"/>
+              </a:ext>
+            </a:extLst>
+          </p:cNvPr>
+          <p:cNvPicPr>
+            <a:picLocks noChangeAspect="1"/>
+          </p:cNvPicPr>
+          <p:nvPr/>
+        </p:nvPicPr>
+        <p:blipFill>
+          <a:blip r:embed="rId7"/>
+          <a:stretch>
+            <a:fillRect/>
+          </a:stretch>
+        </p:blipFill>
+        <p:spPr>
+          <a:xfrm>
+            <a:off x="8341585" y="5306993"/>
+            <a:ext cx="2391890" cy="1963868"/>
+          </a:xfrm>
+          <a:prstGeom prst="rect">
+            <a:avLst/>
+          </a:prstGeom>
+        </p:spPr>
+      </p:pic>
+      <p:cxnSp>
+        <p:nvCxnSpPr>
+          <p:cNvPr id="17" name="Straight Arrow Connector 16">
+            <a:extLst>
+              <a:ext uri="{FF2B5EF4-FFF2-40B4-BE49-F238E27FC236}">
+                <a16:creationId xmlns:a16="http://schemas.microsoft.com/office/drawing/2014/main" id="{0DB44B89-B783-3E42-AEAB-43A290395405}"/>
+              </a:ext>
+            </a:extLst>
+          </p:cNvPr>
+          <p:cNvCxnSpPr/>
+          <p:nvPr/>
+        </p:nvCxnSpPr>
+        <p:spPr>
+          <a:xfrm>
+            <a:off x="1900508" y="2581786"/>
+            <a:ext cx="609908" cy="0"/>
+          </a:xfrm>
+          <a:prstGeom prst="straightConnector1">
+            <a:avLst/>
+          </a:prstGeom>
+          <a:ln w="127000">
+            <a:tailEnd type="triangle"/>
+          </a:ln>
+        </p:spPr>
+        <p:style>
+          <a:lnRef idx="1">
+            <a:schemeClr val="accent1"/>
+          </a:lnRef>
+          <a:fillRef idx="0">
+            <a:schemeClr val="accent1"/>
+          </a:fillRef>
+          <a:effectRef idx="0">
+            <a:schemeClr val="accent1"/>
+          </a:effectRef>
+          <a:fontRef idx="minor">
+            <a:schemeClr val="tx1"/>
+          </a:fontRef>
+        </p:style>
+      </p:cxnSp>
+      <p:cxnSp>
+        <p:nvCxnSpPr>
+          <p:cNvPr id="18" name="Straight Arrow Connector 17">
+            <a:extLst>
+              <a:ext uri="{FF2B5EF4-FFF2-40B4-BE49-F238E27FC236}">
+                <a16:creationId xmlns:a16="http://schemas.microsoft.com/office/drawing/2014/main" id="{C7C899E8-A3C2-0F47-8AC8-0953B02F588B}"/>
+              </a:ext>
+            </a:extLst>
+          </p:cNvPr>
+          <p:cNvCxnSpPr/>
+          <p:nvPr/>
+        </p:nvCxnSpPr>
+        <p:spPr>
+          <a:xfrm>
+            <a:off x="7262357" y="2581786"/>
+            <a:ext cx="609908" cy="0"/>
+          </a:xfrm>
+          <a:prstGeom prst="straightConnector1">
+            <a:avLst/>
+          </a:prstGeom>
+          <a:ln w="127000">
+            <a:tailEnd type="triangle"/>
+          </a:ln>
+        </p:spPr>
+        <p:style>
+          <a:lnRef idx="1">
+            <a:schemeClr val="accent1"/>
+          </a:lnRef>
+          <a:fillRef idx="0">
+            <a:schemeClr val="accent1"/>
+          </a:fillRef>
+          <a:effectRef idx="0">
+            <a:schemeClr val="accent1"/>
+          </a:effectRef>
+          <a:fontRef idx="minor">
+            <a:schemeClr val="tx1"/>
+          </a:fontRef>
+        </p:style>
+      </p:cxnSp>
+      <p:cxnSp>
+        <p:nvCxnSpPr>
+          <p:cNvPr id="19" name="Straight Arrow Connector 18">
+            <a:extLst>
+              <a:ext uri="{FF2B5EF4-FFF2-40B4-BE49-F238E27FC236}">
+                <a16:creationId xmlns:a16="http://schemas.microsoft.com/office/drawing/2014/main" id="{9BC4CD48-AFDB-FD4D-9C37-576B751A0DE3}"/>
+              </a:ext>
+            </a:extLst>
+          </p:cNvPr>
+          <p:cNvCxnSpPr/>
+          <p:nvPr/>
+        </p:nvCxnSpPr>
+        <p:spPr>
+          <a:xfrm>
+            <a:off x="4536410" y="2663387"/>
+            <a:ext cx="609908" cy="0"/>
+          </a:xfrm>
+          <a:prstGeom prst="straightConnector1">
+            <a:avLst/>
+          </a:prstGeom>
+          <a:ln w="127000">
+            <a:tailEnd type="triangle"/>
+          </a:ln>
+        </p:spPr>
+        <p:style>
+          <a:lnRef idx="1">
+            <a:schemeClr val="accent1"/>
+          </a:lnRef>
+          <a:fillRef idx="0">
+            <a:schemeClr val="accent1"/>
+          </a:fillRef>
+          <a:effectRef idx="0">
+            <a:schemeClr val="accent1"/>
+          </a:effectRef>
+          <a:fontRef idx="minor">
+            <a:schemeClr val="tx1"/>
+          </a:fontRef>
+        </p:style>
+      </p:cxnSp>
+      <p:cxnSp>
+        <p:nvCxnSpPr>
+          <p:cNvPr id="20" name="Straight Arrow Connector 19">
+            <a:extLst>
+              <a:ext uri="{FF2B5EF4-FFF2-40B4-BE49-F238E27FC236}">
+                <a16:creationId xmlns:a16="http://schemas.microsoft.com/office/drawing/2014/main" id="{C3C49E03-9F48-EF4E-8E70-8F5D5EDB9AD5}"/>
+              </a:ext>
+            </a:extLst>
+          </p:cNvPr>
+          <p:cNvCxnSpPr>
+            <a:cxnSpLocks/>
+          </p:cNvCxnSpPr>
+          <p:nvPr/>
+        </p:nvCxnSpPr>
+        <p:spPr>
+          <a:xfrm>
+            <a:off x="9536855" y="2832910"/>
+            <a:ext cx="0" cy="630116"/>
+          </a:xfrm>
+          <a:prstGeom prst="straightConnector1">
+            <a:avLst/>
+          </a:prstGeom>
+          <a:ln w="127000">
+            <a:tailEnd type="triangle"/>
+          </a:ln>
+        </p:spPr>
+        <p:style>
+          <a:lnRef idx="1">
+            <a:schemeClr val="accent1"/>
+          </a:lnRef>
+          <a:fillRef idx="0">
+            <a:schemeClr val="accent1"/>
+          </a:fillRef>
+          <a:effectRef idx="0">
+            <a:schemeClr val="accent1"/>
+          </a:effectRef>
+          <a:fontRef idx="minor">
+            <a:schemeClr val="tx1"/>
+          </a:fontRef>
+        </p:style>
+      </p:cxnSp>
+      <p:cxnSp>
+        <p:nvCxnSpPr>
+          <p:cNvPr id="22" name="Straight Arrow Connector 21">
+            <a:extLst>
+              <a:ext uri="{FF2B5EF4-FFF2-40B4-BE49-F238E27FC236}">
+                <a16:creationId xmlns:a16="http://schemas.microsoft.com/office/drawing/2014/main" id="{F4695553-176A-B24B-AC73-885292C0F93C}"/>
+              </a:ext>
+            </a:extLst>
+          </p:cNvPr>
+          <p:cNvCxnSpPr>
+            <a:cxnSpLocks/>
+          </p:cNvCxnSpPr>
+          <p:nvPr/>
+        </p:nvCxnSpPr>
+        <p:spPr>
+          <a:xfrm>
+            <a:off x="9536855" y="4865996"/>
+            <a:ext cx="0" cy="630116"/>
+          </a:xfrm>
+          <a:prstGeom prst="straightConnector1">
+            <a:avLst/>
+          </a:prstGeom>
+          <a:ln w="127000">
+            <a:tailEnd type="triangle"/>
+          </a:ln>
+        </p:spPr>
+        <p:style>
+          <a:lnRef idx="1">
+            <a:schemeClr val="accent1"/>
+          </a:lnRef>
+          <a:fillRef idx="0">
+            <a:schemeClr val="accent1"/>
+          </a:fillRef>
+          <a:effectRef idx="0">
+            <a:schemeClr val="accent1"/>
+          </a:effectRef>
+          <a:fontRef idx="minor">
+            <a:schemeClr val="tx1"/>
+          </a:fontRef>
+        </p:style>
+      </p:cxnSp>
+    </p:spTree>
+    <p:extLst>
+      <p:ext uri="{BB962C8B-B14F-4D97-AF65-F5344CB8AC3E}">
+        <p14:creationId xmlns:p14="http://schemas.microsoft.com/office/powerpoint/2010/main" val="341308375"/>
       </p:ext>
     </p:extLst>
   </p:cSld>
@@ -4335,15 +5597,15 @@
           <a:p>
             <a:r>
               <a:rPr lang="en-US" dirty="0"/>
-              <a:t>Install </a:t>
+              <a:t>Checkout our </a:t>
             </a:r>
             <a:r>
               <a:rPr lang="en-US" dirty="0" err="1"/>
-              <a:t>MobSF</a:t>
+              <a:t>Github</a:t>
             </a:r>
             <a:r>
               <a:rPr lang="en-US" dirty="0"/>
-              <a:t> </a:t>
+              <a:t> Repo</a:t>
             </a:r>
           </a:p>
         </p:txBody>
@@ -4367,7 +5629,7 @@
         <p:spPr/>
         <p:txBody>
           <a:bodyPr>
-            <a:normAutofit lnSpcReduction="10000"/>
+            <a:normAutofit/>
           </a:bodyPr>
           <a:lstStyle/>
           <a:p>
@@ -4386,94 +5648,496 @@
               <a:rPr lang="en-US" dirty="0">
                 <a:hlinkClick r:id="rId3"/>
               </a:rPr>
-              <a:t>https://github.com/MobSF/Mobile-Security-Framework-MobSF</a:t>
-            </a:r>
+              <a:t>https://github.com/sushi2k/OWASP-Bay-Area/</a:t>
+            </a:r>
+            <a:r>
+              <a:rPr lang="en-US" dirty="0"/>
+              <a:t> </a:t>
+            </a:r>
+          </a:p>
+          <a:p>
+            <a:pPr marL="0" indent="0">
+              <a:buNone/>
+            </a:pPr>
             <a:endParaRPr lang="en-US" dirty="0"/>
           </a:p>
           <a:p>
             <a:pPr marL="0" indent="0">
               <a:buNone/>
             </a:pPr>
-            <a:endParaRPr lang="en-US" dirty="0"/>
-          </a:p>
-          <a:p>
-            <a:pPr marL="0" indent="0">
-              <a:buNone/>
-            </a:pPr>
             <a:r>
               <a:rPr lang="en-US" dirty="0"/>
-              <a:t>Easiest is using docker:</a:t>
-            </a:r>
-          </a:p>
-          <a:p>
-            <a:pPr marL="0" indent="0">
-              <a:buNone/>
-            </a:pPr>
-            <a:r>
-              <a:rPr lang="en-SG" dirty="0"/>
-              <a:t>$ docker pull </a:t>
-            </a:r>
-            <a:r>
-              <a:rPr lang="en-SG" dirty="0" err="1"/>
-              <a:t>opensecurity</a:t>
-            </a:r>
-            <a:r>
-              <a:rPr lang="en-SG" dirty="0"/>
-              <a:t>/mobile-security-framework-</a:t>
-            </a:r>
-            <a:r>
-              <a:rPr lang="en-SG" dirty="0" err="1"/>
-              <a:t>mobsf</a:t>
-            </a:r>
-            <a:r>
-              <a:rPr lang="en-SG" dirty="0"/>
-              <a:t> </a:t>
-            </a:r>
-          </a:p>
-          <a:p>
-            <a:pPr marL="0" indent="0">
-              <a:buNone/>
-            </a:pPr>
-            <a:r>
-              <a:rPr lang="en-SG" dirty="0"/>
-              <a:t>$ docker run -it -p 8000:8000 </a:t>
-            </a:r>
-            <a:r>
-              <a:rPr lang="en-SG" dirty="0" err="1"/>
-              <a:t>opensecurity</a:t>
-            </a:r>
-            <a:r>
-              <a:rPr lang="en-SG" dirty="0"/>
-              <a:t>/</a:t>
-            </a:r>
-            <a:r>
-              <a:rPr lang="en-SG" dirty="0" err="1"/>
-              <a:t>mobile-security-framework-mobsf:latest</a:t>
-            </a:r>
-            <a:endParaRPr lang="en-SG" dirty="0"/>
-          </a:p>
-          <a:p>
-            <a:pPr marL="0" indent="0">
-              <a:buNone/>
-            </a:pPr>
-            <a:endParaRPr lang="en-SG" dirty="0"/>
-          </a:p>
-          <a:p>
-            <a:pPr marL="0" indent="0">
-              <a:buNone/>
-            </a:pPr>
-            <a:r>
-              <a:rPr lang="en-SG" dirty="0"/>
-              <a:t>Open 127.0.0.1:8000 in your browser. </a:t>
-            </a:r>
-            <a:endParaRPr lang="en-US" dirty="0"/>
+              <a:t>Please note: </a:t>
+            </a:r>
+            <a:r>
+              <a:rPr lang="en-US" dirty="0">
+                <a:highlight>
+                  <a:srgbClr val="FFFF00"/>
+                </a:highlight>
+              </a:rPr>
+              <a:t>It’s around 5 GB!</a:t>
+            </a:r>
           </a:p>
         </p:txBody>
       </p:sp>
     </p:spTree>
     <p:extLst>
       <p:ext uri="{BB962C8B-B14F-4D97-AF65-F5344CB8AC3E}">
-        <p14:creationId xmlns:p14="http://schemas.microsoft.com/office/powerpoint/2010/main" val="4125907014"/>
+        <p14:creationId xmlns:p14="http://schemas.microsoft.com/office/powerpoint/2010/main" val="967387463"/>
+      </p:ext>
+    </p:extLst>
+  </p:cSld>
+  <p:clrMapOvr>
+    <a:masterClrMapping/>
+  </p:clrMapOvr>
+</p:sld>
+</file>
+
+<file path=ppt/slides/slide20.xml><?xml version="1.0" encoding="utf-8"?>
+<p:sld xmlns:a="http://schemas.openxmlformats.org/drawingml/2006/main" xmlns:r="http://schemas.openxmlformats.org/officeDocument/2006/relationships" xmlns:p="http://schemas.openxmlformats.org/presentationml/2006/main">
+  <p:cSld>
+    <p:spTree>
+      <p:nvGrpSpPr>
+        <p:cNvPr id="1" name=""/>
+        <p:cNvGrpSpPr/>
+        <p:nvPr/>
+      </p:nvGrpSpPr>
+      <p:grpSpPr>
+        <a:xfrm>
+          <a:off x="0" y="0"/>
+          <a:ext cx="0" cy="0"/>
+          <a:chOff x="0" y="0"/>
+          <a:chExt cx="0" cy="0"/>
+        </a:xfrm>
+      </p:grpSpPr>
+      <p:sp>
+        <p:nvSpPr>
+          <p:cNvPr id="2" name="Title 1">
+            <a:extLst>
+              <a:ext uri="{FF2B5EF4-FFF2-40B4-BE49-F238E27FC236}">
+                <a16:creationId xmlns:a16="http://schemas.microsoft.com/office/drawing/2014/main" id="{93966762-C3A5-3C4D-A279-EF6ECE00A35F}"/>
+              </a:ext>
+            </a:extLst>
+          </p:cNvPr>
+          <p:cNvSpPr>
+            <a:spLocks noGrp="1"/>
+          </p:cNvSpPr>
+          <p:nvPr>
+            <p:ph type="title"/>
+          </p:nvPr>
+        </p:nvSpPr>
+        <p:spPr>
+          <a:xfrm>
+            <a:off x="838200" y="85427"/>
+            <a:ext cx="10866120" cy="1325563"/>
+          </a:xfrm>
+        </p:spPr>
+        <p:txBody>
+          <a:bodyPr>
+            <a:normAutofit/>
+          </a:bodyPr>
+          <a:lstStyle/>
+          <a:p>
+            <a:r>
+              <a:rPr lang="en-US" sz="3600"/>
+              <a:t>Prepare the CA Certificate of Burp </a:t>
+            </a:r>
+          </a:p>
+        </p:txBody>
+      </p:sp>
+      <p:sp>
+        <p:nvSpPr>
+          <p:cNvPr id="3" name="Content Placeholder 2">
+            <a:extLst>
+              <a:ext uri="{FF2B5EF4-FFF2-40B4-BE49-F238E27FC236}">
+                <a16:creationId xmlns:a16="http://schemas.microsoft.com/office/drawing/2014/main" id="{5D98E177-C354-D542-A14E-E86EEC9F17A0}"/>
+              </a:ext>
+            </a:extLst>
+          </p:cNvPr>
+          <p:cNvSpPr>
+            <a:spLocks noGrp="1"/>
+          </p:cNvSpPr>
+          <p:nvPr>
+            <p:ph idx="1"/>
+          </p:nvPr>
+        </p:nvSpPr>
+        <p:spPr>
+          <a:xfrm>
+            <a:off x="838200" y="1410990"/>
+            <a:ext cx="10515600" cy="4351338"/>
+          </a:xfrm>
+        </p:spPr>
+        <p:txBody>
+          <a:bodyPr>
+            <a:noAutofit/>
+          </a:bodyPr>
+          <a:lstStyle/>
+          <a:p>
+            <a:pPr marL="0" indent="0">
+              <a:buNone/>
+            </a:pPr>
+            <a:r>
+              <a:rPr lang="en-US" sz="2000" dirty="0"/>
+              <a:t>Next we need to import the CA into our </a:t>
+            </a:r>
+            <a:r>
+              <a:rPr lang="en-US" sz="2000" dirty="0" err="1"/>
+              <a:t>trustore</a:t>
+            </a:r>
+            <a:r>
+              <a:rPr lang="en-US" sz="2000" dirty="0"/>
+              <a:t> on the emulator:</a:t>
+            </a:r>
+          </a:p>
+          <a:p>
+            <a:pPr marL="0" indent="0">
+              <a:buNone/>
+            </a:pPr>
+            <a:endParaRPr lang="en-US" sz="2000" dirty="0"/>
+          </a:p>
+          <a:p>
+            <a:pPr marL="0" indent="0">
+              <a:buNone/>
+            </a:pPr>
+            <a:endParaRPr lang="en-US" sz="2000" dirty="0"/>
+          </a:p>
+          <a:p>
+            <a:pPr marL="0" indent="0">
+              <a:buNone/>
+            </a:pPr>
+            <a:endParaRPr lang="en-US" sz="2000" dirty="0"/>
+          </a:p>
+          <a:p>
+            <a:pPr marL="0" indent="0">
+              <a:buNone/>
+            </a:pPr>
+            <a:endParaRPr lang="en-US" sz="2000" dirty="0"/>
+          </a:p>
+          <a:p>
+            <a:pPr marL="0" indent="0">
+              <a:buNone/>
+            </a:pPr>
+            <a:endParaRPr lang="en-US" sz="2000" dirty="0"/>
+          </a:p>
+          <a:p>
+            <a:pPr marL="0" indent="0">
+              <a:buNone/>
+            </a:pPr>
+            <a:endParaRPr lang="en-US" sz="2000" dirty="0"/>
+          </a:p>
+          <a:p>
+            <a:pPr marL="0" indent="0">
+              <a:buNone/>
+            </a:pPr>
+            <a:endParaRPr lang="en-US" sz="2000" dirty="0"/>
+          </a:p>
+          <a:p>
+            <a:pPr marL="0" indent="0">
+              <a:buNone/>
+            </a:pPr>
+            <a:endParaRPr lang="en-US" sz="2000" dirty="0"/>
+          </a:p>
+          <a:p>
+            <a:pPr marL="0" indent="0">
+              <a:buNone/>
+            </a:pPr>
+            <a:endParaRPr lang="en-US" sz="2000" dirty="0"/>
+          </a:p>
+          <a:p>
+            <a:pPr marL="0" indent="0">
+              <a:buNone/>
+            </a:pPr>
+            <a:endParaRPr lang="en-US" sz="2000" dirty="0"/>
+          </a:p>
+          <a:p>
+            <a:pPr marL="0" indent="0">
+              <a:buNone/>
+            </a:pPr>
+            <a:endParaRPr lang="en-US" sz="2000" dirty="0"/>
+          </a:p>
+        </p:txBody>
+      </p:sp>
+      <p:pic>
+        <p:nvPicPr>
+          <p:cNvPr id="4" name="Picture 3">
+            <a:extLst>
+              <a:ext uri="{FF2B5EF4-FFF2-40B4-BE49-F238E27FC236}">
+                <a16:creationId xmlns:a16="http://schemas.microsoft.com/office/drawing/2014/main" id="{C7FE2F41-58F9-6149-BFA0-35D8A90D9210}"/>
+              </a:ext>
+            </a:extLst>
+          </p:cNvPr>
+          <p:cNvPicPr>
+            <a:picLocks noChangeAspect="1"/>
+          </p:cNvPicPr>
+          <p:nvPr/>
+        </p:nvPicPr>
+        <p:blipFill>
+          <a:blip r:embed="rId2"/>
+          <a:stretch>
+            <a:fillRect/>
+          </a:stretch>
+        </p:blipFill>
+        <p:spPr>
+          <a:xfrm>
+            <a:off x="0" y="2736553"/>
+            <a:ext cx="2117497" cy="1907915"/>
+          </a:xfrm>
+          <a:prstGeom prst="rect">
+            <a:avLst/>
+          </a:prstGeom>
+        </p:spPr>
+      </p:pic>
+      <p:pic>
+        <p:nvPicPr>
+          <p:cNvPr id="5" name="Picture 4">
+            <a:extLst>
+              <a:ext uri="{FF2B5EF4-FFF2-40B4-BE49-F238E27FC236}">
+                <a16:creationId xmlns:a16="http://schemas.microsoft.com/office/drawing/2014/main" id="{845BFD03-A9BA-7B40-853C-8F1E86DE7422}"/>
+              </a:ext>
+            </a:extLst>
+          </p:cNvPr>
+          <p:cNvPicPr>
+            <a:picLocks noChangeAspect="1"/>
+          </p:cNvPicPr>
+          <p:nvPr/>
+        </p:nvPicPr>
+        <p:blipFill>
+          <a:blip r:embed="rId3"/>
+          <a:stretch>
+            <a:fillRect/>
+          </a:stretch>
+        </p:blipFill>
+        <p:spPr>
+          <a:xfrm>
+            <a:off x="2724585" y="2025338"/>
+            <a:ext cx="2259711" cy="3359030"/>
+          </a:xfrm>
+          <a:prstGeom prst="rect">
+            <a:avLst/>
+          </a:prstGeom>
+        </p:spPr>
+      </p:pic>
+      <p:pic>
+        <p:nvPicPr>
+          <p:cNvPr id="6" name="Picture 5">
+            <a:extLst>
+              <a:ext uri="{FF2B5EF4-FFF2-40B4-BE49-F238E27FC236}">
+                <a16:creationId xmlns:a16="http://schemas.microsoft.com/office/drawing/2014/main" id="{4C8DCB62-358B-1940-89B8-C08C5CAAC842}"/>
+              </a:ext>
+            </a:extLst>
+          </p:cNvPr>
+          <p:cNvPicPr>
+            <a:picLocks noChangeAspect="1"/>
+          </p:cNvPicPr>
+          <p:nvPr/>
+        </p:nvPicPr>
+        <p:blipFill>
+          <a:blip r:embed="rId4"/>
+          <a:stretch>
+            <a:fillRect/>
+          </a:stretch>
+        </p:blipFill>
+        <p:spPr>
+          <a:xfrm>
+            <a:off x="5822497" y="2025338"/>
+            <a:ext cx="2528628" cy="3450524"/>
+          </a:xfrm>
+          <a:prstGeom prst="rect">
+            <a:avLst/>
+          </a:prstGeom>
+        </p:spPr>
+      </p:pic>
+      <p:pic>
+        <p:nvPicPr>
+          <p:cNvPr id="7" name="Picture 6">
+            <a:extLst>
+              <a:ext uri="{FF2B5EF4-FFF2-40B4-BE49-F238E27FC236}">
+                <a16:creationId xmlns:a16="http://schemas.microsoft.com/office/drawing/2014/main" id="{5C84FE54-386A-DB43-917B-3E8FFE746C6B}"/>
+              </a:ext>
+            </a:extLst>
+          </p:cNvPr>
+          <p:cNvPicPr>
+            <a:picLocks noChangeAspect="1"/>
+          </p:cNvPicPr>
+          <p:nvPr/>
+        </p:nvPicPr>
+        <p:blipFill>
+          <a:blip r:embed="rId5"/>
+          <a:stretch>
+            <a:fillRect/>
+          </a:stretch>
+        </p:blipFill>
+        <p:spPr>
+          <a:xfrm>
+            <a:off x="9465713" y="2058083"/>
+            <a:ext cx="2421472" cy="3385033"/>
+          </a:xfrm>
+          <a:prstGeom prst="rect">
+            <a:avLst/>
+          </a:prstGeom>
+        </p:spPr>
+      </p:pic>
+      <p:cxnSp>
+        <p:nvCxnSpPr>
+          <p:cNvPr id="15" name="Straight Arrow Connector 14">
+            <a:extLst>
+              <a:ext uri="{FF2B5EF4-FFF2-40B4-BE49-F238E27FC236}">
+                <a16:creationId xmlns:a16="http://schemas.microsoft.com/office/drawing/2014/main" id="{656287F7-713D-A74D-B8B9-9C3B966D7AD7}"/>
+              </a:ext>
+            </a:extLst>
+          </p:cNvPr>
+          <p:cNvCxnSpPr>
+            <a:cxnSpLocks/>
+          </p:cNvCxnSpPr>
+          <p:nvPr/>
+        </p:nvCxnSpPr>
+        <p:spPr>
+          <a:xfrm>
+            <a:off x="2116777" y="3730057"/>
+            <a:ext cx="607808" cy="0"/>
+          </a:xfrm>
+          <a:prstGeom prst="straightConnector1">
+            <a:avLst/>
+          </a:prstGeom>
+          <a:ln w="127000">
+            <a:tailEnd type="triangle"/>
+          </a:ln>
+        </p:spPr>
+        <p:style>
+          <a:lnRef idx="1">
+            <a:schemeClr val="accent1"/>
+          </a:lnRef>
+          <a:fillRef idx="0">
+            <a:schemeClr val="accent1"/>
+          </a:fillRef>
+          <a:effectRef idx="0">
+            <a:schemeClr val="accent1"/>
+          </a:effectRef>
+          <a:fontRef idx="minor">
+            <a:schemeClr val="tx1"/>
+          </a:fontRef>
+        </p:style>
+      </p:cxnSp>
+      <p:cxnSp>
+        <p:nvCxnSpPr>
+          <p:cNvPr id="16" name="Straight Arrow Connector 15">
+            <a:extLst>
+              <a:ext uri="{FF2B5EF4-FFF2-40B4-BE49-F238E27FC236}">
+                <a16:creationId xmlns:a16="http://schemas.microsoft.com/office/drawing/2014/main" id="{F0E322D2-3A45-7144-B654-DCCB40A14A08}"/>
+              </a:ext>
+            </a:extLst>
+          </p:cNvPr>
+          <p:cNvCxnSpPr>
+            <a:cxnSpLocks/>
+          </p:cNvCxnSpPr>
+          <p:nvPr/>
+        </p:nvCxnSpPr>
+        <p:spPr>
+          <a:xfrm>
+            <a:off x="4984296" y="3730057"/>
+            <a:ext cx="607808" cy="0"/>
+          </a:xfrm>
+          <a:prstGeom prst="straightConnector1">
+            <a:avLst/>
+          </a:prstGeom>
+          <a:ln w="127000">
+            <a:tailEnd type="triangle"/>
+          </a:ln>
+        </p:spPr>
+        <p:style>
+          <a:lnRef idx="1">
+            <a:schemeClr val="accent1"/>
+          </a:lnRef>
+          <a:fillRef idx="0">
+            <a:schemeClr val="accent1"/>
+          </a:fillRef>
+          <a:effectRef idx="0">
+            <a:schemeClr val="accent1"/>
+          </a:effectRef>
+          <a:fontRef idx="minor">
+            <a:schemeClr val="tx1"/>
+          </a:fontRef>
+        </p:style>
+      </p:cxnSp>
+      <p:cxnSp>
+        <p:nvCxnSpPr>
+          <p:cNvPr id="17" name="Straight Arrow Connector 16">
+            <a:extLst>
+              <a:ext uri="{FF2B5EF4-FFF2-40B4-BE49-F238E27FC236}">
+                <a16:creationId xmlns:a16="http://schemas.microsoft.com/office/drawing/2014/main" id="{8A734A4E-9A96-2D4D-8790-139A7E94EADB}"/>
+              </a:ext>
+            </a:extLst>
+          </p:cNvPr>
+          <p:cNvCxnSpPr>
+            <a:cxnSpLocks/>
+          </p:cNvCxnSpPr>
+          <p:nvPr/>
+        </p:nvCxnSpPr>
+        <p:spPr>
+          <a:xfrm>
+            <a:off x="8604515" y="3730057"/>
+            <a:ext cx="607808" cy="0"/>
+          </a:xfrm>
+          <a:prstGeom prst="straightConnector1">
+            <a:avLst/>
+          </a:prstGeom>
+          <a:ln w="127000">
+            <a:tailEnd type="triangle"/>
+          </a:ln>
+        </p:spPr>
+        <p:style>
+          <a:lnRef idx="1">
+            <a:schemeClr val="accent1"/>
+          </a:lnRef>
+          <a:fillRef idx="0">
+            <a:schemeClr val="accent1"/>
+          </a:fillRef>
+          <a:effectRef idx="0">
+            <a:schemeClr val="accent1"/>
+          </a:effectRef>
+          <a:fontRef idx="minor">
+            <a:schemeClr val="tx1"/>
+          </a:fontRef>
+        </p:style>
+      </p:cxnSp>
+      <p:sp>
+        <p:nvSpPr>
+          <p:cNvPr id="18" name="Rectangle 17">
+            <a:extLst>
+              <a:ext uri="{FF2B5EF4-FFF2-40B4-BE49-F238E27FC236}">
+                <a16:creationId xmlns:a16="http://schemas.microsoft.com/office/drawing/2014/main" id="{B082CCF0-6EBC-3948-9EB4-63DFDFD518B8}"/>
+              </a:ext>
+            </a:extLst>
+          </p:cNvPr>
+          <p:cNvSpPr/>
+          <p:nvPr/>
+        </p:nvSpPr>
+        <p:spPr>
+          <a:xfrm>
+            <a:off x="3575971" y="6007344"/>
+            <a:ext cx="5465920" cy="369332"/>
+          </a:xfrm>
+          <a:prstGeom prst="rect">
+            <a:avLst/>
+          </a:prstGeom>
+        </p:spPr>
+        <p:txBody>
+          <a:bodyPr wrap="none">
+            <a:spAutoFit/>
+          </a:bodyPr>
+          <a:lstStyle/>
+          <a:p>
+            <a:r>
+              <a:rPr lang="en-US" dirty="0"/>
+              <a:t>Now you are able to also intercept HTTPS traffic in Burp!</a:t>
+            </a:r>
+          </a:p>
+        </p:txBody>
+      </p:sp>
+    </p:spTree>
+    <p:extLst>
+      <p:ext uri="{BB962C8B-B14F-4D97-AF65-F5344CB8AC3E}">
+        <p14:creationId xmlns:p14="http://schemas.microsoft.com/office/powerpoint/2010/main" val="488484028"/>
       </p:ext>
     </p:extLst>
   </p:cSld>
@@ -4523,7 +6187,15 @@
           <a:p>
             <a:r>
               <a:rPr lang="en-US" dirty="0"/>
-              <a:t>Download Burp Suite</a:t>
+              <a:t>Install </a:t>
+            </a:r>
+            <a:r>
+              <a:rPr lang="en-US" dirty="0" err="1"/>
+              <a:t>MobSF</a:t>
+            </a:r>
+            <a:r>
+              <a:rPr lang="en-US" dirty="0"/>
+              <a:t> </a:t>
             </a:r>
           </a:p>
         </p:txBody>
@@ -4547,7 +6219,7 @@
         <p:spPr/>
         <p:txBody>
           <a:bodyPr>
-            <a:normAutofit/>
+            <a:normAutofit fontScale="92500" lnSpcReduction="10000"/>
           </a:bodyPr>
           <a:lstStyle/>
           <a:p>
@@ -4562,41 +6234,11 @@
             <a:pPr marL="0" indent="0">
               <a:buNone/>
             </a:pPr>
-            <a:endParaRPr lang="en-US" dirty="0"/>
-          </a:p>
-          <a:p>
-            <a:pPr marL="0" indent="0">
-              <a:buNone/>
-            </a:pPr>
-            <a:r>
-              <a:rPr lang="en-US" dirty="0"/>
-              <a:t>Please make sure you have JRE installed! </a:t>
-            </a:r>
-          </a:p>
-          <a:p>
-            <a:pPr marL="0" indent="0">
-              <a:buNone/>
-            </a:pPr>
-            <a:endParaRPr lang="en-US" dirty="0"/>
-          </a:p>
-          <a:p>
-            <a:pPr marL="0" indent="0">
-              <a:buNone/>
-            </a:pPr>
-            <a:r>
-              <a:rPr lang="en-US" dirty="0"/>
-              <a:t>Download the community edition </a:t>
-            </a:r>
-          </a:p>
-          <a:p>
-            <a:pPr marL="0" indent="0">
-              <a:buNone/>
-            </a:pPr>
             <a:r>
               <a:rPr lang="en-US" dirty="0">
                 <a:hlinkClick r:id="rId3"/>
               </a:rPr>
-              <a:t>https://portswigger.net/burp/communitydownload</a:t>
+              <a:t>https://github.com/MobSF/Mobile-Security-Framework-MobSF</a:t>
             </a:r>
             <a:endParaRPr lang="en-US" dirty="0"/>
           </a:p>
@@ -4610,6 +6252,82 @@
             <a:pPr marL="0" indent="0">
               <a:buNone/>
             </a:pPr>
+            <a:r>
+              <a:rPr lang="en-US" dirty="0"/>
+              <a:t>Easiest is using docker:</a:t>
+            </a:r>
+          </a:p>
+          <a:p>
+            <a:pPr marL="0" indent="0">
+              <a:buNone/>
+            </a:pPr>
+            <a:endParaRPr lang="en-US" dirty="0"/>
+          </a:p>
+          <a:p>
+            <a:pPr marL="0" indent="0">
+              <a:buNone/>
+            </a:pPr>
+            <a:r>
+              <a:rPr lang="en-SG" dirty="0"/>
+              <a:t>$ docker pull </a:t>
+            </a:r>
+            <a:r>
+              <a:rPr lang="en-SG" dirty="0" err="1"/>
+              <a:t>opensecurity</a:t>
+            </a:r>
+            <a:r>
+              <a:rPr lang="en-SG" dirty="0"/>
+              <a:t>/mobile-security-framework-</a:t>
+            </a:r>
+            <a:r>
+              <a:rPr lang="en-SG" dirty="0" err="1"/>
+              <a:t>mobsf</a:t>
+            </a:r>
+            <a:r>
+              <a:rPr lang="en-SG" dirty="0"/>
+              <a:t> </a:t>
+            </a:r>
+          </a:p>
+          <a:p>
+            <a:pPr marL="0" indent="0">
+              <a:buNone/>
+            </a:pPr>
+            <a:r>
+              <a:rPr lang="en-SG" dirty="0"/>
+              <a:t>$ docker run -it -p 8000:8000 </a:t>
+            </a:r>
+            <a:r>
+              <a:rPr lang="en-SG" dirty="0" err="1"/>
+              <a:t>opensecurity</a:t>
+            </a:r>
+            <a:r>
+              <a:rPr lang="en-SG" dirty="0"/>
+              <a:t>/</a:t>
+            </a:r>
+            <a:r>
+              <a:rPr lang="en-SG" dirty="0" err="1"/>
+              <a:t>mobile-security-framework-mobsf:latest</a:t>
+            </a:r>
+            <a:endParaRPr lang="en-SG" dirty="0"/>
+          </a:p>
+          <a:p>
+            <a:pPr marL="0" indent="0">
+              <a:buNone/>
+            </a:pPr>
+            <a:endParaRPr lang="en-SG" dirty="0"/>
+          </a:p>
+          <a:p>
+            <a:pPr marL="0" indent="0">
+              <a:buNone/>
+            </a:pPr>
+            <a:r>
+              <a:rPr lang="en-SG" dirty="0"/>
+              <a:t>Open 127.0.0.1:8000 in your browser, you should be able to see now </a:t>
+            </a:r>
+            <a:r>
+              <a:rPr lang="en-SG" dirty="0" err="1"/>
+              <a:t>MobSF</a:t>
+            </a:r>
             <a:endParaRPr lang="en-US" dirty="0"/>
           </a:p>
         </p:txBody>
@@ -4617,7 +6335,7 @@
     </p:spTree>
     <p:extLst>
       <p:ext uri="{BB962C8B-B14F-4D97-AF65-F5344CB8AC3E}">
-        <p14:creationId xmlns:p14="http://schemas.microsoft.com/office/powerpoint/2010/main" val="2154381221"/>
+        <p14:creationId xmlns:p14="http://schemas.microsoft.com/office/powerpoint/2010/main" val="4125907014"/>
       </p:ext>
     </p:extLst>
   </p:cSld>
@@ -4666,8 +6384,8 @@
           <a:lstStyle/>
           <a:p>
             <a:r>
-              <a:rPr lang="en-US" dirty="0"/>
-              <a:t>Install Android Studio </a:t>
+              <a:rPr lang="en-US"/>
+              <a:t>Download Burp Suite</a:t>
             </a:r>
           </a:p>
         </p:txBody>
@@ -4690,13 +6408,15 @@
         </p:nvSpPr>
         <p:spPr/>
         <p:txBody>
-          <a:bodyPr/>
-          <a:lstStyle/>
-          <a:p>
-            <a:pPr marL="0" indent="0">
-              <a:buNone/>
-            </a:pPr>
-            <a:endParaRPr lang="en-US" dirty="0">
+          <a:bodyPr>
+            <a:normAutofit/>
+          </a:bodyPr>
+          <a:lstStyle/>
+          <a:p>
+            <a:pPr marL="0" indent="0">
+              <a:buNone/>
+            </a:pPr>
+            <a:endParaRPr lang="en-US">
               <a:hlinkClick r:id="rId2"/>
             </a:endParaRPr>
           </a:p>
@@ -4704,31 +6424,62 @@
             <a:pPr marL="0" indent="0">
               <a:buNone/>
             </a:pPr>
-            <a:endParaRPr lang="en-US" dirty="0">
-              <a:hlinkClick r:id="rId2"/>
-            </a:endParaRPr>
-          </a:p>
-          <a:p>
-            <a:pPr marL="0" indent="0">
-              <a:buNone/>
-            </a:pPr>
-            <a:r>
-              <a:rPr lang="en-US" dirty="0">
-                <a:hlinkClick r:id="rId2"/>
+            <a:endParaRPr lang="en-US"/>
+          </a:p>
+          <a:p>
+            <a:pPr marL="0" indent="0">
+              <a:buNone/>
+            </a:pPr>
+            <a:r>
+              <a:rPr lang="en-US"/>
+              <a:t>Please make sure you have JRE installed! </a:t>
+            </a:r>
+          </a:p>
+          <a:p>
+            <a:pPr marL="0" indent="0">
+              <a:buNone/>
+            </a:pPr>
+            <a:endParaRPr lang="en-US"/>
+          </a:p>
+          <a:p>
+            <a:pPr marL="0" indent="0">
+              <a:buNone/>
+            </a:pPr>
+            <a:r>
+              <a:rPr lang="en-US"/>
+              <a:t>Download the community edition </a:t>
+            </a:r>
+          </a:p>
+          <a:p>
+            <a:pPr marL="0" indent="0">
+              <a:buNone/>
+            </a:pPr>
+            <a:r>
+              <a:rPr lang="en-US">
+                <a:hlinkClick r:id="rId3"/>
               </a:rPr>
-              <a:t>https://developer.android.com/studio/install</a:t>
-            </a:r>
-            <a:r>
-              <a:rPr lang="en-US" dirty="0"/>
-              <a:t> </a:t>
-            </a:r>
+              <a:t>https://portswigger.net/burp/communitydownload</a:t>
+            </a:r>
+            <a:endParaRPr lang="en-US"/>
+          </a:p>
+          <a:p>
+            <a:pPr marL="0" indent="0">
+              <a:buNone/>
+            </a:pPr>
+            <a:endParaRPr lang="en-US"/>
+          </a:p>
+          <a:p>
+            <a:pPr marL="0" indent="0">
+              <a:buNone/>
+            </a:pPr>
+            <a:endParaRPr lang="en-US"/>
           </a:p>
         </p:txBody>
       </p:sp>
     </p:spTree>
     <p:extLst>
       <p:ext uri="{BB962C8B-B14F-4D97-AF65-F5344CB8AC3E}">
-        <p14:creationId xmlns:p14="http://schemas.microsoft.com/office/powerpoint/2010/main" val="2692723694"/>
+        <p14:creationId xmlns:p14="http://schemas.microsoft.com/office/powerpoint/2010/main" val="2154381221"/>
       </p:ext>
     </p:extLst>
   </p:cSld>
@@ -4778,7 +6529,7 @@
           <a:p>
             <a:r>
               <a:rPr lang="en-US" dirty="0"/>
-              <a:t>Open AVD Manager </a:t>
+              <a:t>Install Objection</a:t>
             </a:r>
           </a:p>
         </p:txBody>
@@ -4801,47 +6552,111 @@
         </p:nvSpPr>
         <p:spPr/>
         <p:txBody>
-          <a:bodyPr/>
-          <a:lstStyle/>
-          <a:p>
-            <a:endParaRPr lang="en-US"/>
-          </a:p>
-        </p:txBody>
-      </p:sp>
-      <p:pic>
-        <p:nvPicPr>
-          <p:cNvPr id="5" name="Picture 4">
-            <a:extLst>
-              <a:ext uri="{FF2B5EF4-FFF2-40B4-BE49-F238E27FC236}">
-                <a16:creationId xmlns:a16="http://schemas.microsoft.com/office/drawing/2014/main" id="{8BDDCB43-9E3F-D545-8B85-9AFF98FBA64A}"/>
-              </a:ext>
-            </a:extLst>
-          </p:cNvPr>
-          <p:cNvPicPr>
-            <a:picLocks noChangeAspect="1"/>
-          </p:cNvPicPr>
-          <p:nvPr/>
-        </p:nvPicPr>
-        <p:blipFill>
-          <a:blip r:embed="rId2"/>
-          <a:stretch>
-            <a:fillRect/>
-          </a:stretch>
-        </p:blipFill>
-        <p:spPr>
-          <a:xfrm>
-            <a:off x="272154" y="1825625"/>
-            <a:ext cx="11798300" cy="3340100"/>
-          </a:xfrm>
-          <a:prstGeom prst="rect">
-            <a:avLst/>
-          </a:prstGeom>
-        </p:spPr>
-      </p:pic>
+          <a:bodyPr>
+            <a:normAutofit fontScale="92500"/>
+          </a:bodyPr>
+          <a:lstStyle/>
+          <a:p>
+            <a:pPr marL="0" indent="0">
+              <a:buNone/>
+            </a:pPr>
+            <a:r>
+              <a:rPr lang="en-US" dirty="0"/>
+              <a:t>Please install </a:t>
+            </a:r>
+            <a:r>
+              <a:rPr lang="en-US" b="1" dirty="0"/>
+              <a:t>objection</a:t>
+            </a:r>
+          </a:p>
+          <a:p>
+            <a:pPr marL="0" indent="0">
+              <a:buNone/>
+            </a:pPr>
+            <a:r>
+              <a:rPr lang="en-US" dirty="0">
+                <a:hlinkClick r:id="rId2"/>
+              </a:rPr>
+              <a:t>https://github.com/sensepost/objection/wiki/Installation</a:t>
+            </a:r>
+            <a:r>
+              <a:rPr lang="en-US" dirty="0"/>
+              <a:t> </a:t>
+            </a:r>
+          </a:p>
+          <a:p>
+            <a:endParaRPr lang="en-US" dirty="0"/>
+          </a:p>
+          <a:p>
+            <a:pPr marL="0" indent="0">
+              <a:buNone/>
+            </a:pPr>
+            <a:r>
+              <a:rPr lang="en-US" dirty="0"/>
+              <a:t>Please check the prerequisites </a:t>
+            </a:r>
+          </a:p>
+          <a:p>
+            <a:pPr marL="0" indent="0">
+              <a:buNone/>
+            </a:pPr>
+            <a:r>
+              <a:rPr lang="en-US" dirty="0">
+                <a:hlinkClick r:id="rId3"/>
+              </a:rPr>
+              <a:t>https://github.com/sensepost/objection/wiki/Installation#prerequisites</a:t>
+            </a:r>
+            <a:r>
+              <a:rPr lang="en-US" dirty="0"/>
+              <a:t> </a:t>
+            </a:r>
+          </a:p>
+          <a:p>
+            <a:endParaRPr lang="en-SG" dirty="0"/>
+          </a:p>
+          <a:p>
+            <a:pPr marL="0" indent="0">
+              <a:buNone/>
+            </a:pPr>
+            <a:r>
+              <a:rPr lang="en-SG" b="1" dirty="0"/>
+              <a:t>Install objection in a virtual environment</a:t>
+            </a:r>
+            <a:r>
+              <a:rPr lang="en-SG" dirty="0"/>
+              <a:t>, then your local installation of Python and Pip is not changed</a:t>
+            </a:r>
+          </a:p>
+          <a:p>
+            <a:pPr marL="0" indent="0">
+              <a:buNone/>
+            </a:pPr>
+            <a:r>
+              <a:rPr lang="en-SG" dirty="0">
+                <a:hlinkClick r:id="rId4"/>
+              </a:rPr>
+              <a:t>https://github.com/sensepost/objection/wiki/Installation#virtual-installation</a:t>
+            </a:r>
+            <a:r>
+              <a:rPr lang="en-SG" dirty="0"/>
+              <a:t> </a:t>
+            </a:r>
+          </a:p>
+          <a:p>
+            <a:endParaRPr lang="en-SG" dirty="0"/>
+          </a:p>
+          <a:p>
+            <a:endParaRPr lang="en-SG" dirty="0"/>
+          </a:p>
+          <a:p>
+            <a:endParaRPr lang="en-US" dirty="0"/>
+          </a:p>
+        </p:txBody>
+      </p:sp>
     </p:spTree>
     <p:extLst>
       <p:ext uri="{BB962C8B-B14F-4D97-AF65-F5344CB8AC3E}">
-        <p14:creationId xmlns:p14="http://schemas.microsoft.com/office/powerpoint/2010/main" val="1468555997"/>
+        <p14:creationId xmlns:p14="http://schemas.microsoft.com/office/powerpoint/2010/main" val="2692723694"/>
       </p:ext>
     </p:extLst>
   </p:cSld>
@@ -4890,71 +6705,69 @@
           <a:lstStyle/>
           <a:p>
             <a:r>
+              <a:rPr lang="en-US"/>
+              <a:t>Install Android Studio </a:t>
+            </a:r>
+          </a:p>
+        </p:txBody>
+      </p:sp>
+      <p:sp>
+        <p:nvSpPr>
+          <p:cNvPr id="3" name="Content Placeholder 2">
+            <a:extLst>
+              <a:ext uri="{FF2B5EF4-FFF2-40B4-BE49-F238E27FC236}">
+                <a16:creationId xmlns:a16="http://schemas.microsoft.com/office/drawing/2014/main" id="{5D98E177-C354-D542-A14E-E86EEC9F17A0}"/>
+              </a:ext>
+            </a:extLst>
+          </p:cNvPr>
+          <p:cNvSpPr>
+            <a:spLocks noGrp="1"/>
+          </p:cNvSpPr>
+          <p:nvPr>
+            <p:ph idx="1"/>
+          </p:nvPr>
+        </p:nvSpPr>
+        <p:spPr/>
+        <p:txBody>
+          <a:bodyPr/>
+          <a:lstStyle/>
+          <a:p>
+            <a:pPr marL="0" indent="0">
+              <a:buNone/>
+            </a:pPr>
+            <a:endParaRPr lang="en-US" dirty="0">
+              <a:hlinkClick r:id="rId2"/>
+            </a:endParaRPr>
+          </a:p>
+          <a:p>
+            <a:pPr marL="0" indent="0">
+              <a:buNone/>
+            </a:pPr>
+            <a:endParaRPr lang="en-US" dirty="0">
+              <a:hlinkClick r:id="rId2"/>
+            </a:endParaRPr>
+          </a:p>
+          <a:p>
+            <a:pPr marL="0" indent="0">
+              <a:buNone/>
+            </a:pPr>
+            <a:r>
+              <a:rPr lang="en-US" dirty="0">
+                <a:hlinkClick r:id="rId2"/>
+              </a:rPr>
+              <a:t>https://developer.android.com/studio/install</a:t>
+            </a:r>
+            <a:r>
               <a:rPr lang="en-US" dirty="0"/>
-              <a:t>Select Nexus 5X</a:t>
-            </a:r>
-          </a:p>
-        </p:txBody>
-      </p:sp>
-      <p:sp>
-        <p:nvSpPr>
-          <p:cNvPr id="3" name="Content Placeholder 2">
-            <a:extLst>
-              <a:ext uri="{FF2B5EF4-FFF2-40B4-BE49-F238E27FC236}">
-                <a16:creationId xmlns:a16="http://schemas.microsoft.com/office/drawing/2014/main" id="{5D98E177-C354-D542-A14E-E86EEC9F17A0}"/>
-              </a:ext>
-            </a:extLst>
-          </p:cNvPr>
-          <p:cNvSpPr>
-            <a:spLocks noGrp="1"/>
-          </p:cNvSpPr>
-          <p:nvPr>
-            <p:ph idx="1"/>
-          </p:nvPr>
-        </p:nvSpPr>
-        <p:spPr/>
-        <p:txBody>
-          <a:bodyPr/>
-          <a:lstStyle/>
-          <a:p>
-            <a:endParaRPr lang="en-US"/>
-          </a:p>
-        </p:txBody>
-      </p:sp>
-      <p:pic>
-        <p:nvPicPr>
-          <p:cNvPr id="4" name="Picture 3">
-            <a:extLst>
-              <a:ext uri="{FF2B5EF4-FFF2-40B4-BE49-F238E27FC236}">
-                <a16:creationId xmlns:a16="http://schemas.microsoft.com/office/drawing/2014/main" id="{4F8AE5DD-A836-8C41-A476-980FD85A8465}"/>
-              </a:ext>
-            </a:extLst>
-          </p:cNvPr>
-          <p:cNvPicPr>
-            <a:picLocks noChangeAspect="1"/>
-          </p:cNvPicPr>
-          <p:nvPr/>
-        </p:nvPicPr>
-        <p:blipFill>
-          <a:blip r:embed="rId2"/>
-          <a:stretch>
-            <a:fillRect/>
-          </a:stretch>
-        </p:blipFill>
-        <p:spPr>
-          <a:xfrm>
-            <a:off x="1982734" y="1581374"/>
-            <a:ext cx="7783823" cy="5276626"/>
-          </a:xfrm>
-          <a:prstGeom prst="rect">
-            <a:avLst/>
-          </a:prstGeom>
-        </p:spPr>
-      </p:pic>
+              <a:t> </a:t>
+            </a:r>
+          </a:p>
+        </p:txBody>
+      </p:sp>
     </p:spTree>
     <p:extLst>
       <p:ext uri="{BB962C8B-B14F-4D97-AF65-F5344CB8AC3E}">
-        <p14:creationId xmlns:p14="http://schemas.microsoft.com/office/powerpoint/2010/main" val="1229417563"/>
+        <p14:creationId xmlns:p14="http://schemas.microsoft.com/office/powerpoint/2010/main" val="591908594"/>
       </p:ext>
     </p:extLst>
   </p:cSld>
@@ -5004,17 +6817,17 @@
           <a:p>
             <a:r>
               <a:rPr lang="en-US" dirty="0"/>
-              <a:t>Download Nougat </a:t>
-            </a:r>
-          </a:p>
-        </p:txBody>
-      </p:sp>
-      <p:sp>
-        <p:nvSpPr>
-          <p:cNvPr id="3" name="Content Placeholder 2">
-            <a:extLst>
-              <a:ext uri="{FF2B5EF4-FFF2-40B4-BE49-F238E27FC236}">
-                <a16:creationId xmlns:a16="http://schemas.microsoft.com/office/drawing/2014/main" id="{5D98E177-C354-D542-A14E-E86EEC9F17A0}"/>
+              <a:t>Create AVD (Android Virtual Device)</a:t>
+            </a:r>
+          </a:p>
+        </p:txBody>
+      </p:sp>
+      <p:sp>
+        <p:nvSpPr>
+          <p:cNvPr id="8" name="Content Placeholder 2">
+            <a:extLst>
+              <a:ext uri="{FF2B5EF4-FFF2-40B4-BE49-F238E27FC236}">
+                <a16:creationId xmlns:a16="http://schemas.microsoft.com/office/drawing/2014/main" id="{0D2DE8F7-0E7C-D843-9AC3-F71A174D49D9}"/>
               </a:ext>
             </a:extLst>
           </p:cNvPr>
@@ -5025,49 +6838,172 @@
             <p:ph idx="1"/>
           </p:nvPr>
         </p:nvSpPr>
-        <p:spPr/>
-        <p:txBody>
-          <a:bodyPr/>
-          <a:lstStyle/>
-          <a:p>
-            <a:endParaRPr lang="en-US"/>
-          </a:p>
-        </p:txBody>
-      </p:sp>
-      <p:pic>
-        <p:nvPicPr>
-          <p:cNvPr id="7" name="Picture 6">
-            <a:extLst>
-              <a:ext uri="{FF2B5EF4-FFF2-40B4-BE49-F238E27FC236}">
-                <a16:creationId xmlns:a16="http://schemas.microsoft.com/office/drawing/2014/main" id="{4E0D2892-518E-5040-85F6-28CBCD9CDC9E}"/>
-              </a:ext>
-            </a:extLst>
-          </p:cNvPr>
-          <p:cNvPicPr>
-            <a:picLocks noChangeAspect="1"/>
-          </p:cNvPicPr>
-          <p:nvPr/>
-        </p:nvPicPr>
-        <p:blipFill>
-          <a:blip r:embed="rId2"/>
-          <a:stretch>
-            <a:fillRect/>
-          </a:stretch>
-        </p:blipFill>
-        <p:spPr>
-          <a:xfrm>
-            <a:off x="1979407" y="1426383"/>
-            <a:ext cx="8002492" cy="5356313"/>
-          </a:xfrm>
-          <a:prstGeom prst="rect">
-            <a:avLst/>
-          </a:prstGeom>
-        </p:spPr>
-      </p:pic>
+        <p:spPr>
+          <a:xfrm>
+            <a:off x="838200" y="1825625"/>
+            <a:ext cx="10515600" cy="4351338"/>
+          </a:xfrm>
+        </p:spPr>
+        <p:txBody>
+          <a:bodyPr>
+            <a:normAutofit fontScale="92500" lnSpcReduction="20000"/>
+          </a:bodyPr>
+          <a:lstStyle/>
+          <a:p>
+            <a:pPr marL="0" indent="0">
+              <a:buNone/>
+            </a:pPr>
+            <a:endParaRPr lang="en-US" dirty="0"/>
+          </a:p>
+          <a:p>
+            <a:pPr marL="0" indent="0">
+              <a:buNone/>
+            </a:pPr>
+            <a:r>
+              <a:rPr lang="en-US" dirty="0"/>
+              <a:t>Go into the </a:t>
+            </a:r>
+            <a:r>
+              <a:rPr lang="en-US" dirty="0" err="1"/>
+              <a:t>Github</a:t>
+            </a:r>
+            <a:r>
+              <a:rPr lang="en-US" dirty="0"/>
+              <a:t> repo:</a:t>
+            </a:r>
+          </a:p>
+          <a:p>
+            <a:pPr marL="0" indent="0">
+              <a:buNone/>
+            </a:pPr>
+            <a:r>
+              <a:rPr lang="en-US" dirty="0"/>
+              <a:t>$ cd OWASP-Bay-Area/android/</a:t>
+            </a:r>
+          </a:p>
+          <a:p>
+            <a:pPr marL="0" indent="0">
+              <a:buNone/>
+            </a:pPr>
+            <a:endParaRPr lang="en-US" dirty="0"/>
+          </a:p>
+          <a:p>
+            <a:pPr marL="0" indent="0">
+              <a:buNone/>
+            </a:pPr>
+            <a:r>
+              <a:rPr lang="en-US" dirty="0"/>
+              <a:t>Copy the android8.zip to your AVD folder and unzip it (macOS)</a:t>
+            </a:r>
+          </a:p>
+          <a:p>
+            <a:pPr marL="0" indent="0">
+              <a:buNone/>
+            </a:pPr>
+            <a:r>
+              <a:rPr lang="en-US" dirty="0"/>
+              <a:t>$ </a:t>
+            </a:r>
+            <a:r>
+              <a:rPr lang="en-US" dirty="0" err="1"/>
+              <a:t>cp</a:t>
+            </a:r>
+            <a:r>
+              <a:rPr lang="en-US" dirty="0"/>
+              <a:t> anroid8.zip /Users/&lt;your username&gt;/.android/</a:t>
+            </a:r>
+            <a:r>
+              <a:rPr lang="en-US" dirty="0" err="1"/>
+              <a:t>avd</a:t>
+            </a:r>
+            <a:endParaRPr lang="en-US" dirty="0"/>
+          </a:p>
+          <a:p>
+            <a:pPr marL="0" indent="0">
+              <a:buNone/>
+            </a:pPr>
+            <a:r>
+              <a:rPr lang="en-US" dirty="0"/>
+              <a:t>$ unzip android8.zip</a:t>
+            </a:r>
+          </a:p>
+          <a:p>
+            <a:pPr marL="0" indent="0">
+              <a:buNone/>
+            </a:pPr>
+            <a:endParaRPr lang="en-US" dirty="0"/>
+          </a:p>
+          <a:p>
+            <a:pPr marL="0" indent="0">
+              <a:buNone/>
+            </a:pPr>
+            <a:r>
+              <a:rPr lang="en-US" dirty="0"/>
+              <a:t>On Windows the folder will be:</a:t>
+            </a:r>
+          </a:p>
+          <a:p>
+            <a:pPr marL="0" indent="0">
+              <a:buNone/>
+            </a:pPr>
+            <a:r>
+              <a:rPr lang="en-SG" dirty="0"/>
+              <a:t>C:\Documents and Settings{your </a:t>
+            </a:r>
+            <a:r>
+              <a:rPr lang="en-SG" b="1" dirty="0" err="1"/>
+              <a:t>windows</a:t>
+            </a:r>
+            <a:r>
+              <a:rPr lang="en-SG" dirty="0" err="1"/>
+              <a:t>login</a:t>
+            </a:r>
+            <a:r>
+              <a:rPr lang="en-SG" dirty="0"/>
+              <a:t>}\.</a:t>
+            </a:r>
+            <a:r>
+              <a:rPr lang="en-SG" b="1" dirty="0"/>
+              <a:t>android</a:t>
+            </a:r>
+            <a:r>
+              <a:rPr lang="en-SG" dirty="0"/>
+              <a:t>\</a:t>
+            </a:r>
+            <a:r>
+              <a:rPr lang="en-SG" b="1" dirty="0" err="1"/>
+              <a:t>avd</a:t>
+            </a:r>
+            <a:r>
+              <a:rPr lang="en-SG" dirty="0"/>
+              <a:t>\</a:t>
+            </a:r>
+            <a:endParaRPr lang="en-US" dirty="0"/>
+          </a:p>
+          <a:p>
+            <a:pPr marL="0" indent="0">
+              <a:buNone/>
+            </a:pPr>
+            <a:endParaRPr lang="en-US" dirty="0"/>
+          </a:p>
+          <a:p>
+            <a:pPr marL="0" indent="0">
+              <a:buNone/>
+            </a:pPr>
+            <a:endParaRPr lang="en-US" dirty="0"/>
+          </a:p>
+          <a:p>
+            <a:pPr marL="0" indent="0">
+              <a:buNone/>
+            </a:pPr>
+            <a:endParaRPr lang="en-US" dirty="0"/>
+          </a:p>
+        </p:txBody>
+      </p:sp>
     </p:spTree>
     <p:extLst>
       <p:ext uri="{BB962C8B-B14F-4D97-AF65-F5344CB8AC3E}">
-        <p14:creationId xmlns:p14="http://schemas.microsoft.com/office/powerpoint/2010/main" val="3669312181"/>
+        <p14:creationId xmlns:p14="http://schemas.microsoft.com/office/powerpoint/2010/main" val="3456467107"/>
       </p:ext>
     </p:extLst>
   </p:cSld>
@@ -5117,17 +7053,17 @@
           <a:p>
             <a:r>
               <a:rPr lang="en-US" dirty="0"/>
-              <a:t>Finish </a:t>
-            </a:r>
-          </a:p>
-        </p:txBody>
-      </p:sp>
-      <p:sp>
-        <p:nvSpPr>
-          <p:cNvPr id="3" name="Content Placeholder 2">
-            <a:extLst>
-              <a:ext uri="{FF2B5EF4-FFF2-40B4-BE49-F238E27FC236}">
-                <a16:creationId xmlns:a16="http://schemas.microsoft.com/office/drawing/2014/main" id="{5D98E177-C354-D542-A14E-E86EEC9F17A0}"/>
+              <a:t>Create AVD (Android Virtual Device)</a:t>
+            </a:r>
+          </a:p>
+        </p:txBody>
+      </p:sp>
+      <p:sp>
+        <p:nvSpPr>
+          <p:cNvPr id="8" name="Content Placeholder 2">
+            <a:extLst>
+              <a:ext uri="{FF2B5EF4-FFF2-40B4-BE49-F238E27FC236}">
+                <a16:creationId xmlns:a16="http://schemas.microsoft.com/office/drawing/2014/main" id="{0D2DE8F7-0E7C-D843-9AC3-F71A174D49D9}"/>
               </a:ext>
             </a:extLst>
           </p:cNvPr>
@@ -5138,21 +7074,34 @@
             <p:ph idx="1"/>
           </p:nvPr>
         </p:nvSpPr>
-        <p:spPr/>
-        <p:txBody>
-          <a:bodyPr/>
-          <a:lstStyle/>
-          <a:p>
-            <a:endParaRPr lang="en-US"/>
+        <p:spPr>
+          <a:xfrm>
+            <a:off x="838200" y="1825625"/>
+            <a:ext cx="10515600" cy="4351338"/>
+          </a:xfrm>
+        </p:spPr>
+        <p:txBody>
+          <a:bodyPr>
+            <a:normAutofit/>
+          </a:bodyPr>
+          <a:lstStyle/>
+          <a:p>
+            <a:pPr marL="0" indent="0">
+              <a:buNone/>
+            </a:pPr>
+            <a:r>
+              <a:rPr lang="en-US" dirty="0"/>
+              <a:t>It should look now like this:</a:t>
+            </a:r>
           </a:p>
         </p:txBody>
       </p:sp>
       <p:pic>
         <p:nvPicPr>
-          <p:cNvPr id="4" name="Picture 3">
-            <a:extLst>
-              <a:ext uri="{FF2B5EF4-FFF2-40B4-BE49-F238E27FC236}">
-                <a16:creationId xmlns:a16="http://schemas.microsoft.com/office/drawing/2014/main" id="{BE02905C-F8DE-0D41-8A58-79DACE348873}"/>
+          <p:cNvPr id="10" name="Picture 9">
+            <a:extLst>
+              <a:ext uri="{FF2B5EF4-FFF2-40B4-BE49-F238E27FC236}">
+                <a16:creationId xmlns:a16="http://schemas.microsoft.com/office/drawing/2014/main" id="{454AFA50-5F11-7749-B903-F8218F05F215}"/>
               </a:ext>
             </a:extLst>
           </p:cNvPr>
@@ -5169,8 +7118,8 @@
         </p:blipFill>
         <p:spPr>
           <a:xfrm>
-            <a:off x="1818042" y="1451819"/>
-            <a:ext cx="7789790" cy="5255574"/>
+            <a:off x="1985554" y="2750457"/>
+            <a:ext cx="5791200" cy="2794000"/>
           </a:xfrm>
           <a:prstGeom prst="rect">
             <a:avLst/>
@@ -5180,7 +7129,7 @@
     </p:spTree>
     <p:extLst>
       <p:ext uri="{BB962C8B-B14F-4D97-AF65-F5344CB8AC3E}">
-        <p14:creationId xmlns:p14="http://schemas.microsoft.com/office/powerpoint/2010/main" val="1254157888"/>
+        <p14:creationId xmlns:p14="http://schemas.microsoft.com/office/powerpoint/2010/main" val="3005331478"/>
       </p:ext>
     </p:extLst>
   </p:cSld>
@@ -5230,17 +7179,17 @@
           <a:p>
             <a:r>
               <a:rPr lang="en-US" dirty="0"/>
-              <a:t>Start the new AVD (Might take a few minutes)</a:t>
-            </a:r>
-          </a:p>
-        </p:txBody>
-      </p:sp>
-      <p:sp>
-        <p:nvSpPr>
-          <p:cNvPr id="3" name="Content Placeholder 2">
-            <a:extLst>
-              <a:ext uri="{FF2B5EF4-FFF2-40B4-BE49-F238E27FC236}">
-                <a16:creationId xmlns:a16="http://schemas.microsoft.com/office/drawing/2014/main" id="{5D98E177-C354-D542-A14E-E86EEC9F17A0}"/>
+              <a:t>Create AVD (Android Virtual Device)</a:t>
+            </a:r>
+          </a:p>
+        </p:txBody>
+      </p:sp>
+      <p:sp>
+        <p:nvSpPr>
+          <p:cNvPr id="8" name="Content Placeholder 2">
+            <a:extLst>
+              <a:ext uri="{FF2B5EF4-FFF2-40B4-BE49-F238E27FC236}">
+                <a16:creationId xmlns:a16="http://schemas.microsoft.com/office/drawing/2014/main" id="{0D2DE8F7-0E7C-D843-9AC3-F71A174D49D9}"/>
               </a:ext>
             </a:extLst>
           </p:cNvPr>
@@ -5251,21 +7200,54 @@
             <p:ph idx="1"/>
           </p:nvPr>
         </p:nvSpPr>
-        <p:spPr/>
-        <p:txBody>
-          <a:bodyPr/>
-          <a:lstStyle/>
-          <a:p>
-            <a:endParaRPr lang="en-US"/>
+        <p:spPr>
+          <a:xfrm>
+            <a:off x="838200" y="1825625"/>
+            <a:ext cx="10515600" cy="4351338"/>
+          </a:xfrm>
+        </p:spPr>
+        <p:txBody>
+          <a:bodyPr>
+            <a:normAutofit/>
+          </a:bodyPr>
+          <a:lstStyle/>
+          <a:p>
+            <a:pPr marL="0" indent="0">
+              <a:buNone/>
+            </a:pPr>
+            <a:r>
+              <a:rPr lang="en-US" dirty="0"/>
+              <a:t>Now you need to change the path in </a:t>
+            </a:r>
+            <a:r>
+              <a:rPr lang="en-US" dirty="0" err="1"/>
+              <a:t>config.ini</a:t>
+            </a:r>
+            <a:r>
+              <a:rPr lang="en-US" dirty="0"/>
+              <a:t> and 80x86.ini</a:t>
+            </a:r>
+          </a:p>
+          <a:p>
+            <a:pPr marL="0" indent="0">
+              <a:buNone/>
+            </a:pPr>
+            <a:endParaRPr lang="en-US" dirty="0"/>
+          </a:p>
+          <a:p>
+            <a:pPr marL="0" indent="0">
+              <a:buNone/>
+            </a:pPr>
+            <a:endParaRPr lang="en-US" dirty="0"/>
           </a:p>
         </p:txBody>
       </p:sp>
       <p:pic>
         <p:nvPicPr>
-          <p:cNvPr id="5" name="Picture 4">
-            <a:extLst>
-              <a:ext uri="{FF2B5EF4-FFF2-40B4-BE49-F238E27FC236}">
-                <a16:creationId xmlns:a16="http://schemas.microsoft.com/office/drawing/2014/main" id="{42F16496-7050-8A42-AEBA-27A816F02A9B}"/>
+          <p:cNvPr id="3" name="Picture 2">
+            <a:extLst>
+              <a:ext uri="{FF2B5EF4-FFF2-40B4-BE49-F238E27FC236}">
+                <a16:creationId xmlns:a16="http://schemas.microsoft.com/office/drawing/2014/main" id="{B109BDB8-3B8E-7445-82F4-D3421CC93A65}"/>
               </a:ext>
             </a:extLst>
           </p:cNvPr>
@@ -5282,18 +7264,178 @@
         </p:blipFill>
         <p:spPr>
           <a:xfrm>
-            <a:off x="0" y="2697480"/>
-            <a:ext cx="12192000" cy="1463040"/>
+            <a:off x="838200" y="2285280"/>
+            <a:ext cx="5186499" cy="4438349"/>
           </a:xfrm>
           <a:prstGeom prst="rect">
             <a:avLst/>
           </a:prstGeom>
         </p:spPr>
       </p:pic>
+      <p:pic>
+        <p:nvPicPr>
+          <p:cNvPr id="5" name="Picture 4">
+            <a:extLst>
+              <a:ext uri="{FF2B5EF4-FFF2-40B4-BE49-F238E27FC236}">
+                <a16:creationId xmlns:a16="http://schemas.microsoft.com/office/drawing/2014/main" id="{48068644-108A-7744-BFE0-9831CB6D37DC}"/>
+              </a:ext>
+            </a:extLst>
+          </p:cNvPr>
+          <p:cNvPicPr>
+            <a:picLocks noChangeAspect="1"/>
+          </p:cNvPicPr>
+          <p:nvPr/>
+        </p:nvPicPr>
+        <p:blipFill>
+          <a:blip r:embed="rId3"/>
+          <a:stretch>
+            <a:fillRect/>
+          </a:stretch>
+        </p:blipFill>
+        <p:spPr>
+          <a:xfrm>
+            <a:off x="6820988" y="5321300"/>
+            <a:ext cx="5003800" cy="1536700"/>
+          </a:xfrm>
+          <a:prstGeom prst="rect">
+            <a:avLst/>
+          </a:prstGeom>
+        </p:spPr>
+      </p:pic>
+      <p:pic>
+        <p:nvPicPr>
+          <p:cNvPr id="9" name="Picture 8">
+            <a:extLst>
+              <a:ext uri="{FF2B5EF4-FFF2-40B4-BE49-F238E27FC236}">
+                <a16:creationId xmlns:a16="http://schemas.microsoft.com/office/drawing/2014/main" id="{ABE883A6-B44C-B040-B46F-7B77A0117BAC}"/>
+              </a:ext>
+            </a:extLst>
+          </p:cNvPr>
+          <p:cNvPicPr>
+            <a:picLocks noChangeAspect="1"/>
+          </p:cNvPicPr>
+          <p:nvPr/>
+        </p:nvPicPr>
+        <p:blipFill>
+          <a:blip r:embed="rId3"/>
+          <a:stretch>
+            <a:fillRect/>
+          </a:stretch>
+        </p:blipFill>
+        <p:spPr>
+          <a:xfrm>
+            <a:off x="6512650" y="5186929"/>
+            <a:ext cx="5003800" cy="1536700"/>
+          </a:xfrm>
+          <a:prstGeom prst="rect">
+            <a:avLst/>
+          </a:prstGeom>
+        </p:spPr>
+      </p:pic>
+      <p:sp>
+        <p:nvSpPr>
+          <p:cNvPr id="6" name="TextBox 5">
+            <a:extLst>
+              <a:ext uri="{FF2B5EF4-FFF2-40B4-BE49-F238E27FC236}">
+                <a16:creationId xmlns:a16="http://schemas.microsoft.com/office/drawing/2014/main" id="{B0E9F004-C60C-5547-A1C5-897FE6922210}"/>
+              </a:ext>
+            </a:extLst>
+          </p:cNvPr>
+          <p:cNvSpPr txBox="1"/>
+          <p:nvPr/>
+        </p:nvSpPr>
+        <p:spPr>
+          <a:xfrm>
+            <a:off x="6583680" y="4820194"/>
+            <a:ext cx="5262018" cy="369332"/>
+          </a:xfrm>
+          <a:prstGeom prst="rect">
+            <a:avLst/>
+          </a:prstGeom>
+          <a:noFill/>
+        </p:spPr>
+        <p:txBody>
+          <a:bodyPr wrap="none" rtlCol="0">
+            <a:spAutoFit/>
+          </a:bodyPr>
+          <a:lstStyle/>
+          <a:p>
+            <a:r>
+              <a:rPr lang="en-US" dirty="0"/>
+              <a:t>Change the path to your actual path on your machine:</a:t>
+            </a:r>
+          </a:p>
+        </p:txBody>
+      </p:sp>
+      <p:pic>
+        <p:nvPicPr>
+          <p:cNvPr id="7" name="Picture 6">
+            <a:extLst>
+              <a:ext uri="{FF2B5EF4-FFF2-40B4-BE49-F238E27FC236}">
+                <a16:creationId xmlns:a16="http://schemas.microsoft.com/office/drawing/2014/main" id="{802B7472-A0A5-C34A-A54C-13C18721840E}"/>
+              </a:ext>
+            </a:extLst>
+          </p:cNvPr>
+          <p:cNvPicPr>
+            <a:picLocks noChangeAspect="1"/>
+          </p:cNvPicPr>
+          <p:nvPr/>
+        </p:nvPicPr>
+        <p:blipFill>
+          <a:blip r:embed="rId4"/>
+          <a:stretch>
+            <a:fillRect/>
+          </a:stretch>
+        </p:blipFill>
+        <p:spPr>
+          <a:xfrm>
+            <a:off x="6543403" y="3036089"/>
+            <a:ext cx="5281385" cy="1649168"/>
+          </a:xfrm>
+          <a:prstGeom prst="rect">
+            <a:avLst/>
+          </a:prstGeom>
+        </p:spPr>
+      </p:pic>
+      <p:sp>
+        <p:nvSpPr>
+          <p:cNvPr id="11" name="TextBox 10">
+            <a:extLst>
+              <a:ext uri="{FF2B5EF4-FFF2-40B4-BE49-F238E27FC236}">
+                <a16:creationId xmlns:a16="http://schemas.microsoft.com/office/drawing/2014/main" id="{93F05392-E9C9-D943-A84E-A0658CFEB177}"/>
+              </a:ext>
+            </a:extLst>
+          </p:cNvPr>
+          <p:cNvSpPr txBox="1"/>
+          <p:nvPr/>
+        </p:nvSpPr>
+        <p:spPr>
+          <a:xfrm>
+            <a:off x="6512650" y="2483390"/>
+            <a:ext cx="5262018" cy="369332"/>
+          </a:xfrm>
+          <a:prstGeom prst="rect">
+            <a:avLst/>
+          </a:prstGeom>
+          <a:noFill/>
+        </p:spPr>
+        <p:txBody>
+          <a:bodyPr wrap="none" rtlCol="0">
+            <a:spAutoFit/>
+          </a:bodyPr>
+          <a:lstStyle/>
+          <a:p>
+            <a:r>
+              <a:rPr lang="en-US" dirty="0"/>
+              <a:t>Change the path to your actual path on your machine:</a:t>
+            </a:r>
+          </a:p>
+        </p:txBody>
+      </p:sp>
     </p:spTree>
     <p:extLst>
       <p:ext uri="{BB962C8B-B14F-4D97-AF65-F5344CB8AC3E}">
-        <p14:creationId xmlns:p14="http://schemas.microsoft.com/office/powerpoint/2010/main" val="633562028"/>
+        <p14:creationId xmlns:p14="http://schemas.microsoft.com/office/powerpoint/2010/main" val="3686367334"/>
       </p:ext>
     </p:extLst>
   </p:cSld>

--- a/Preparation-Bay-Area-Workshop.pptx
+++ b/Preparation-Bay-Area-Workshop.pptx
@@ -278,7 +278,7 @@
           <a:p>
             <a:fld id="{EE5AE19D-5FC0-AE43-B301-8386B09B318A}" type="datetimeFigureOut">
               <a:rPr lang="en-US" smtClean="0"/>
-              <a:t>10/4/18</a:t>
+              <a:t>10/5/18</a:t>
             </a:fld>
             <a:endParaRPr lang="en-US" dirty="0"/>
           </a:p>
@@ -332,7 +332,7 @@
           <a:p>
             <a:fld id="{450E0E0F-8177-3A46-925D-76643B592937}" type="slidenum">
               <a:rPr lang="en-US" smtClean="0"/>
-              <a:t>‹#›</a:t>
+              <a:t>‹nr.›</a:t>
             </a:fld>
             <a:endParaRPr lang="en-US" dirty="0"/>
           </a:p>
@@ -476,7 +476,7 @@
           <a:p>
             <a:fld id="{EE5AE19D-5FC0-AE43-B301-8386B09B318A}" type="datetimeFigureOut">
               <a:rPr lang="en-US" smtClean="0"/>
-              <a:t>10/4/18</a:t>
+              <a:t>10/5/18</a:t>
             </a:fld>
             <a:endParaRPr lang="en-US" dirty="0"/>
           </a:p>
@@ -530,7 +530,7 @@
           <a:p>
             <a:fld id="{450E0E0F-8177-3A46-925D-76643B592937}" type="slidenum">
               <a:rPr lang="en-US" smtClean="0"/>
-              <a:t>‹#›</a:t>
+              <a:t>‹nr.›</a:t>
             </a:fld>
             <a:endParaRPr lang="en-US" dirty="0"/>
           </a:p>
@@ -684,7 +684,7 @@
           <a:p>
             <a:fld id="{EE5AE19D-5FC0-AE43-B301-8386B09B318A}" type="datetimeFigureOut">
               <a:rPr lang="en-US" smtClean="0"/>
-              <a:t>10/4/18</a:t>
+              <a:t>10/5/18</a:t>
             </a:fld>
             <a:endParaRPr lang="en-US" dirty="0"/>
           </a:p>
@@ -738,7 +738,7 @@
           <a:p>
             <a:fld id="{450E0E0F-8177-3A46-925D-76643B592937}" type="slidenum">
               <a:rPr lang="en-US" smtClean="0"/>
-              <a:t>‹#›</a:t>
+              <a:t>‹nr.›</a:t>
             </a:fld>
             <a:endParaRPr lang="en-US" dirty="0"/>
           </a:p>
@@ -882,7 +882,7 @@
           <a:p>
             <a:fld id="{EE5AE19D-5FC0-AE43-B301-8386B09B318A}" type="datetimeFigureOut">
               <a:rPr lang="en-US" smtClean="0"/>
-              <a:t>10/4/18</a:t>
+              <a:t>10/5/18</a:t>
             </a:fld>
             <a:endParaRPr lang="en-US" dirty="0"/>
           </a:p>
@@ -936,7 +936,7 @@
           <a:p>
             <a:fld id="{450E0E0F-8177-3A46-925D-76643B592937}" type="slidenum">
               <a:rPr lang="en-US" smtClean="0"/>
-              <a:t>‹#›</a:t>
+              <a:t>‹nr.›</a:t>
             </a:fld>
             <a:endParaRPr lang="en-US" dirty="0"/>
           </a:p>
@@ -1157,7 +1157,7 @@
           <a:p>
             <a:fld id="{EE5AE19D-5FC0-AE43-B301-8386B09B318A}" type="datetimeFigureOut">
               <a:rPr lang="en-US" smtClean="0"/>
-              <a:t>10/4/18</a:t>
+              <a:t>10/5/18</a:t>
             </a:fld>
             <a:endParaRPr lang="en-US" dirty="0"/>
           </a:p>
@@ -1211,7 +1211,7 @@
           <a:p>
             <a:fld id="{450E0E0F-8177-3A46-925D-76643B592937}" type="slidenum">
               <a:rPr lang="en-US" smtClean="0"/>
-              <a:t>‹#›</a:t>
+              <a:t>‹nr.›</a:t>
             </a:fld>
             <a:endParaRPr lang="en-US" dirty="0"/>
           </a:p>
@@ -1422,7 +1422,7 @@
           <a:p>
             <a:fld id="{EE5AE19D-5FC0-AE43-B301-8386B09B318A}" type="datetimeFigureOut">
               <a:rPr lang="en-US" smtClean="0"/>
-              <a:t>10/4/18</a:t>
+              <a:t>10/5/18</a:t>
             </a:fld>
             <a:endParaRPr lang="en-US" dirty="0"/>
           </a:p>
@@ -1476,7 +1476,7 @@
           <a:p>
             <a:fld id="{450E0E0F-8177-3A46-925D-76643B592937}" type="slidenum">
               <a:rPr lang="en-US" smtClean="0"/>
-              <a:t>‹#›</a:t>
+              <a:t>‹nr.›</a:t>
             </a:fld>
             <a:endParaRPr lang="en-US" dirty="0"/>
           </a:p>
@@ -1834,7 +1834,7 @@
           <a:p>
             <a:fld id="{EE5AE19D-5FC0-AE43-B301-8386B09B318A}" type="datetimeFigureOut">
               <a:rPr lang="en-US" smtClean="0"/>
-              <a:t>10/4/18</a:t>
+              <a:t>10/5/18</a:t>
             </a:fld>
             <a:endParaRPr lang="en-US" dirty="0"/>
           </a:p>
@@ -1888,7 +1888,7 @@
           <a:p>
             <a:fld id="{450E0E0F-8177-3A46-925D-76643B592937}" type="slidenum">
               <a:rPr lang="en-US" smtClean="0"/>
-              <a:t>‹#›</a:t>
+              <a:t>‹nr.›</a:t>
             </a:fld>
             <a:endParaRPr lang="en-US" dirty="0"/>
           </a:p>
@@ -1975,7 +1975,7 @@
           <a:p>
             <a:fld id="{EE5AE19D-5FC0-AE43-B301-8386B09B318A}" type="datetimeFigureOut">
               <a:rPr lang="en-US" smtClean="0"/>
-              <a:t>10/4/18</a:t>
+              <a:t>10/5/18</a:t>
             </a:fld>
             <a:endParaRPr lang="en-US" dirty="0"/>
           </a:p>
@@ -2029,7 +2029,7 @@
           <a:p>
             <a:fld id="{450E0E0F-8177-3A46-925D-76643B592937}" type="slidenum">
               <a:rPr lang="en-US" smtClean="0"/>
-              <a:t>‹#›</a:t>
+              <a:t>‹nr.›</a:t>
             </a:fld>
             <a:endParaRPr lang="en-US" dirty="0"/>
           </a:p>
@@ -2088,7 +2088,7 @@
           <a:p>
             <a:fld id="{EE5AE19D-5FC0-AE43-B301-8386B09B318A}" type="datetimeFigureOut">
               <a:rPr lang="en-US" smtClean="0"/>
-              <a:t>10/4/18</a:t>
+              <a:t>10/5/18</a:t>
             </a:fld>
             <a:endParaRPr lang="en-US" dirty="0"/>
           </a:p>
@@ -2142,7 +2142,7 @@
           <a:p>
             <a:fld id="{450E0E0F-8177-3A46-925D-76643B592937}" type="slidenum">
               <a:rPr lang="en-US" smtClean="0"/>
-              <a:t>‹#›</a:t>
+              <a:t>‹nr.›</a:t>
             </a:fld>
             <a:endParaRPr lang="en-US" dirty="0"/>
           </a:p>
@@ -2399,7 +2399,7 @@
           <a:p>
             <a:fld id="{EE5AE19D-5FC0-AE43-B301-8386B09B318A}" type="datetimeFigureOut">
               <a:rPr lang="en-US" smtClean="0"/>
-              <a:t>10/4/18</a:t>
+              <a:t>10/5/18</a:t>
             </a:fld>
             <a:endParaRPr lang="en-US" dirty="0"/>
           </a:p>
@@ -2453,7 +2453,7 @@
           <a:p>
             <a:fld id="{450E0E0F-8177-3A46-925D-76643B592937}" type="slidenum">
               <a:rPr lang="en-US" smtClean="0"/>
-              <a:t>‹#›</a:t>
+              <a:t>‹nr.›</a:t>
             </a:fld>
             <a:endParaRPr lang="en-US" dirty="0"/>
           </a:p>
@@ -2687,7 +2687,7 @@
           <a:p>
             <a:fld id="{EE5AE19D-5FC0-AE43-B301-8386B09B318A}" type="datetimeFigureOut">
               <a:rPr lang="en-US" smtClean="0"/>
-              <a:t>10/4/18</a:t>
+              <a:t>10/5/18</a:t>
             </a:fld>
             <a:endParaRPr lang="en-US" dirty="0"/>
           </a:p>
@@ -2741,7 +2741,7 @@
           <a:p>
             <a:fld id="{450E0E0F-8177-3A46-925D-76643B592937}" type="slidenum">
               <a:rPr lang="en-US" smtClean="0"/>
-              <a:t>‹#›</a:t>
+              <a:t>‹nr.›</a:t>
             </a:fld>
             <a:endParaRPr lang="en-US" dirty="0"/>
           </a:p>
@@ -2928,7 +2928,7 @@
           <a:p>
             <a:fld id="{EE5AE19D-5FC0-AE43-B301-8386B09B318A}" type="datetimeFigureOut">
               <a:rPr lang="en-US" smtClean="0"/>
-              <a:t>10/4/18</a:t>
+              <a:t>10/5/18</a:t>
             </a:fld>
             <a:endParaRPr lang="en-US" dirty="0"/>
           </a:p>
@@ -3018,7 +3018,7 @@
           <a:p>
             <a:fld id="{450E0E0F-8177-3A46-925D-76643B592937}" type="slidenum">
               <a:rPr lang="en-US" smtClean="0"/>
-              <a:t>‹#›</a:t>
+              <a:t>‹nr.›</a:t>
             </a:fld>
             <a:endParaRPr lang="en-US" dirty="0"/>
           </a:p>
@@ -4040,7 +4040,9 @@
         </p:nvSpPr>
         <p:spPr/>
         <p:txBody>
-          <a:bodyPr/>
+          <a:bodyPr>
+            <a:normAutofit/>
+          </a:bodyPr>
           <a:lstStyle/>
           <a:p>
             <a:endParaRPr lang="en-US" dirty="0"/>
@@ -4057,8 +4059,112 @@
             </a:pPr>
             <a:r>
               <a:rPr lang="en-US" dirty="0"/>
-              <a:t>Otherwise install ADB now for your platform:</a:t>
-            </a:r>
+              <a:t>Note: you can find </a:t>
+            </a:r>
+            <a:r>
+              <a:rPr lang="en-US" dirty="0" err="1"/>
+              <a:t>adb</a:t>
+            </a:r>
+            <a:r>
+              <a:rPr lang="en-US" dirty="0"/>
+              <a:t> in your $ANDROID_HOME/tools (e.g. on Mac OS X that can be </a:t>
+            </a:r>
+            <a:r>
+              <a:rPr lang="nl-NL" dirty="0"/>
+              <a:t>/Users/&lt;username&gt;/Library/Android/</a:t>
+            </a:r>
+            <a:r>
+              <a:rPr lang="nl-NL" dirty="0" err="1"/>
+              <a:t>sdk</a:t>
+            </a:r>
+            <a:r>
+              <a:rPr lang="nl-NL" dirty="0"/>
+              <a:t>/tools). </a:t>
+            </a:r>
+            <a:r>
+              <a:rPr lang="nl-NL" dirty="0" err="1"/>
+              <a:t>Add</a:t>
+            </a:r>
+            <a:r>
+              <a:rPr lang="nl-NL" dirty="0"/>
+              <a:t> </a:t>
+            </a:r>
+            <a:r>
+              <a:rPr lang="nl-NL" dirty="0" err="1"/>
+              <a:t>it</a:t>
+            </a:r>
+            <a:r>
+              <a:rPr lang="nl-NL" dirty="0"/>
+              <a:t> </a:t>
+            </a:r>
+            <a:r>
+              <a:rPr lang="nl-NL" dirty="0" err="1"/>
+              <a:t>to</a:t>
+            </a:r>
+            <a:r>
+              <a:rPr lang="nl-NL" dirty="0"/>
+              <a:t> </a:t>
+            </a:r>
+            <a:r>
+              <a:rPr lang="nl-NL" dirty="0" err="1"/>
+              <a:t>your</a:t>
+            </a:r>
+            <a:r>
+              <a:rPr lang="nl-NL" dirty="0"/>
+              <a:t> PATH </a:t>
+            </a:r>
+            <a:r>
+              <a:rPr lang="nl-NL" dirty="0" err="1"/>
+              <a:t>to</a:t>
+            </a:r>
+            <a:r>
+              <a:rPr lang="nl-NL" dirty="0"/>
+              <a:t> make </a:t>
+            </a:r>
+            <a:r>
+              <a:rPr lang="nl-NL" dirty="0" err="1"/>
+              <a:t>it</a:t>
+            </a:r>
+            <a:r>
+              <a:rPr lang="nl-NL" dirty="0"/>
+              <a:t> </a:t>
+            </a:r>
+            <a:r>
+              <a:rPr lang="nl-NL" dirty="0" err="1"/>
+              <a:t>reachable</a:t>
+            </a:r>
+            <a:r>
+              <a:rPr lang="nl-NL" dirty="0"/>
+              <a:t> </a:t>
+            </a:r>
+            <a:r>
+              <a:rPr lang="nl-NL" dirty="0" err="1"/>
+              <a:t>everywhere</a:t>
+            </a:r>
+            <a:r>
+              <a:rPr lang="nl-NL" dirty="0"/>
+              <a:t>.</a:t>
+            </a:r>
+          </a:p>
+          <a:p>
+            <a:pPr marL="0" indent="0">
+              <a:buNone/>
+            </a:pPr>
+            <a:endParaRPr lang="en-US" dirty="0"/>
+          </a:p>
+          <a:p>
+            <a:pPr marL="0" indent="0">
+              <a:buNone/>
+            </a:pPr>
+            <a:r>
+              <a:rPr lang="en-US" dirty="0"/>
+              <a:t>Still in trouble? Follow </a:t>
+            </a:r>
+            <a:r>
+              <a:rPr lang="en-US"/>
+              <a:t>the instructions here:</a:t>
+            </a:r>
+            <a:endParaRPr lang="en-US" dirty="0"/>
           </a:p>
           <a:p>
             <a:pPr marL="0" indent="0">
@@ -6760,6 +6866,45 @@
             <a:r>
               <a:rPr lang="en-US" dirty="0"/>
               <a:t> </a:t>
+            </a:r>
+          </a:p>
+          <a:p>
+            <a:pPr marL="0" indent="0">
+              <a:buNone/>
+            </a:pPr>
+            <a:endParaRPr lang="en-US" dirty="0"/>
+          </a:p>
+          <a:p>
+            <a:pPr marL="0" indent="0">
+              <a:buNone/>
+            </a:pPr>
+            <a:r>
+              <a:rPr lang="en-US" dirty="0"/>
+              <a:t>Next, use the </a:t>
+            </a:r>
+            <a:r>
+              <a:rPr lang="en-US" dirty="0" err="1"/>
+              <a:t>sdkmanager</a:t>
+            </a:r>
+            <a:r>
+              <a:rPr lang="en-US" dirty="0"/>
+              <a:t> to download the SDK and AVD for Android 7 (API level 24) for Android 8 (</a:t>
+            </a:r>
+            <a:r>
+              <a:rPr lang="en-US" dirty="0" err="1"/>
+              <a:t>api</a:t>
+            </a:r>
+            <a:r>
+              <a:rPr lang="en-US" dirty="0"/>
+              <a:t> </a:t>
+            </a:r>
+            <a:r>
+              <a:rPr lang="en-US" dirty="0" err="1"/>
+              <a:t>lvl</a:t>
+            </a:r>
+            <a:r>
+              <a:rPr lang="en-US" dirty="0"/>
+              <a:t> 26), using an x86 image. (NOT X86-64!)</a:t>
             </a:r>
           </a:p>
         </p:txBody>

--- a/Preparation-Bay-Area-Workshop.pptx
+++ b/Preparation-Bay-Area-Workshop.pptx
@@ -21,10 +21,11 @@
     <p:sldId id="269" r:id="rId15"/>
     <p:sldId id="271" r:id="rId16"/>
     <p:sldId id="270" r:id="rId17"/>
-    <p:sldId id="277" r:id="rId18"/>
-    <p:sldId id="273" r:id="rId19"/>
-    <p:sldId id="274" r:id="rId20"/>
-    <p:sldId id="275" r:id="rId21"/>
+    <p:sldId id="288" r:id="rId18"/>
+    <p:sldId id="277" r:id="rId19"/>
+    <p:sldId id="273" r:id="rId20"/>
+    <p:sldId id="274" r:id="rId21"/>
+    <p:sldId id="275" r:id="rId22"/>
   </p:sldIdLst>
   <p:sldSz cx="12192000" cy="6858000"/>
   <p:notesSz cx="6858000" cy="9144000"/>
@@ -278,7 +279,7 @@
           <a:p>
             <a:fld id="{EE5AE19D-5FC0-AE43-B301-8386B09B318A}" type="datetimeFigureOut">
               <a:rPr lang="en-US" smtClean="0"/>
-              <a:t>10/4/18</a:t>
+              <a:t>10/5/18</a:t>
             </a:fld>
             <a:endParaRPr lang="en-US" dirty="0"/>
           </a:p>
@@ -332,7 +333,7 @@
           <a:p>
             <a:fld id="{450E0E0F-8177-3A46-925D-76643B592937}" type="slidenum">
               <a:rPr lang="en-US" smtClean="0"/>
-              <a:t>‹#›</a:t>
+              <a:t>‹nr.›</a:t>
             </a:fld>
             <a:endParaRPr lang="en-US" dirty="0"/>
           </a:p>
@@ -476,7 +477,7 @@
           <a:p>
             <a:fld id="{EE5AE19D-5FC0-AE43-B301-8386B09B318A}" type="datetimeFigureOut">
               <a:rPr lang="en-US" smtClean="0"/>
-              <a:t>10/4/18</a:t>
+              <a:t>10/5/18</a:t>
             </a:fld>
             <a:endParaRPr lang="en-US" dirty="0"/>
           </a:p>
@@ -530,7 +531,7 @@
           <a:p>
             <a:fld id="{450E0E0F-8177-3A46-925D-76643B592937}" type="slidenum">
               <a:rPr lang="en-US" smtClean="0"/>
-              <a:t>‹#›</a:t>
+              <a:t>‹nr.›</a:t>
             </a:fld>
             <a:endParaRPr lang="en-US" dirty="0"/>
           </a:p>
@@ -684,7 +685,7 @@
           <a:p>
             <a:fld id="{EE5AE19D-5FC0-AE43-B301-8386B09B318A}" type="datetimeFigureOut">
               <a:rPr lang="en-US" smtClean="0"/>
-              <a:t>10/4/18</a:t>
+              <a:t>10/5/18</a:t>
             </a:fld>
             <a:endParaRPr lang="en-US" dirty="0"/>
           </a:p>
@@ -738,7 +739,7 @@
           <a:p>
             <a:fld id="{450E0E0F-8177-3A46-925D-76643B592937}" type="slidenum">
               <a:rPr lang="en-US" smtClean="0"/>
-              <a:t>‹#›</a:t>
+              <a:t>‹nr.›</a:t>
             </a:fld>
             <a:endParaRPr lang="en-US" dirty="0"/>
           </a:p>
@@ -882,7 +883,7 @@
           <a:p>
             <a:fld id="{EE5AE19D-5FC0-AE43-B301-8386B09B318A}" type="datetimeFigureOut">
               <a:rPr lang="en-US" smtClean="0"/>
-              <a:t>10/4/18</a:t>
+              <a:t>10/5/18</a:t>
             </a:fld>
             <a:endParaRPr lang="en-US" dirty="0"/>
           </a:p>
@@ -936,7 +937,7 @@
           <a:p>
             <a:fld id="{450E0E0F-8177-3A46-925D-76643B592937}" type="slidenum">
               <a:rPr lang="en-US" smtClean="0"/>
-              <a:t>‹#›</a:t>
+              <a:t>‹nr.›</a:t>
             </a:fld>
             <a:endParaRPr lang="en-US" dirty="0"/>
           </a:p>
@@ -1157,7 +1158,7 @@
           <a:p>
             <a:fld id="{EE5AE19D-5FC0-AE43-B301-8386B09B318A}" type="datetimeFigureOut">
               <a:rPr lang="en-US" smtClean="0"/>
-              <a:t>10/4/18</a:t>
+              <a:t>10/5/18</a:t>
             </a:fld>
             <a:endParaRPr lang="en-US" dirty="0"/>
           </a:p>
@@ -1211,7 +1212,7 @@
           <a:p>
             <a:fld id="{450E0E0F-8177-3A46-925D-76643B592937}" type="slidenum">
               <a:rPr lang="en-US" smtClean="0"/>
-              <a:t>‹#›</a:t>
+              <a:t>‹nr.›</a:t>
             </a:fld>
             <a:endParaRPr lang="en-US" dirty="0"/>
           </a:p>
@@ -1422,7 +1423,7 @@
           <a:p>
             <a:fld id="{EE5AE19D-5FC0-AE43-B301-8386B09B318A}" type="datetimeFigureOut">
               <a:rPr lang="en-US" smtClean="0"/>
-              <a:t>10/4/18</a:t>
+              <a:t>10/5/18</a:t>
             </a:fld>
             <a:endParaRPr lang="en-US" dirty="0"/>
           </a:p>
@@ -1476,7 +1477,7 @@
           <a:p>
             <a:fld id="{450E0E0F-8177-3A46-925D-76643B592937}" type="slidenum">
               <a:rPr lang="en-US" smtClean="0"/>
-              <a:t>‹#›</a:t>
+              <a:t>‹nr.›</a:t>
             </a:fld>
             <a:endParaRPr lang="en-US" dirty="0"/>
           </a:p>
@@ -1834,7 +1835,7 @@
           <a:p>
             <a:fld id="{EE5AE19D-5FC0-AE43-B301-8386B09B318A}" type="datetimeFigureOut">
               <a:rPr lang="en-US" smtClean="0"/>
-              <a:t>10/4/18</a:t>
+              <a:t>10/5/18</a:t>
             </a:fld>
             <a:endParaRPr lang="en-US" dirty="0"/>
           </a:p>
@@ -1888,7 +1889,7 @@
           <a:p>
             <a:fld id="{450E0E0F-8177-3A46-925D-76643B592937}" type="slidenum">
               <a:rPr lang="en-US" smtClean="0"/>
-              <a:t>‹#›</a:t>
+              <a:t>‹nr.›</a:t>
             </a:fld>
             <a:endParaRPr lang="en-US" dirty="0"/>
           </a:p>
@@ -1975,7 +1976,7 @@
           <a:p>
             <a:fld id="{EE5AE19D-5FC0-AE43-B301-8386B09B318A}" type="datetimeFigureOut">
               <a:rPr lang="en-US" smtClean="0"/>
-              <a:t>10/4/18</a:t>
+              <a:t>10/5/18</a:t>
             </a:fld>
             <a:endParaRPr lang="en-US" dirty="0"/>
           </a:p>
@@ -2029,7 +2030,7 @@
           <a:p>
             <a:fld id="{450E0E0F-8177-3A46-925D-76643B592937}" type="slidenum">
               <a:rPr lang="en-US" smtClean="0"/>
-              <a:t>‹#›</a:t>
+              <a:t>‹nr.›</a:t>
             </a:fld>
             <a:endParaRPr lang="en-US" dirty="0"/>
           </a:p>
@@ -2088,7 +2089,7 @@
           <a:p>
             <a:fld id="{EE5AE19D-5FC0-AE43-B301-8386B09B318A}" type="datetimeFigureOut">
               <a:rPr lang="en-US" smtClean="0"/>
-              <a:t>10/4/18</a:t>
+              <a:t>10/5/18</a:t>
             </a:fld>
             <a:endParaRPr lang="en-US" dirty="0"/>
           </a:p>
@@ -2142,7 +2143,7 @@
           <a:p>
             <a:fld id="{450E0E0F-8177-3A46-925D-76643B592937}" type="slidenum">
               <a:rPr lang="en-US" smtClean="0"/>
-              <a:t>‹#›</a:t>
+              <a:t>‹nr.›</a:t>
             </a:fld>
             <a:endParaRPr lang="en-US" dirty="0"/>
           </a:p>
@@ -2399,7 +2400,7 @@
           <a:p>
             <a:fld id="{EE5AE19D-5FC0-AE43-B301-8386B09B318A}" type="datetimeFigureOut">
               <a:rPr lang="en-US" smtClean="0"/>
-              <a:t>10/4/18</a:t>
+              <a:t>10/5/18</a:t>
             </a:fld>
             <a:endParaRPr lang="en-US" dirty="0"/>
           </a:p>
@@ -2453,7 +2454,7 @@
           <a:p>
             <a:fld id="{450E0E0F-8177-3A46-925D-76643B592937}" type="slidenum">
               <a:rPr lang="en-US" smtClean="0"/>
-              <a:t>‹#›</a:t>
+              <a:t>‹nr.›</a:t>
             </a:fld>
             <a:endParaRPr lang="en-US" dirty="0"/>
           </a:p>
@@ -2687,7 +2688,7 @@
           <a:p>
             <a:fld id="{EE5AE19D-5FC0-AE43-B301-8386B09B318A}" type="datetimeFigureOut">
               <a:rPr lang="en-US" smtClean="0"/>
-              <a:t>10/4/18</a:t>
+              <a:t>10/5/18</a:t>
             </a:fld>
             <a:endParaRPr lang="en-US" dirty="0"/>
           </a:p>
@@ -2741,7 +2742,7 @@
           <a:p>
             <a:fld id="{450E0E0F-8177-3A46-925D-76643B592937}" type="slidenum">
               <a:rPr lang="en-US" smtClean="0"/>
-              <a:t>‹#›</a:t>
+              <a:t>‹nr.›</a:t>
             </a:fld>
             <a:endParaRPr lang="en-US" dirty="0"/>
           </a:p>
@@ -2928,7 +2929,7 @@
           <a:p>
             <a:fld id="{EE5AE19D-5FC0-AE43-B301-8386B09B318A}" type="datetimeFigureOut">
               <a:rPr lang="en-US" smtClean="0"/>
-              <a:t>10/4/18</a:t>
+              <a:t>10/5/18</a:t>
             </a:fld>
             <a:endParaRPr lang="en-US" dirty="0"/>
           </a:p>
@@ -3018,7 +3019,7 @@
           <a:p>
             <a:fld id="{450E0E0F-8177-3A46-925D-76643B592937}" type="slidenum">
               <a:rPr lang="en-US" smtClean="0"/>
-              <a:t>‹#›</a:t>
+              <a:t>‹nr.›</a:t>
             </a:fld>
             <a:endParaRPr lang="en-US" dirty="0"/>
           </a:p>
@@ -4040,7 +4041,9 @@
         </p:nvSpPr>
         <p:spPr/>
         <p:txBody>
-          <a:bodyPr/>
+          <a:bodyPr>
+            <a:normAutofit/>
+          </a:bodyPr>
           <a:lstStyle/>
           <a:p>
             <a:endParaRPr lang="en-US" dirty="0"/>
@@ -4057,8 +4060,112 @@
             </a:pPr>
             <a:r>
               <a:rPr lang="en-US" dirty="0"/>
-              <a:t>Otherwise install ADB now for your platform:</a:t>
-            </a:r>
+              <a:t>Note: you can find </a:t>
+            </a:r>
+            <a:r>
+              <a:rPr lang="en-US" dirty="0" err="1"/>
+              <a:t>adb</a:t>
+            </a:r>
+            <a:r>
+              <a:rPr lang="en-US" dirty="0"/>
+              <a:t> in your $ANDROID_HOME/tools (e.g. on Mac OS X that can be </a:t>
+            </a:r>
+            <a:r>
+              <a:rPr lang="nl-NL" dirty="0"/>
+              <a:t>/Users/&lt;username&gt;/Library/Android/</a:t>
+            </a:r>
+            <a:r>
+              <a:rPr lang="nl-NL" dirty="0" err="1"/>
+              <a:t>sdk</a:t>
+            </a:r>
+            <a:r>
+              <a:rPr lang="nl-NL" dirty="0"/>
+              <a:t>/tools). </a:t>
+            </a:r>
+            <a:r>
+              <a:rPr lang="nl-NL" dirty="0" err="1"/>
+              <a:t>Add</a:t>
+            </a:r>
+            <a:r>
+              <a:rPr lang="nl-NL" dirty="0"/>
+              <a:t> </a:t>
+            </a:r>
+            <a:r>
+              <a:rPr lang="nl-NL" dirty="0" err="1"/>
+              <a:t>it</a:t>
+            </a:r>
+            <a:r>
+              <a:rPr lang="nl-NL" dirty="0"/>
+              <a:t> </a:t>
+            </a:r>
+            <a:r>
+              <a:rPr lang="nl-NL" dirty="0" err="1"/>
+              <a:t>to</a:t>
+            </a:r>
+            <a:r>
+              <a:rPr lang="nl-NL" dirty="0"/>
+              <a:t> </a:t>
+            </a:r>
+            <a:r>
+              <a:rPr lang="nl-NL" dirty="0" err="1"/>
+              <a:t>your</a:t>
+            </a:r>
+            <a:r>
+              <a:rPr lang="nl-NL" dirty="0"/>
+              <a:t> PATH </a:t>
+            </a:r>
+            <a:r>
+              <a:rPr lang="nl-NL" dirty="0" err="1"/>
+              <a:t>to</a:t>
+            </a:r>
+            <a:r>
+              <a:rPr lang="nl-NL" dirty="0"/>
+              <a:t> make </a:t>
+            </a:r>
+            <a:r>
+              <a:rPr lang="nl-NL" dirty="0" err="1"/>
+              <a:t>it</a:t>
+            </a:r>
+            <a:r>
+              <a:rPr lang="nl-NL" dirty="0"/>
+              <a:t> </a:t>
+            </a:r>
+            <a:r>
+              <a:rPr lang="nl-NL" dirty="0" err="1"/>
+              <a:t>reachable</a:t>
+            </a:r>
+            <a:r>
+              <a:rPr lang="nl-NL" dirty="0"/>
+              <a:t> </a:t>
+            </a:r>
+            <a:r>
+              <a:rPr lang="nl-NL" dirty="0" err="1"/>
+              <a:t>everywhere</a:t>
+            </a:r>
+            <a:r>
+              <a:rPr lang="nl-NL" dirty="0"/>
+              <a:t>.</a:t>
+            </a:r>
+          </a:p>
+          <a:p>
+            <a:pPr marL="0" indent="0">
+              <a:buNone/>
+            </a:pPr>
+            <a:endParaRPr lang="en-US" dirty="0"/>
+          </a:p>
+          <a:p>
+            <a:pPr marL="0" indent="0">
+              <a:buNone/>
+            </a:pPr>
+            <a:r>
+              <a:rPr lang="en-US" dirty="0"/>
+              <a:t>Still in trouble? Follow </a:t>
+            </a:r>
+            <a:r>
+              <a:rPr lang="en-US"/>
+              <a:t>the instructions here:</a:t>
+            </a:r>
+            <a:endParaRPr lang="en-US" dirty="0"/>
           </a:p>
           <a:p>
             <a:pPr marL="0" indent="0">
@@ -4631,10 +4738,10 @@
       </p:grpSpPr>
       <p:sp>
         <p:nvSpPr>
-          <p:cNvPr id="2" name="Title 1">
-            <a:extLst>
-              <a:ext uri="{FF2B5EF4-FFF2-40B4-BE49-F238E27FC236}">
-                <a16:creationId xmlns:a16="http://schemas.microsoft.com/office/drawing/2014/main" id="{93966762-C3A5-3C4D-A279-EF6ECE00A35F}"/>
+          <p:cNvPr id="2" name="Titel 1">
+            <a:extLst>
+              <a:ext uri="{FF2B5EF4-FFF2-40B4-BE49-F238E27FC236}">
+                <a16:creationId xmlns:a16="http://schemas.microsoft.com/office/drawing/2014/main" id="{0E1A5BE2-2C25-DF4B-A390-A96416A96624}"/>
               </a:ext>
             </a:extLst>
           </p:cNvPr>
@@ -4645,31 +4752,32 @@
             <p:ph type="title"/>
           </p:nvPr>
         </p:nvSpPr>
-        <p:spPr>
-          <a:xfrm>
-            <a:off x="838200" y="85427"/>
-            <a:ext cx="10866120" cy="1325563"/>
-          </a:xfrm>
-        </p:spPr>
-        <p:txBody>
-          <a:bodyPr>
-            <a:normAutofit/>
-          </a:bodyPr>
-          <a:lstStyle/>
-          <a:p>
-            <a:r>
-              <a:rPr lang="en-US" sz="3600" dirty="0"/>
-              <a:t>OPTIONAL PART</a:t>
-            </a:r>
-          </a:p>
-        </p:txBody>
-      </p:sp>
-      <p:sp>
-        <p:nvSpPr>
-          <p:cNvPr id="3" name="Content Placeholder 2">
-            <a:extLst>
-              <a:ext uri="{FF2B5EF4-FFF2-40B4-BE49-F238E27FC236}">
-                <a16:creationId xmlns:a16="http://schemas.microsoft.com/office/drawing/2014/main" id="{5D98E177-C354-D542-A14E-E86EEC9F17A0}"/>
+        <p:spPr/>
+        <p:txBody>
+          <a:bodyPr/>
+          <a:lstStyle/>
+          <a:p>
+            <a:r>
+              <a:rPr lang="en-US" dirty="0"/>
+              <a:t>Install </a:t>
+            </a:r>
+            <a:r>
+              <a:rPr lang="en-US" dirty="0" err="1"/>
+              <a:t>apktool</a:t>
+            </a:r>
+            <a:r>
+              <a:rPr lang="en-US" dirty="0"/>
+              <a:t> &amp; dex2jar</a:t>
+            </a:r>
+          </a:p>
+        </p:txBody>
+      </p:sp>
+      <p:sp>
+        <p:nvSpPr>
+          <p:cNvPr id="3" name="Tijdelijke aanduiding voor inhoud 2">
+            <a:extLst>
+              <a:ext uri="{FF2B5EF4-FFF2-40B4-BE49-F238E27FC236}">
+                <a16:creationId xmlns:a16="http://schemas.microsoft.com/office/drawing/2014/main" id="{7C0E6BAD-EEEE-5D48-91D0-4F92C151008F}"/>
               </a:ext>
             </a:extLst>
           </p:cNvPr>
@@ -4685,20 +4793,84 @@
           <a:bodyPr/>
           <a:lstStyle/>
           <a:p>
-            <a:pPr marL="0" indent="0">
-              <a:buNone/>
-            </a:pPr>
+            <a:r>
+              <a:rPr lang="en-US" dirty="0" err="1"/>
+              <a:t>Apktool</a:t>
+            </a:r>
             <a:r>
               <a:rPr lang="en-US" dirty="0"/>
-              <a:t>This is not needed for the workshop but should be done if you want to explore HTTPS traffic with Burp!</a:t>
-            </a:r>
+              <a:t>: </a:t>
+            </a:r>
+            <a:r>
+              <a:rPr lang="en-US" dirty="0">
+                <a:hlinkClick r:id="rId2"/>
+              </a:rPr>
+              <a:t>https://ibotpeaches.github.io/Apktool/install/</a:t>
+            </a:r>
+            <a:endParaRPr lang="en-US" dirty="0"/>
+          </a:p>
+          <a:p>
+            <a:r>
+              <a:rPr lang="en-US" dirty="0"/>
+              <a:t>Dex2jar: </a:t>
+            </a:r>
+            <a:r>
+              <a:rPr lang="en-US" dirty="0">
+                <a:hlinkClick r:id="rId3"/>
+              </a:rPr>
+              <a:t>https://github.com/pxb1988/dex2jar</a:t>
+            </a:r>
+            <a:endParaRPr lang="en-US" dirty="0"/>
+          </a:p>
+          <a:p>
+            <a:r>
+              <a:rPr lang="en-US" dirty="0" err="1"/>
+              <a:t>Jadx</a:t>
+            </a:r>
+            <a:r>
+              <a:rPr lang="en-US" dirty="0"/>
+              <a:t>: </a:t>
+            </a:r>
+            <a:r>
+              <a:rPr lang="en-US" dirty="0">
+                <a:hlinkClick r:id="rId4"/>
+              </a:rPr>
+              <a:t>https://github.com/skylot/jadx</a:t>
+            </a:r>
+            <a:r>
+              <a:rPr lang="en-US" dirty="0"/>
+              <a:t> </a:t>
+            </a:r>
+          </a:p>
+          <a:p>
+            <a:r>
+              <a:rPr lang="en-US" dirty="0" err="1"/>
+              <a:t>apkx</a:t>
+            </a:r>
+            <a:r>
+              <a:rPr lang="en-US" dirty="0"/>
+              <a:t>: </a:t>
+            </a:r>
+            <a:r>
+              <a:rPr lang="en-US" dirty="0">
+                <a:hlinkClick r:id="rId5"/>
+              </a:rPr>
+              <a:t>https://github.com/b-mueller/apkx</a:t>
+            </a:r>
+            <a:endParaRPr lang="en-US"/>
+          </a:p>
+          <a:p>
+            <a:pPr marL="0" indent="0">
+              <a:buNone/>
+            </a:pPr>
+            <a:endParaRPr lang="en-US" dirty="0"/>
           </a:p>
         </p:txBody>
       </p:sp>
     </p:spTree>
     <p:extLst>
       <p:ext uri="{BB962C8B-B14F-4D97-AF65-F5344CB8AC3E}">
-        <p14:creationId xmlns:p14="http://schemas.microsoft.com/office/powerpoint/2010/main" val="1820042251"/>
+        <p14:creationId xmlns:p14="http://schemas.microsoft.com/office/powerpoint/2010/main" val="3995245116"/>
       </p:ext>
     </p:extLst>
   </p:cSld>
@@ -4754,8 +4926,8 @@
           <a:lstStyle/>
           <a:p>
             <a:r>
-              <a:rPr lang="en-US" sz="3600"/>
-              <a:t>Prepare the CA Certificate of Burp </a:t>
+              <a:rPr lang="en-US" sz="3600" dirty="0"/>
+              <a:t>OPTIONAL PART</a:t>
             </a:r>
           </a:p>
         </p:txBody>
@@ -4776,222 +4948,25 @@
             <p:ph idx="1"/>
           </p:nvPr>
         </p:nvSpPr>
-        <p:spPr>
-          <a:xfrm>
-            <a:off x="838200" y="1410990"/>
-            <a:ext cx="10515600" cy="4351338"/>
-          </a:xfrm>
-        </p:spPr>
-        <p:txBody>
-          <a:bodyPr>
-            <a:noAutofit/>
-          </a:bodyPr>
-          <a:lstStyle/>
-          <a:p>
-            <a:pPr marL="0" indent="0">
-              <a:buNone/>
-            </a:pPr>
-            <a:r>
-              <a:rPr lang="en-US" sz="2000"/>
-              <a:t>Open ”Proxy/Options” and click on Import/Export CA Certificate” and export it in der format. </a:t>
-            </a:r>
-          </a:p>
-          <a:p>
-            <a:pPr marL="0" indent="0">
-              <a:buNone/>
-            </a:pPr>
-            <a:r>
-              <a:rPr lang="en-US" sz="2000"/>
-              <a:t>Save the file as “</a:t>
-            </a:r>
-            <a:r>
-              <a:rPr lang="en-US" sz="2000" err="1"/>
-              <a:t>burp.cer</a:t>
-            </a:r>
-            <a:r>
-              <a:rPr lang="en-US" sz="2000"/>
-              <a:t>” </a:t>
-            </a:r>
-            <a:r>
-              <a:rPr lang="en-US" sz="2000" b="1"/>
-              <a:t>(NOT DER!)</a:t>
-            </a:r>
-            <a:r>
-              <a:rPr lang="en-US" sz="2000"/>
-              <a:t> </a:t>
-            </a:r>
-          </a:p>
-          <a:p>
-            <a:pPr marL="0" indent="0">
-              <a:buNone/>
-            </a:pPr>
-            <a:endParaRPr lang="en-US" sz="2000"/>
-          </a:p>
-          <a:p>
-            <a:pPr marL="0" indent="0">
-              <a:buNone/>
-            </a:pPr>
-            <a:endParaRPr lang="en-US" sz="2000"/>
-          </a:p>
-          <a:p>
-            <a:pPr marL="0" indent="0">
-              <a:buNone/>
-            </a:pPr>
-            <a:endParaRPr lang="en-US" sz="2000"/>
-          </a:p>
-          <a:p>
-            <a:pPr marL="0" indent="0">
-              <a:buNone/>
-            </a:pPr>
-            <a:endParaRPr lang="en-US" sz="2000"/>
-          </a:p>
-          <a:p>
-            <a:pPr marL="0" indent="0">
-              <a:buNone/>
-            </a:pPr>
-            <a:endParaRPr lang="en-US" sz="2000"/>
-          </a:p>
-          <a:p>
-            <a:pPr marL="0" indent="0">
-              <a:buNone/>
-            </a:pPr>
-            <a:endParaRPr lang="en-US" sz="2000"/>
-          </a:p>
-          <a:p>
-            <a:pPr marL="0" indent="0">
-              <a:buNone/>
-            </a:pPr>
-            <a:endParaRPr lang="en-US" sz="2000"/>
-          </a:p>
-          <a:p>
-            <a:pPr marL="0" indent="0">
-              <a:buNone/>
-            </a:pPr>
-            <a:endParaRPr lang="en-US" sz="2000"/>
-          </a:p>
-          <a:p>
-            <a:pPr marL="0" indent="0">
-              <a:buNone/>
-            </a:pPr>
-            <a:endParaRPr lang="en-US" sz="2000"/>
-          </a:p>
-          <a:p>
-            <a:pPr marL="0" indent="0">
-              <a:buNone/>
-            </a:pPr>
-            <a:r>
-              <a:rPr lang="en-US" sz="2000"/>
-              <a:t>Next push this certificate to the Emulator</a:t>
-            </a:r>
-          </a:p>
-          <a:p>
-            <a:pPr marL="0" indent="0">
-              <a:buNone/>
-            </a:pPr>
-            <a:endParaRPr lang="en-US" sz="2000"/>
-          </a:p>
-          <a:p>
-            <a:pPr marL="0" indent="0">
-              <a:buNone/>
-            </a:pPr>
-            <a:endParaRPr lang="en-US" sz="2000"/>
-          </a:p>
-        </p:txBody>
-      </p:sp>
-      <p:pic>
-        <p:nvPicPr>
-          <p:cNvPr id="5" name="Picture 4">
-            <a:extLst>
-              <a:ext uri="{FF2B5EF4-FFF2-40B4-BE49-F238E27FC236}">
-                <a16:creationId xmlns:a16="http://schemas.microsoft.com/office/drawing/2014/main" id="{C9EF747D-142A-1F45-BF48-1C9F7404DA82}"/>
-              </a:ext>
-            </a:extLst>
-          </p:cNvPr>
-          <p:cNvPicPr>
-            <a:picLocks noChangeAspect="1"/>
-          </p:cNvPicPr>
-          <p:nvPr/>
-        </p:nvPicPr>
-        <p:blipFill>
-          <a:blip r:embed="rId2"/>
-          <a:stretch>
-            <a:fillRect/>
-          </a:stretch>
-        </p:blipFill>
-        <p:spPr>
-          <a:xfrm>
-            <a:off x="838200" y="2553630"/>
-            <a:ext cx="6785919" cy="2900264"/>
-          </a:xfrm>
-          <a:prstGeom prst="rect">
-            <a:avLst/>
-          </a:prstGeom>
-        </p:spPr>
-      </p:pic>
-      <p:pic>
-        <p:nvPicPr>
-          <p:cNvPr id="6" name="Picture 5">
-            <a:extLst>
-              <a:ext uri="{FF2B5EF4-FFF2-40B4-BE49-F238E27FC236}">
-                <a16:creationId xmlns:a16="http://schemas.microsoft.com/office/drawing/2014/main" id="{A11DFFAD-F730-BA41-AD44-F19335C7BFFB}"/>
-              </a:ext>
-            </a:extLst>
-          </p:cNvPr>
-          <p:cNvPicPr>
-            <a:picLocks noChangeAspect="1"/>
-          </p:cNvPicPr>
-          <p:nvPr/>
-        </p:nvPicPr>
-        <p:blipFill>
-          <a:blip r:embed="rId3"/>
-          <a:stretch>
-            <a:fillRect/>
-          </a:stretch>
-        </p:blipFill>
-        <p:spPr>
-          <a:xfrm>
-            <a:off x="838200" y="6233196"/>
-            <a:ext cx="6235700" cy="596900"/>
-          </a:xfrm>
-          <a:prstGeom prst="rect">
-            <a:avLst/>
-          </a:prstGeom>
-        </p:spPr>
-      </p:pic>
-      <p:pic>
-        <p:nvPicPr>
-          <p:cNvPr id="7" name="Picture 6">
-            <a:extLst>
-              <a:ext uri="{FF2B5EF4-FFF2-40B4-BE49-F238E27FC236}">
-                <a16:creationId xmlns:a16="http://schemas.microsoft.com/office/drawing/2014/main" id="{BA95E2CF-EC72-B54A-B1E4-D632CD8D36E6}"/>
-              </a:ext>
-            </a:extLst>
-          </p:cNvPr>
-          <p:cNvPicPr>
-            <a:picLocks noChangeAspect="1"/>
-          </p:cNvPicPr>
-          <p:nvPr/>
-        </p:nvPicPr>
-        <p:blipFill>
-          <a:blip r:embed="rId4"/>
-          <a:stretch>
-            <a:fillRect/>
-          </a:stretch>
-        </p:blipFill>
-        <p:spPr>
-          <a:xfrm>
-            <a:off x="7757151" y="2279900"/>
-            <a:ext cx="5011486" cy="3447724"/>
-          </a:xfrm>
-          <a:prstGeom prst="rect">
-            <a:avLst/>
-          </a:prstGeom>
-        </p:spPr>
-      </p:pic>
+        <p:spPr/>
+        <p:txBody>
+          <a:bodyPr/>
+          <a:lstStyle/>
+          <a:p>
+            <a:pPr marL="0" indent="0">
+              <a:buNone/>
+            </a:pPr>
+            <a:r>
+              <a:rPr lang="en-US" dirty="0"/>
+              <a:t>This is not needed for the workshop but should be done if you want to explore HTTPS traffic with Burp!</a:t>
+            </a:r>
+          </a:p>
+        </p:txBody>
+      </p:sp>
     </p:spTree>
     <p:extLst>
       <p:ext uri="{BB962C8B-B14F-4D97-AF65-F5344CB8AC3E}">
-        <p14:creationId xmlns:p14="http://schemas.microsoft.com/office/powerpoint/2010/main" val="3098322161"/>
+        <p14:creationId xmlns:p14="http://schemas.microsoft.com/office/powerpoint/2010/main" val="1820042251"/>
       </p:ext>
     </p:extLst>
   </p:cSld>
@@ -5085,92 +5060,118 @@
               <a:buNone/>
             </a:pPr>
             <a:r>
-              <a:rPr lang="en-US" sz="2000" dirty="0"/>
-              <a:t>Next we need to import the CA into our </a:t>
-            </a:r>
-            <a:r>
-              <a:rPr lang="en-US" sz="2000" dirty="0" err="1"/>
-              <a:t>trustore</a:t>
-            </a:r>
-            <a:r>
-              <a:rPr lang="en-US" sz="2000" dirty="0"/>
-              <a:t> on the emulator:</a:t>
-            </a:r>
-          </a:p>
-          <a:p>
-            <a:pPr marL="0" indent="0">
-              <a:buNone/>
-            </a:pPr>
-            <a:endParaRPr lang="en-US" sz="2000" dirty="0"/>
-          </a:p>
-          <a:p>
-            <a:pPr marL="0" indent="0">
-              <a:buNone/>
-            </a:pPr>
-            <a:endParaRPr lang="en-US" sz="2000" dirty="0"/>
-          </a:p>
-          <a:p>
-            <a:pPr marL="0" indent="0">
-              <a:buNone/>
-            </a:pPr>
-            <a:endParaRPr lang="en-US" sz="2000" dirty="0"/>
-          </a:p>
-          <a:p>
-            <a:pPr marL="0" indent="0">
-              <a:buNone/>
-            </a:pPr>
-            <a:endParaRPr lang="en-US" sz="2000" dirty="0"/>
-          </a:p>
-          <a:p>
-            <a:pPr marL="0" indent="0">
-              <a:buNone/>
-            </a:pPr>
-            <a:endParaRPr lang="en-US" sz="2000" dirty="0"/>
-          </a:p>
-          <a:p>
-            <a:pPr marL="0" indent="0">
-              <a:buNone/>
-            </a:pPr>
-            <a:endParaRPr lang="en-US" sz="2000" dirty="0"/>
-          </a:p>
-          <a:p>
-            <a:pPr marL="0" indent="0">
-              <a:buNone/>
-            </a:pPr>
-            <a:endParaRPr lang="en-US" sz="2000" dirty="0"/>
-          </a:p>
-          <a:p>
-            <a:pPr marL="0" indent="0">
-              <a:buNone/>
-            </a:pPr>
-            <a:endParaRPr lang="en-US" sz="2000" dirty="0"/>
-          </a:p>
-          <a:p>
-            <a:pPr marL="0" indent="0">
-              <a:buNone/>
-            </a:pPr>
-            <a:endParaRPr lang="en-US" sz="2000" dirty="0"/>
-          </a:p>
-          <a:p>
-            <a:pPr marL="0" indent="0">
-              <a:buNone/>
-            </a:pPr>
-            <a:endParaRPr lang="en-US" sz="2000" dirty="0"/>
-          </a:p>
-          <a:p>
-            <a:pPr marL="0" indent="0">
-              <a:buNone/>
-            </a:pPr>
-            <a:endParaRPr lang="en-US" sz="2000" dirty="0"/>
+              <a:rPr lang="en-US" sz="2000"/>
+              <a:t>Open ”Proxy/Options” and click on Import/Export CA Certificate” and export it in der format. </a:t>
+            </a:r>
+          </a:p>
+          <a:p>
+            <a:pPr marL="0" indent="0">
+              <a:buNone/>
+            </a:pPr>
+            <a:r>
+              <a:rPr lang="en-US" sz="2000"/>
+              <a:t>Save the file as “</a:t>
+            </a:r>
+            <a:r>
+              <a:rPr lang="en-US" sz="2000" err="1"/>
+              <a:t>burp.cer</a:t>
+            </a:r>
+            <a:r>
+              <a:rPr lang="en-US" sz="2000"/>
+              <a:t>” </a:t>
+            </a:r>
+            <a:r>
+              <a:rPr lang="en-US" sz="2000" b="1"/>
+              <a:t>(NOT DER!)</a:t>
+            </a:r>
+            <a:r>
+              <a:rPr lang="en-US" sz="2000"/>
+              <a:t> </a:t>
+            </a:r>
+          </a:p>
+          <a:p>
+            <a:pPr marL="0" indent="0">
+              <a:buNone/>
+            </a:pPr>
+            <a:endParaRPr lang="en-US" sz="2000"/>
+          </a:p>
+          <a:p>
+            <a:pPr marL="0" indent="0">
+              <a:buNone/>
+            </a:pPr>
+            <a:endParaRPr lang="en-US" sz="2000"/>
+          </a:p>
+          <a:p>
+            <a:pPr marL="0" indent="0">
+              <a:buNone/>
+            </a:pPr>
+            <a:endParaRPr lang="en-US" sz="2000"/>
+          </a:p>
+          <a:p>
+            <a:pPr marL="0" indent="0">
+              <a:buNone/>
+            </a:pPr>
+            <a:endParaRPr lang="en-US" sz="2000"/>
+          </a:p>
+          <a:p>
+            <a:pPr marL="0" indent="0">
+              <a:buNone/>
+            </a:pPr>
+            <a:endParaRPr lang="en-US" sz="2000"/>
+          </a:p>
+          <a:p>
+            <a:pPr marL="0" indent="0">
+              <a:buNone/>
+            </a:pPr>
+            <a:endParaRPr lang="en-US" sz="2000"/>
+          </a:p>
+          <a:p>
+            <a:pPr marL="0" indent="0">
+              <a:buNone/>
+            </a:pPr>
+            <a:endParaRPr lang="en-US" sz="2000"/>
+          </a:p>
+          <a:p>
+            <a:pPr marL="0" indent="0">
+              <a:buNone/>
+            </a:pPr>
+            <a:endParaRPr lang="en-US" sz="2000"/>
+          </a:p>
+          <a:p>
+            <a:pPr marL="0" indent="0">
+              <a:buNone/>
+            </a:pPr>
+            <a:endParaRPr lang="en-US" sz="2000"/>
+          </a:p>
+          <a:p>
+            <a:pPr marL="0" indent="0">
+              <a:buNone/>
+            </a:pPr>
+            <a:r>
+              <a:rPr lang="en-US" sz="2000"/>
+              <a:t>Next push this certificate to the Emulator</a:t>
+            </a:r>
+          </a:p>
+          <a:p>
+            <a:pPr marL="0" indent="0">
+              <a:buNone/>
+            </a:pPr>
+            <a:endParaRPr lang="en-US" sz="2000"/>
+          </a:p>
+          <a:p>
+            <a:pPr marL="0" indent="0">
+              <a:buNone/>
+            </a:pPr>
+            <a:endParaRPr lang="en-US" sz="2000"/>
           </a:p>
         </p:txBody>
       </p:sp>
       <p:pic>
         <p:nvPicPr>
-          <p:cNvPr id="8" name="Picture 7">
-            <a:extLst>
-              <a:ext uri="{FF2B5EF4-FFF2-40B4-BE49-F238E27FC236}">
-                <a16:creationId xmlns:a16="http://schemas.microsoft.com/office/drawing/2014/main" id="{F2CD5B10-A785-D748-AC0E-12B3A2F01D23}"/>
+          <p:cNvPr id="5" name="Picture 4">
+            <a:extLst>
+              <a:ext uri="{FF2B5EF4-FFF2-40B4-BE49-F238E27FC236}">
+                <a16:creationId xmlns:a16="http://schemas.microsoft.com/office/drawing/2014/main" id="{C9EF747D-142A-1F45-BF48-1C9F7404DA82}"/>
               </a:ext>
             </a:extLst>
           </p:cNvPr>
@@ -5187,8 +5188,8 @@
         </p:blipFill>
         <p:spPr>
           <a:xfrm>
-            <a:off x="0" y="2017216"/>
-            <a:ext cx="1900508" cy="3478896"/>
+            <a:off x="838200" y="2553630"/>
+            <a:ext cx="6785919" cy="2900264"/>
           </a:xfrm>
           <a:prstGeom prst="rect">
             <a:avLst/>
@@ -5197,10 +5198,10 @@
       </p:pic>
       <p:pic>
         <p:nvPicPr>
-          <p:cNvPr id="9" name="Picture 8">
-            <a:extLst>
-              <a:ext uri="{FF2B5EF4-FFF2-40B4-BE49-F238E27FC236}">
-                <a16:creationId xmlns:a16="http://schemas.microsoft.com/office/drawing/2014/main" id="{FDAB4F20-FBFA-8541-980D-BD167C9EFAAA}"/>
+          <p:cNvPr id="6" name="Picture 5">
+            <a:extLst>
+              <a:ext uri="{FF2B5EF4-FFF2-40B4-BE49-F238E27FC236}">
+                <a16:creationId xmlns:a16="http://schemas.microsoft.com/office/drawing/2014/main" id="{A11DFFAD-F730-BA41-AD44-F19335C7BFFB}"/>
               </a:ext>
             </a:extLst>
           </p:cNvPr>
@@ -5217,8 +5218,8 @@
         </p:blipFill>
         <p:spPr>
           <a:xfrm>
-            <a:off x="2510416" y="2017216"/>
-            <a:ext cx="2025994" cy="3513087"/>
+            <a:off x="838200" y="6233196"/>
+            <a:ext cx="6235700" cy="596900"/>
           </a:xfrm>
           <a:prstGeom prst="rect">
             <a:avLst/>
@@ -5227,10 +5228,10 @@
       </p:pic>
       <p:pic>
         <p:nvPicPr>
-          <p:cNvPr id="10" name="Picture 9">
-            <a:extLst>
-              <a:ext uri="{FF2B5EF4-FFF2-40B4-BE49-F238E27FC236}">
-                <a16:creationId xmlns:a16="http://schemas.microsoft.com/office/drawing/2014/main" id="{1AF584E4-EC04-1A4A-96D0-2E3767F84E74}"/>
+          <p:cNvPr id="7" name="Picture 6">
+            <a:extLst>
+              <a:ext uri="{FF2B5EF4-FFF2-40B4-BE49-F238E27FC236}">
+                <a16:creationId xmlns:a16="http://schemas.microsoft.com/office/drawing/2014/main" id="{BA95E2CF-EC72-B54A-B1E4-D632CD8D36E6}"/>
               </a:ext>
             </a:extLst>
           </p:cNvPr>
@@ -5247,307 +5248,18 @@
         </p:blipFill>
         <p:spPr>
           <a:xfrm>
-            <a:off x="5146318" y="2017216"/>
-            <a:ext cx="1885701" cy="3513087"/>
+            <a:off x="7757151" y="2279900"/>
+            <a:ext cx="5011486" cy="3447724"/>
           </a:xfrm>
           <a:prstGeom prst="rect">
             <a:avLst/>
           </a:prstGeom>
         </p:spPr>
       </p:pic>
-      <p:pic>
-        <p:nvPicPr>
-          <p:cNvPr id="12" name="Picture 11">
-            <a:extLst>
-              <a:ext uri="{FF2B5EF4-FFF2-40B4-BE49-F238E27FC236}">
-                <a16:creationId xmlns:a16="http://schemas.microsoft.com/office/drawing/2014/main" id="{7E5B4A7E-B7D1-1142-8497-535E31785EBD}"/>
-              </a:ext>
-            </a:extLst>
-          </p:cNvPr>
-          <p:cNvPicPr>
-            <a:picLocks noChangeAspect="1"/>
-          </p:cNvPicPr>
-          <p:nvPr/>
-        </p:nvPicPr>
-        <p:blipFill>
-          <a:blip r:embed="rId5"/>
-          <a:stretch>
-            <a:fillRect/>
-          </a:stretch>
-        </p:blipFill>
-        <p:spPr>
-          <a:xfrm>
-            <a:off x="8341585" y="1959519"/>
-            <a:ext cx="2448526" cy="1078611"/>
-          </a:xfrm>
-          <a:prstGeom prst="rect">
-            <a:avLst/>
-          </a:prstGeom>
-        </p:spPr>
-      </p:pic>
-      <p:pic>
-        <p:nvPicPr>
-          <p:cNvPr id="13" name="Picture 12">
-            <a:extLst>
-              <a:ext uri="{FF2B5EF4-FFF2-40B4-BE49-F238E27FC236}">
-                <a16:creationId xmlns:a16="http://schemas.microsoft.com/office/drawing/2014/main" id="{E8925076-7D9D-8C4F-9F22-9CFE12E64B8B}"/>
-              </a:ext>
-            </a:extLst>
-          </p:cNvPr>
-          <p:cNvPicPr>
-            <a:picLocks noChangeAspect="1"/>
-          </p:cNvPicPr>
-          <p:nvPr/>
-        </p:nvPicPr>
-        <p:blipFill>
-          <a:blip r:embed="rId6"/>
-          <a:stretch>
-            <a:fillRect/>
-          </a:stretch>
-        </p:blipFill>
-        <p:spPr>
-          <a:xfrm>
-            <a:off x="8398220" y="3394014"/>
-            <a:ext cx="2335255" cy="1491752"/>
-          </a:xfrm>
-          <a:prstGeom prst="rect">
-            <a:avLst/>
-          </a:prstGeom>
-        </p:spPr>
-      </p:pic>
-      <p:pic>
-        <p:nvPicPr>
-          <p:cNvPr id="14" name="Picture 13">
-            <a:extLst>
-              <a:ext uri="{FF2B5EF4-FFF2-40B4-BE49-F238E27FC236}">
-                <a16:creationId xmlns:a16="http://schemas.microsoft.com/office/drawing/2014/main" id="{59433C13-9B3B-9549-8FD5-769D8C7A3437}"/>
-              </a:ext>
-            </a:extLst>
-          </p:cNvPr>
-          <p:cNvPicPr>
-            <a:picLocks noChangeAspect="1"/>
-          </p:cNvPicPr>
-          <p:nvPr/>
-        </p:nvPicPr>
-        <p:blipFill>
-          <a:blip r:embed="rId7"/>
-          <a:stretch>
-            <a:fillRect/>
-          </a:stretch>
-        </p:blipFill>
-        <p:spPr>
-          <a:xfrm>
-            <a:off x="8341585" y="5306993"/>
-            <a:ext cx="2391890" cy="1963868"/>
-          </a:xfrm>
-          <a:prstGeom prst="rect">
-            <a:avLst/>
-          </a:prstGeom>
-        </p:spPr>
-      </p:pic>
-      <p:cxnSp>
-        <p:nvCxnSpPr>
-          <p:cNvPr id="17" name="Straight Arrow Connector 16">
-            <a:extLst>
-              <a:ext uri="{FF2B5EF4-FFF2-40B4-BE49-F238E27FC236}">
-                <a16:creationId xmlns:a16="http://schemas.microsoft.com/office/drawing/2014/main" id="{0DB44B89-B783-3E42-AEAB-43A290395405}"/>
-              </a:ext>
-            </a:extLst>
-          </p:cNvPr>
-          <p:cNvCxnSpPr/>
-          <p:nvPr/>
-        </p:nvCxnSpPr>
-        <p:spPr>
-          <a:xfrm>
-            <a:off x="1900508" y="2581786"/>
-            <a:ext cx="609908" cy="0"/>
-          </a:xfrm>
-          <a:prstGeom prst="straightConnector1">
-            <a:avLst/>
-          </a:prstGeom>
-          <a:ln w="127000">
-            <a:tailEnd type="triangle"/>
-          </a:ln>
-        </p:spPr>
-        <p:style>
-          <a:lnRef idx="1">
-            <a:schemeClr val="accent1"/>
-          </a:lnRef>
-          <a:fillRef idx="0">
-            <a:schemeClr val="accent1"/>
-          </a:fillRef>
-          <a:effectRef idx="0">
-            <a:schemeClr val="accent1"/>
-          </a:effectRef>
-          <a:fontRef idx="minor">
-            <a:schemeClr val="tx1"/>
-          </a:fontRef>
-        </p:style>
-      </p:cxnSp>
-      <p:cxnSp>
-        <p:nvCxnSpPr>
-          <p:cNvPr id="18" name="Straight Arrow Connector 17">
-            <a:extLst>
-              <a:ext uri="{FF2B5EF4-FFF2-40B4-BE49-F238E27FC236}">
-                <a16:creationId xmlns:a16="http://schemas.microsoft.com/office/drawing/2014/main" id="{C7C899E8-A3C2-0F47-8AC8-0953B02F588B}"/>
-              </a:ext>
-            </a:extLst>
-          </p:cNvPr>
-          <p:cNvCxnSpPr/>
-          <p:nvPr/>
-        </p:nvCxnSpPr>
-        <p:spPr>
-          <a:xfrm>
-            <a:off x="7262357" y="2581786"/>
-            <a:ext cx="609908" cy="0"/>
-          </a:xfrm>
-          <a:prstGeom prst="straightConnector1">
-            <a:avLst/>
-          </a:prstGeom>
-          <a:ln w="127000">
-            <a:tailEnd type="triangle"/>
-          </a:ln>
-        </p:spPr>
-        <p:style>
-          <a:lnRef idx="1">
-            <a:schemeClr val="accent1"/>
-          </a:lnRef>
-          <a:fillRef idx="0">
-            <a:schemeClr val="accent1"/>
-          </a:fillRef>
-          <a:effectRef idx="0">
-            <a:schemeClr val="accent1"/>
-          </a:effectRef>
-          <a:fontRef idx="minor">
-            <a:schemeClr val="tx1"/>
-          </a:fontRef>
-        </p:style>
-      </p:cxnSp>
-      <p:cxnSp>
-        <p:nvCxnSpPr>
-          <p:cNvPr id="19" name="Straight Arrow Connector 18">
-            <a:extLst>
-              <a:ext uri="{FF2B5EF4-FFF2-40B4-BE49-F238E27FC236}">
-                <a16:creationId xmlns:a16="http://schemas.microsoft.com/office/drawing/2014/main" id="{9BC4CD48-AFDB-FD4D-9C37-576B751A0DE3}"/>
-              </a:ext>
-            </a:extLst>
-          </p:cNvPr>
-          <p:cNvCxnSpPr/>
-          <p:nvPr/>
-        </p:nvCxnSpPr>
-        <p:spPr>
-          <a:xfrm>
-            <a:off x="4536410" y="2663387"/>
-            <a:ext cx="609908" cy="0"/>
-          </a:xfrm>
-          <a:prstGeom prst="straightConnector1">
-            <a:avLst/>
-          </a:prstGeom>
-          <a:ln w="127000">
-            <a:tailEnd type="triangle"/>
-          </a:ln>
-        </p:spPr>
-        <p:style>
-          <a:lnRef idx="1">
-            <a:schemeClr val="accent1"/>
-          </a:lnRef>
-          <a:fillRef idx="0">
-            <a:schemeClr val="accent1"/>
-          </a:fillRef>
-          <a:effectRef idx="0">
-            <a:schemeClr val="accent1"/>
-          </a:effectRef>
-          <a:fontRef idx="minor">
-            <a:schemeClr val="tx1"/>
-          </a:fontRef>
-        </p:style>
-      </p:cxnSp>
-      <p:cxnSp>
-        <p:nvCxnSpPr>
-          <p:cNvPr id="20" name="Straight Arrow Connector 19">
-            <a:extLst>
-              <a:ext uri="{FF2B5EF4-FFF2-40B4-BE49-F238E27FC236}">
-                <a16:creationId xmlns:a16="http://schemas.microsoft.com/office/drawing/2014/main" id="{C3C49E03-9F48-EF4E-8E70-8F5D5EDB9AD5}"/>
-              </a:ext>
-            </a:extLst>
-          </p:cNvPr>
-          <p:cNvCxnSpPr>
-            <a:cxnSpLocks/>
-          </p:cNvCxnSpPr>
-          <p:nvPr/>
-        </p:nvCxnSpPr>
-        <p:spPr>
-          <a:xfrm>
-            <a:off x="9536855" y="2832910"/>
-            <a:ext cx="0" cy="630116"/>
-          </a:xfrm>
-          <a:prstGeom prst="straightConnector1">
-            <a:avLst/>
-          </a:prstGeom>
-          <a:ln w="127000">
-            <a:tailEnd type="triangle"/>
-          </a:ln>
-        </p:spPr>
-        <p:style>
-          <a:lnRef idx="1">
-            <a:schemeClr val="accent1"/>
-          </a:lnRef>
-          <a:fillRef idx="0">
-            <a:schemeClr val="accent1"/>
-          </a:fillRef>
-          <a:effectRef idx="0">
-            <a:schemeClr val="accent1"/>
-          </a:effectRef>
-          <a:fontRef idx="minor">
-            <a:schemeClr val="tx1"/>
-          </a:fontRef>
-        </p:style>
-      </p:cxnSp>
-      <p:cxnSp>
-        <p:nvCxnSpPr>
-          <p:cNvPr id="22" name="Straight Arrow Connector 21">
-            <a:extLst>
-              <a:ext uri="{FF2B5EF4-FFF2-40B4-BE49-F238E27FC236}">
-                <a16:creationId xmlns:a16="http://schemas.microsoft.com/office/drawing/2014/main" id="{F4695553-176A-B24B-AC73-885292C0F93C}"/>
-              </a:ext>
-            </a:extLst>
-          </p:cNvPr>
-          <p:cNvCxnSpPr>
-            <a:cxnSpLocks/>
-          </p:cNvCxnSpPr>
-          <p:nvPr/>
-        </p:nvCxnSpPr>
-        <p:spPr>
-          <a:xfrm>
-            <a:off x="9536855" y="4865996"/>
-            <a:ext cx="0" cy="630116"/>
-          </a:xfrm>
-          <a:prstGeom prst="straightConnector1">
-            <a:avLst/>
-          </a:prstGeom>
-          <a:ln w="127000">
-            <a:tailEnd type="triangle"/>
-          </a:ln>
-        </p:spPr>
-        <p:style>
-          <a:lnRef idx="1">
-            <a:schemeClr val="accent1"/>
-          </a:lnRef>
-          <a:fillRef idx="0">
-            <a:schemeClr val="accent1"/>
-          </a:fillRef>
-          <a:effectRef idx="0">
-            <a:schemeClr val="accent1"/>
-          </a:effectRef>
-          <a:fontRef idx="minor">
-            <a:schemeClr val="tx1"/>
-          </a:fontRef>
-        </p:style>
-      </p:cxnSp>
     </p:spTree>
     <p:extLst>
       <p:ext uri="{BB962C8B-B14F-4D97-AF65-F5344CB8AC3E}">
-        <p14:creationId xmlns:p14="http://schemas.microsoft.com/office/powerpoint/2010/main" val="341308375"/>
+        <p14:creationId xmlns:p14="http://schemas.microsoft.com/office/powerpoint/2010/main" val="3098322161"/>
       </p:ext>
     </p:extLst>
   </p:cSld>
@@ -5859,6 +5571,562 @@
       </p:sp>
       <p:pic>
         <p:nvPicPr>
+          <p:cNvPr id="8" name="Picture 7">
+            <a:extLst>
+              <a:ext uri="{FF2B5EF4-FFF2-40B4-BE49-F238E27FC236}">
+                <a16:creationId xmlns:a16="http://schemas.microsoft.com/office/drawing/2014/main" id="{F2CD5B10-A785-D748-AC0E-12B3A2F01D23}"/>
+              </a:ext>
+            </a:extLst>
+          </p:cNvPr>
+          <p:cNvPicPr>
+            <a:picLocks noChangeAspect="1"/>
+          </p:cNvPicPr>
+          <p:nvPr/>
+        </p:nvPicPr>
+        <p:blipFill>
+          <a:blip r:embed="rId2"/>
+          <a:stretch>
+            <a:fillRect/>
+          </a:stretch>
+        </p:blipFill>
+        <p:spPr>
+          <a:xfrm>
+            <a:off x="0" y="2017216"/>
+            <a:ext cx="1900508" cy="3478896"/>
+          </a:xfrm>
+          <a:prstGeom prst="rect">
+            <a:avLst/>
+          </a:prstGeom>
+        </p:spPr>
+      </p:pic>
+      <p:pic>
+        <p:nvPicPr>
+          <p:cNvPr id="9" name="Picture 8">
+            <a:extLst>
+              <a:ext uri="{FF2B5EF4-FFF2-40B4-BE49-F238E27FC236}">
+                <a16:creationId xmlns:a16="http://schemas.microsoft.com/office/drawing/2014/main" id="{FDAB4F20-FBFA-8541-980D-BD167C9EFAAA}"/>
+              </a:ext>
+            </a:extLst>
+          </p:cNvPr>
+          <p:cNvPicPr>
+            <a:picLocks noChangeAspect="1"/>
+          </p:cNvPicPr>
+          <p:nvPr/>
+        </p:nvPicPr>
+        <p:blipFill>
+          <a:blip r:embed="rId3"/>
+          <a:stretch>
+            <a:fillRect/>
+          </a:stretch>
+        </p:blipFill>
+        <p:spPr>
+          <a:xfrm>
+            <a:off x="2510416" y="2017216"/>
+            <a:ext cx="2025994" cy="3513087"/>
+          </a:xfrm>
+          <a:prstGeom prst="rect">
+            <a:avLst/>
+          </a:prstGeom>
+        </p:spPr>
+      </p:pic>
+      <p:pic>
+        <p:nvPicPr>
+          <p:cNvPr id="10" name="Picture 9">
+            <a:extLst>
+              <a:ext uri="{FF2B5EF4-FFF2-40B4-BE49-F238E27FC236}">
+                <a16:creationId xmlns:a16="http://schemas.microsoft.com/office/drawing/2014/main" id="{1AF584E4-EC04-1A4A-96D0-2E3767F84E74}"/>
+              </a:ext>
+            </a:extLst>
+          </p:cNvPr>
+          <p:cNvPicPr>
+            <a:picLocks noChangeAspect="1"/>
+          </p:cNvPicPr>
+          <p:nvPr/>
+        </p:nvPicPr>
+        <p:blipFill>
+          <a:blip r:embed="rId4"/>
+          <a:stretch>
+            <a:fillRect/>
+          </a:stretch>
+        </p:blipFill>
+        <p:spPr>
+          <a:xfrm>
+            <a:off x="5146318" y="2017216"/>
+            <a:ext cx="1885701" cy="3513087"/>
+          </a:xfrm>
+          <a:prstGeom prst="rect">
+            <a:avLst/>
+          </a:prstGeom>
+        </p:spPr>
+      </p:pic>
+      <p:pic>
+        <p:nvPicPr>
+          <p:cNvPr id="12" name="Picture 11">
+            <a:extLst>
+              <a:ext uri="{FF2B5EF4-FFF2-40B4-BE49-F238E27FC236}">
+                <a16:creationId xmlns:a16="http://schemas.microsoft.com/office/drawing/2014/main" id="{7E5B4A7E-B7D1-1142-8497-535E31785EBD}"/>
+              </a:ext>
+            </a:extLst>
+          </p:cNvPr>
+          <p:cNvPicPr>
+            <a:picLocks noChangeAspect="1"/>
+          </p:cNvPicPr>
+          <p:nvPr/>
+        </p:nvPicPr>
+        <p:blipFill>
+          <a:blip r:embed="rId5"/>
+          <a:stretch>
+            <a:fillRect/>
+          </a:stretch>
+        </p:blipFill>
+        <p:spPr>
+          <a:xfrm>
+            <a:off x="8341585" y="1959519"/>
+            <a:ext cx="2448526" cy="1078611"/>
+          </a:xfrm>
+          <a:prstGeom prst="rect">
+            <a:avLst/>
+          </a:prstGeom>
+        </p:spPr>
+      </p:pic>
+      <p:pic>
+        <p:nvPicPr>
+          <p:cNvPr id="13" name="Picture 12">
+            <a:extLst>
+              <a:ext uri="{FF2B5EF4-FFF2-40B4-BE49-F238E27FC236}">
+                <a16:creationId xmlns:a16="http://schemas.microsoft.com/office/drawing/2014/main" id="{E8925076-7D9D-8C4F-9F22-9CFE12E64B8B}"/>
+              </a:ext>
+            </a:extLst>
+          </p:cNvPr>
+          <p:cNvPicPr>
+            <a:picLocks noChangeAspect="1"/>
+          </p:cNvPicPr>
+          <p:nvPr/>
+        </p:nvPicPr>
+        <p:blipFill>
+          <a:blip r:embed="rId6"/>
+          <a:stretch>
+            <a:fillRect/>
+          </a:stretch>
+        </p:blipFill>
+        <p:spPr>
+          <a:xfrm>
+            <a:off x="8398220" y="3394014"/>
+            <a:ext cx="2335255" cy="1491752"/>
+          </a:xfrm>
+          <a:prstGeom prst="rect">
+            <a:avLst/>
+          </a:prstGeom>
+        </p:spPr>
+      </p:pic>
+      <p:pic>
+        <p:nvPicPr>
+          <p:cNvPr id="14" name="Picture 13">
+            <a:extLst>
+              <a:ext uri="{FF2B5EF4-FFF2-40B4-BE49-F238E27FC236}">
+                <a16:creationId xmlns:a16="http://schemas.microsoft.com/office/drawing/2014/main" id="{59433C13-9B3B-9549-8FD5-769D8C7A3437}"/>
+              </a:ext>
+            </a:extLst>
+          </p:cNvPr>
+          <p:cNvPicPr>
+            <a:picLocks noChangeAspect="1"/>
+          </p:cNvPicPr>
+          <p:nvPr/>
+        </p:nvPicPr>
+        <p:blipFill>
+          <a:blip r:embed="rId7"/>
+          <a:stretch>
+            <a:fillRect/>
+          </a:stretch>
+        </p:blipFill>
+        <p:spPr>
+          <a:xfrm>
+            <a:off x="8341585" y="5306993"/>
+            <a:ext cx="2391890" cy="1963868"/>
+          </a:xfrm>
+          <a:prstGeom prst="rect">
+            <a:avLst/>
+          </a:prstGeom>
+        </p:spPr>
+      </p:pic>
+      <p:cxnSp>
+        <p:nvCxnSpPr>
+          <p:cNvPr id="17" name="Straight Arrow Connector 16">
+            <a:extLst>
+              <a:ext uri="{FF2B5EF4-FFF2-40B4-BE49-F238E27FC236}">
+                <a16:creationId xmlns:a16="http://schemas.microsoft.com/office/drawing/2014/main" id="{0DB44B89-B783-3E42-AEAB-43A290395405}"/>
+              </a:ext>
+            </a:extLst>
+          </p:cNvPr>
+          <p:cNvCxnSpPr/>
+          <p:nvPr/>
+        </p:nvCxnSpPr>
+        <p:spPr>
+          <a:xfrm>
+            <a:off x="1900508" y="2581786"/>
+            <a:ext cx="609908" cy="0"/>
+          </a:xfrm>
+          <a:prstGeom prst="straightConnector1">
+            <a:avLst/>
+          </a:prstGeom>
+          <a:ln w="127000">
+            <a:tailEnd type="triangle"/>
+          </a:ln>
+        </p:spPr>
+        <p:style>
+          <a:lnRef idx="1">
+            <a:schemeClr val="accent1"/>
+          </a:lnRef>
+          <a:fillRef idx="0">
+            <a:schemeClr val="accent1"/>
+          </a:fillRef>
+          <a:effectRef idx="0">
+            <a:schemeClr val="accent1"/>
+          </a:effectRef>
+          <a:fontRef idx="minor">
+            <a:schemeClr val="tx1"/>
+          </a:fontRef>
+        </p:style>
+      </p:cxnSp>
+      <p:cxnSp>
+        <p:nvCxnSpPr>
+          <p:cNvPr id="18" name="Straight Arrow Connector 17">
+            <a:extLst>
+              <a:ext uri="{FF2B5EF4-FFF2-40B4-BE49-F238E27FC236}">
+                <a16:creationId xmlns:a16="http://schemas.microsoft.com/office/drawing/2014/main" id="{C7C899E8-A3C2-0F47-8AC8-0953B02F588B}"/>
+              </a:ext>
+            </a:extLst>
+          </p:cNvPr>
+          <p:cNvCxnSpPr/>
+          <p:nvPr/>
+        </p:nvCxnSpPr>
+        <p:spPr>
+          <a:xfrm>
+            <a:off x="7262357" y="2581786"/>
+            <a:ext cx="609908" cy="0"/>
+          </a:xfrm>
+          <a:prstGeom prst="straightConnector1">
+            <a:avLst/>
+          </a:prstGeom>
+          <a:ln w="127000">
+            <a:tailEnd type="triangle"/>
+          </a:ln>
+        </p:spPr>
+        <p:style>
+          <a:lnRef idx="1">
+            <a:schemeClr val="accent1"/>
+          </a:lnRef>
+          <a:fillRef idx="0">
+            <a:schemeClr val="accent1"/>
+          </a:fillRef>
+          <a:effectRef idx="0">
+            <a:schemeClr val="accent1"/>
+          </a:effectRef>
+          <a:fontRef idx="minor">
+            <a:schemeClr val="tx1"/>
+          </a:fontRef>
+        </p:style>
+      </p:cxnSp>
+      <p:cxnSp>
+        <p:nvCxnSpPr>
+          <p:cNvPr id="19" name="Straight Arrow Connector 18">
+            <a:extLst>
+              <a:ext uri="{FF2B5EF4-FFF2-40B4-BE49-F238E27FC236}">
+                <a16:creationId xmlns:a16="http://schemas.microsoft.com/office/drawing/2014/main" id="{9BC4CD48-AFDB-FD4D-9C37-576B751A0DE3}"/>
+              </a:ext>
+            </a:extLst>
+          </p:cNvPr>
+          <p:cNvCxnSpPr/>
+          <p:nvPr/>
+        </p:nvCxnSpPr>
+        <p:spPr>
+          <a:xfrm>
+            <a:off x="4536410" y="2663387"/>
+            <a:ext cx="609908" cy="0"/>
+          </a:xfrm>
+          <a:prstGeom prst="straightConnector1">
+            <a:avLst/>
+          </a:prstGeom>
+          <a:ln w="127000">
+            <a:tailEnd type="triangle"/>
+          </a:ln>
+        </p:spPr>
+        <p:style>
+          <a:lnRef idx="1">
+            <a:schemeClr val="accent1"/>
+          </a:lnRef>
+          <a:fillRef idx="0">
+            <a:schemeClr val="accent1"/>
+          </a:fillRef>
+          <a:effectRef idx="0">
+            <a:schemeClr val="accent1"/>
+          </a:effectRef>
+          <a:fontRef idx="minor">
+            <a:schemeClr val="tx1"/>
+          </a:fontRef>
+        </p:style>
+      </p:cxnSp>
+      <p:cxnSp>
+        <p:nvCxnSpPr>
+          <p:cNvPr id="20" name="Straight Arrow Connector 19">
+            <a:extLst>
+              <a:ext uri="{FF2B5EF4-FFF2-40B4-BE49-F238E27FC236}">
+                <a16:creationId xmlns:a16="http://schemas.microsoft.com/office/drawing/2014/main" id="{C3C49E03-9F48-EF4E-8E70-8F5D5EDB9AD5}"/>
+              </a:ext>
+            </a:extLst>
+          </p:cNvPr>
+          <p:cNvCxnSpPr>
+            <a:cxnSpLocks/>
+          </p:cNvCxnSpPr>
+          <p:nvPr/>
+        </p:nvCxnSpPr>
+        <p:spPr>
+          <a:xfrm>
+            <a:off x="9536855" y="2832910"/>
+            <a:ext cx="0" cy="630116"/>
+          </a:xfrm>
+          <a:prstGeom prst="straightConnector1">
+            <a:avLst/>
+          </a:prstGeom>
+          <a:ln w="127000">
+            <a:tailEnd type="triangle"/>
+          </a:ln>
+        </p:spPr>
+        <p:style>
+          <a:lnRef idx="1">
+            <a:schemeClr val="accent1"/>
+          </a:lnRef>
+          <a:fillRef idx="0">
+            <a:schemeClr val="accent1"/>
+          </a:fillRef>
+          <a:effectRef idx="0">
+            <a:schemeClr val="accent1"/>
+          </a:effectRef>
+          <a:fontRef idx="minor">
+            <a:schemeClr val="tx1"/>
+          </a:fontRef>
+        </p:style>
+      </p:cxnSp>
+      <p:cxnSp>
+        <p:nvCxnSpPr>
+          <p:cNvPr id="22" name="Straight Arrow Connector 21">
+            <a:extLst>
+              <a:ext uri="{FF2B5EF4-FFF2-40B4-BE49-F238E27FC236}">
+                <a16:creationId xmlns:a16="http://schemas.microsoft.com/office/drawing/2014/main" id="{F4695553-176A-B24B-AC73-885292C0F93C}"/>
+              </a:ext>
+            </a:extLst>
+          </p:cNvPr>
+          <p:cNvCxnSpPr>
+            <a:cxnSpLocks/>
+          </p:cNvCxnSpPr>
+          <p:nvPr/>
+        </p:nvCxnSpPr>
+        <p:spPr>
+          <a:xfrm>
+            <a:off x="9536855" y="4865996"/>
+            <a:ext cx="0" cy="630116"/>
+          </a:xfrm>
+          <a:prstGeom prst="straightConnector1">
+            <a:avLst/>
+          </a:prstGeom>
+          <a:ln w="127000">
+            <a:tailEnd type="triangle"/>
+          </a:ln>
+        </p:spPr>
+        <p:style>
+          <a:lnRef idx="1">
+            <a:schemeClr val="accent1"/>
+          </a:lnRef>
+          <a:fillRef idx="0">
+            <a:schemeClr val="accent1"/>
+          </a:fillRef>
+          <a:effectRef idx="0">
+            <a:schemeClr val="accent1"/>
+          </a:effectRef>
+          <a:fontRef idx="minor">
+            <a:schemeClr val="tx1"/>
+          </a:fontRef>
+        </p:style>
+      </p:cxnSp>
+    </p:spTree>
+    <p:extLst>
+      <p:ext uri="{BB962C8B-B14F-4D97-AF65-F5344CB8AC3E}">
+        <p14:creationId xmlns:p14="http://schemas.microsoft.com/office/powerpoint/2010/main" val="341308375"/>
+      </p:ext>
+    </p:extLst>
+  </p:cSld>
+  <p:clrMapOvr>
+    <a:masterClrMapping/>
+  </p:clrMapOvr>
+</p:sld>
+</file>
+
+<file path=ppt/slides/slide21.xml><?xml version="1.0" encoding="utf-8"?>
+<p:sld xmlns:a="http://schemas.openxmlformats.org/drawingml/2006/main" xmlns:r="http://schemas.openxmlformats.org/officeDocument/2006/relationships" xmlns:p="http://schemas.openxmlformats.org/presentationml/2006/main">
+  <p:cSld>
+    <p:spTree>
+      <p:nvGrpSpPr>
+        <p:cNvPr id="1" name=""/>
+        <p:cNvGrpSpPr/>
+        <p:nvPr/>
+      </p:nvGrpSpPr>
+      <p:grpSpPr>
+        <a:xfrm>
+          <a:off x="0" y="0"/>
+          <a:ext cx="0" cy="0"/>
+          <a:chOff x="0" y="0"/>
+          <a:chExt cx="0" cy="0"/>
+        </a:xfrm>
+      </p:grpSpPr>
+      <p:sp>
+        <p:nvSpPr>
+          <p:cNvPr id="2" name="Title 1">
+            <a:extLst>
+              <a:ext uri="{FF2B5EF4-FFF2-40B4-BE49-F238E27FC236}">
+                <a16:creationId xmlns:a16="http://schemas.microsoft.com/office/drawing/2014/main" id="{93966762-C3A5-3C4D-A279-EF6ECE00A35F}"/>
+              </a:ext>
+            </a:extLst>
+          </p:cNvPr>
+          <p:cNvSpPr>
+            <a:spLocks noGrp="1"/>
+          </p:cNvSpPr>
+          <p:nvPr>
+            <p:ph type="title"/>
+          </p:nvPr>
+        </p:nvSpPr>
+        <p:spPr>
+          <a:xfrm>
+            <a:off x="838200" y="85427"/>
+            <a:ext cx="10866120" cy="1325563"/>
+          </a:xfrm>
+        </p:spPr>
+        <p:txBody>
+          <a:bodyPr>
+            <a:normAutofit/>
+          </a:bodyPr>
+          <a:lstStyle/>
+          <a:p>
+            <a:r>
+              <a:rPr lang="en-US" sz="3600"/>
+              <a:t>Prepare the CA Certificate of Burp </a:t>
+            </a:r>
+          </a:p>
+        </p:txBody>
+      </p:sp>
+      <p:sp>
+        <p:nvSpPr>
+          <p:cNvPr id="3" name="Content Placeholder 2">
+            <a:extLst>
+              <a:ext uri="{FF2B5EF4-FFF2-40B4-BE49-F238E27FC236}">
+                <a16:creationId xmlns:a16="http://schemas.microsoft.com/office/drawing/2014/main" id="{5D98E177-C354-D542-A14E-E86EEC9F17A0}"/>
+              </a:ext>
+            </a:extLst>
+          </p:cNvPr>
+          <p:cNvSpPr>
+            <a:spLocks noGrp="1"/>
+          </p:cNvSpPr>
+          <p:nvPr>
+            <p:ph idx="1"/>
+          </p:nvPr>
+        </p:nvSpPr>
+        <p:spPr>
+          <a:xfrm>
+            <a:off x="838200" y="1410990"/>
+            <a:ext cx="10515600" cy="4351338"/>
+          </a:xfrm>
+        </p:spPr>
+        <p:txBody>
+          <a:bodyPr>
+            <a:noAutofit/>
+          </a:bodyPr>
+          <a:lstStyle/>
+          <a:p>
+            <a:pPr marL="0" indent="0">
+              <a:buNone/>
+            </a:pPr>
+            <a:r>
+              <a:rPr lang="en-US" sz="2000" dirty="0"/>
+              <a:t>Next we need to import the CA into our </a:t>
+            </a:r>
+            <a:r>
+              <a:rPr lang="en-US" sz="2000" dirty="0" err="1"/>
+              <a:t>trustore</a:t>
+            </a:r>
+            <a:r>
+              <a:rPr lang="en-US" sz="2000" dirty="0"/>
+              <a:t> on the emulator:</a:t>
+            </a:r>
+          </a:p>
+          <a:p>
+            <a:pPr marL="0" indent="0">
+              <a:buNone/>
+            </a:pPr>
+            <a:endParaRPr lang="en-US" sz="2000" dirty="0"/>
+          </a:p>
+          <a:p>
+            <a:pPr marL="0" indent="0">
+              <a:buNone/>
+            </a:pPr>
+            <a:endParaRPr lang="en-US" sz="2000" dirty="0"/>
+          </a:p>
+          <a:p>
+            <a:pPr marL="0" indent="0">
+              <a:buNone/>
+            </a:pPr>
+            <a:endParaRPr lang="en-US" sz="2000" dirty="0"/>
+          </a:p>
+          <a:p>
+            <a:pPr marL="0" indent="0">
+              <a:buNone/>
+            </a:pPr>
+            <a:endParaRPr lang="en-US" sz="2000" dirty="0"/>
+          </a:p>
+          <a:p>
+            <a:pPr marL="0" indent="0">
+              <a:buNone/>
+            </a:pPr>
+            <a:endParaRPr lang="en-US" sz="2000" dirty="0"/>
+          </a:p>
+          <a:p>
+            <a:pPr marL="0" indent="0">
+              <a:buNone/>
+            </a:pPr>
+            <a:endParaRPr lang="en-US" sz="2000" dirty="0"/>
+          </a:p>
+          <a:p>
+            <a:pPr marL="0" indent="0">
+              <a:buNone/>
+            </a:pPr>
+            <a:endParaRPr lang="en-US" sz="2000" dirty="0"/>
+          </a:p>
+          <a:p>
+            <a:pPr marL="0" indent="0">
+              <a:buNone/>
+            </a:pPr>
+            <a:endParaRPr lang="en-US" sz="2000" dirty="0"/>
+          </a:p>
+          <a:p>
+            <a:pPr marL="0" indent="0">
+              <a:buNone/>
+            </a:pPr>
+            <a:endParaRPr lang="en-US" sz="2000" dirty="0"/>
+          </a:p>
+          <a:p>
+            <a:pPr marL="0" indent="0">
+              <a:buNone/>
+            </a:pPr>
+            <a:endParaRPr lang="en-US" sz="2000" dirty="0"/>
+          </a:p>
+          <a:p>
+            <a:pPr marL="0" indent="0">
+              <a:buNone/>
+            </a:pPr>
+            <a:endParaRPr lang="en-US" sz="2000" dirty="0"/>
+          </a:p>
+        </p:txBody>
+      </p:sp>
+      <p:pic>
+        <p:nvPicPr>
           <p:cNvPr id="4" name="Picture 3">
             <a:extLst>
               <a:ext uri="{FF2B5EF4-FFF2-40B4-BE49-F238E27FC236}">
@@ -6416,7 +6684,7 @@
             <a:pPr marL="0" indent="0">
               <a:buNone/>
             </a:pPr>
-            <a:endParaRPr lang="en-US">
+            <a:endParaRPr lang="en-US" dirty="0">
               <a:hlinkClick r:id="rId2"/>
             </a:endParaRPr>
           </a:p>
@@ -6424,29 +6692,29 @@
             <a:pPr marL="0" indent="0">
               <a:buNone/>
             </a:pPr>
-            <a:endParaRPr lang="en-US"/>
-          </a:p>
-          <a:p>
-            <a:pPr marL="0" indent="0">
-              <a:buNone/>
-            </a:pPr>
-            <a:r>
-              <a:rPr lang="en-US"/>
-              <a:t>Please make sure you have JRE installed! </a:t>
-            </a:r>
-          </a:p>
-          <a:p>
-            <a:pPr marL="0" indent="0">
-              <a:buNone/>
-            </a:pPr>
-            <a:endParaRPr lang="en-US"/>
-          </a:p>
-          <a:p>
-            <a:pPr marL="0" indent="0">
-              <a:buNone/>
-            </a:pPr>
-            <a:r>
-              <a:rPr lang="en-US"/>
+            <a:endParaRPr lang="en-US" dirty="0"/>
+          </a:p>
+          <a:p>
+            <a:pPr marL="0" indent="0">
+              <a:buNone/>
+            </a:pPr>
+            <a:r>
+              <a:rPr lang="en-US" dirty="0"/>
+              <a:t>Please make sure you have JRE (java 8!) installed! </a:t>
+            </a:r>
+          </a:p>
+          <a:p>
+            <a:pPr marL="0" indent="0">
+              <a:buNone/>
+            </a:pPr>
+            <a:endParaRPr lang="en-US" dirty="0"/>
+          </a:p>
+          <a:p>
+            <a:pPr marL="0" indent="0">
+              <a:buNone/>
+            </a:pPr>
+            <a:r>
+              <a:rPr lang="en-US" dirty="0"/>
               <a:t>Download the community edition </a:t>
             </a:r>
           </a:p>
@@ -6455,24 +6723,24 @@
               <a:buNone/>
             </a:pPr>
             <a:r>
-              <a:rPr lang="en-US">
+              <a:rPr lang="en-US" dirty="0">
                 <a:hlinkClick r:id="rId3"/>
               </a:rPr>
               <a:t>https://portswigger.net/burp/communitydownload</a:t>
             </a:r>
-            <a:endParaRPr lang="en-US"/>
-          </a:p>
-          <a:p>
-            <a:pPr marL="0" indent="0">
-              <a:buNone/>
-            </a:pPr>
-            <a:endParaRPr lang="en-US"/>
-          </a:p>
-          <a:p>
-            <a:pPr marL="0" indent="0">
-              <a:buNone/>
-            </a:pPr>
-            <a:endParaRPr lang="en-US"/>
+            <a:endParaRPr lang="en-US" dirty="0"/>
+          </a:p>
+          <a:p>
+            <a:pPr marL="0" indent="0">
+              <a:buNone/>
+            </a:pPr>
+            <a:endParaRPr lang="en-US" dirty="0"/>
+          </a:p>
+          <a:p>
+            <a:pPr marL="0" indent="0">
+              <a:buNone/>
+            </a:pPr>
+            <a:endParaRPr lang="en-US" dirty="0"/>
           </a:p>
         </p:txBody>
       </p:sp>
@@ -6760,6 +7028,45 @@
             <a:r>
               <a:rPr lang="en-US" dirty="0"/>
               <a:t> </a:t>
+            </a:r>
+          </a:p>
+          <a:p>
+            <a:pPr marL="0" indent="0">
+              <a:buNone/>
+            </a:pPr>
+            <a:endParaRPr lang="en-US" dirty="0"/>
+          </a:p>
+          <a:p>
+            <a:pPr marL="0" indent="0">
+              <a:buNone/>
+            </a:pPr>
+            <a:r>
+              <a:rPr lang="en-US" dirty="0"/>
+              <a:t>Next, use the </a:t>
+            </a:r>
+            <a:r>
+              <a:rPr lang="en-US" dirty="0" err="1"/>
+              <a:t>sdkmanager</a:t>
+            </a:r>
+            <a:r>
+              <a:rPr lang="en-US" dirty="0"/>
+              <a:t> to download the SDK and AVD for Android 7 (API level 24) for Android 8 (</a:t>
+            </a:r>
+            <a:r>
+              <a:rPr lang="en-US" dirty="0" err="1"/>
+              <a:t>api</a:t>
+            </a:r>
+            <a:r>
+              <a:rPr lang="en-US" dirty="0"/>
+              <a:t> </a:t>
+            </a:r>
+            <a:r>
+              <a:rPr lang="en-US" dirty="0" err="1"/>
+              <a:t>lvl</a:t>
+            </a:r>
+            <a:r>
+              <a:rPr lang="en-US" dirty="0"/>
+              <a:t> 26), using an x86 image. (NOT X86-64!)</a:t>
             </a:r>
           </a:p>
         </p:txBody>
